--- a/02_DB 진수빈 수정본.pptx
+++ b/02_DB 진수빈 수정본.pptx
@@ -233,7 +233,7 @@
           <a:p>
             <a:fld id="{0D609BC1-B13D-4A20-B0CF-E64D88272172}" type="datetimeFigureOut">
               <a:rPr lang="ko-KR" altLang="en-US" smtClean="0"/>
-              <a:t>2022-06-03</a:t>
+              <a:t>2022-06-09</a:t>
             </a:fld>
             <a:endParaRPr lang="ko-KR" altLang="en-US"/>
           </a:p>
@@ -706,7 +706,7 @@
           <a:p>
             <a:fld id="{D45FA939-1071-437E-8C2E-E5B99FE10699}" type="datetime1">
               <a:rPr lang="ko-KR" altLang="en-US" smtClean="0"/>
-              <a:t>2022-06-03</a:t>
+              <a:t>2022-06-09</a:t>
             </a:fld>
             <a:endParaRPr lang="ko-KR" altLang="en-US"/>
           </a:p>
@@ -991,7 +991,7 @@
           <a:p>
             <a:fld id="{5FF77B7D-147B-47C5-B8AB-7560B3003944}" type="datetime1">
               <a:rPr lang="ko-KR" altLang="en-US" smtClean="0"/>
-              <a:t>2022-06-03</a:t>
+              <a:t>2022-06-09</a:t>
             </a:fld>
             <a:endParaRPr lang="ko-KR" altLang="en-US"/>
           </a:p>
@@ -1171,7 +1171,7 @@
           <a:p>
             <a:fld id="{4B7C68AC-F599-49AB-BDB4-381FFB24E03E}" type="datetime1">
               <a:rPr lang="ko-KR" altLang="en-US" smtClean="0"/>
-              <a:t>2022-06-03</a:t>
+              <a:t>2022-06-09</a:t>
             </a:fld>
             <a:endParaRPr lang="ko-KR" altLang="en-US"/>
           </a:p>
@@ -1341,7 +1341,7 @@
           <a:p>
             <a:fld id="{D22268A2-5AF2-4D03-BB7C-1271885A2680}" type="datetime1">
               <a:rPr lang="ko-KR" altLang="en-US" smtClean="0"/>
-              <a:t>2022-06-03</a:t>
+              <a:t>2022-06-09</a:t>
             </a:fld>
             <a:endParaRPr lang="ko-KR" altLang="en-US"/>
           </a:p>
@@ -1760,7 +1760,7 @@
           <a:p>
             <a:fld id="{1DA1D25B-4084-4176-85EA-A3396A0892A8}" type="datetime1">
               <a:rPr lang="ko-KR" altLang="en-US" smtClean="0"/>
-              <a:t>2022-06-03</a:t>
+              <a:t>2022-06-09</a:t>
             </a:fld>
             <a:endParaRPr lang="ko-KR" altLang="en-US"/>
           </a:p>
@@ -1992,7 +1992,7 @@
           <a:p>
             <a:fld id="{EB7ECB6F-DEF8-46B6-82A1-582E89E223F8}" type="datetime1">
               <a:rPr lang="ko-KR" altLang="en-US" smtClean="0"/>
-              <a:t>2022-06-03</a:t>
+              <a:t>2022-06-09</a:t>
             </a:fld>
             <a:endParaRPr lang="ko-KR" altLang="en-US"/>
           </a:p>
@@ -2359,7 +2359,7 @@
           <a:p>
             <a:fld id="{CE0ED1FC-9439-474D-9285-F29F1FDCE38F}" type="datetime1">
               <a:rPr lang="ko-KR" altLang="en-US" smtClean="0"/>
-              <a:t>2022-06-03</a:t>
+              <a:t>2022-06-09</a:t>
             </a:fld>
             <a:endParaRPr lang="ko-KR" altLang="en-US"/>
           </a:p>
@@ -2477,7 +2477,7 @@
           <a:p>
             <a:fld id="{1214ECD7-DBB8-4441-AFE0-30B67B112136}" type="datetime1">
               <a:rPr lang="ko-KR" altLang="en-US" smtClean="0"/>
-              <a:t>2022-06-03</a:t>
+              <a:t>2022-06-09</a:t>
             </a:fld>
             <a:endParaRPr lang="ko-KR" altLang="en-US"/>
           </a:p>
@@ -2572,7 +2572,7 @@
           <a:p>
             <a:fld id="{1B11A1B5-966D-402D-9594-EA0C073CE2E7}" type="datetime1">
               <a:rPr lang="ko-KR" altLang="en-US" smtClean="0"/>
-              <a:t>2022-06-03</a:t>
+              <a:t>2022-06-09</a:t>
             </a:fld>
             <a:endParaRPr lang="ko-KR" altLang="en-US"/>
           </a:p>
@@ -2849,7 +2849,7 @@
           <a:p>
             <a:fld id="{27BA276B-9987-4C21-BA6B-318E29ED8E87}" type="datetime1">
               <a:rPr lang="ko-KR" altLang="en-US" smtClean="0"/>
-              <a:t>2022-06-03</a:t>
+              <a:t>2022-06-09</a:t>
             </a:fld>
             <a:endParaRPr lang="ko-KR" altLang="en-US"/>
           </a:p>
@@ -3106,7 +3106,7 @@
           <a:p>
             <a:fld id="{F5E9DF86-19DF-4C1D-AD26-93B32DED913F}" type="datetime1">
               <a:rPr lang="ko-KR" altLang="en-US" smtClean="0"/>
-              <a:t>2022-06-03</a:t>
+              <a:t>2022-06-09</a:t>
             </a:fld>
             <a:endParaRPr lang="ko-KR" altLang="en-US"/>
           </a:p>
@@ -3319,7 +3319,7 @@
           <a:p>
             <a:fld id="{3E090C46-8C8A-444C-A1CD-620949805C18}" type="datetime1">
               <a:rPr lang="ko-KR" altLang="en-US" smtClean="0"/>
-              <a:t>2022-06-03</a:t>
+              <a:t>2022-06-09</a:t>
             </a:fld>
             <a:endParaRPr lang="ko-KR" altLang="en-US"/>
           </a:p>
@@ -14860,7 +14860,7 @@
           <p:nvPr>
             <p:extLst>
               <p:ext uri="{D42A27DB-BD31-4B8C-83A1-F6EECF244321}">
-                <p14:modId xmlns:p14="http://schemas.microsoft.com/office/powerpoint/2010/main" val="3329996968"/>
+                <p14:modId xmlns:p14="http://schemas.microsoft.com/office/powerpoint/2010/main" val="3982762932"/>
               </p:ext>
             </p:extLst>
           </p:nvPr>
@@ -15478,7 +15478,7 @@
                           <a:latin typeface="+mn-ea"/>
                           <a:ea typeface="+mn-ea"/>
                         </a:rPr>
-                        <a:t>memberId</a:t>
+                        <a:t>cheersMemberId</a:t>
                       </a:r>
                       <a:endParaRPr lang="en-US" altLang="ko-KR" sz="1100" b="0" i="0" u="none" strike="noStrike" dirty="0">
                         <a:solidFill>
@@ -15517,12 +15517,12 @@
                         <a:defRPr/>
                       </a:pPr>
                       <a:r>
-                        <a:rPr lang="en-US" altLang="ko-KR" sz="1100" u="none" strike="noStrike" dirty="0">
-                          <a:effectLst/>
-                          <a:latin typeface="+mn-ea"/>
-                          <a:ea typeface="+mn-ea"/>
-                        </a:rPr>
-                        <a:t>varchar(30)</a:t>
+                        <a:rPr lang="en-US" altLang="ko-KR" sz="1100" u="none" strike="noStrike" dirty="0" err="1">
+                          <a:effectLst/>
+                          <a:latin typeface="+mn-ea"/>
+                          <a:ea typeface="+mn-ea"/>
+                        </a:rPr>
+                        <a:t>bigint</a:t>
                       </a:r>
                       <a:endParaRPr lang="en-US" altLang="ko-KR" sz="1100" b="0" i="0" u="none" strike="noStrike" dirty="0">
                         <a:solidFill>
@@ -15658,7 +15658,7 @@
                     <a:p>
                       <a:pPr algn="ctr" fontAlgn="ctr"/>
                       <a:r>
-                        <a:rPr lang="ko-KR" altLang="en-US" sz="1100" b="0" i="0" u="none" strike="noStrike" dirty="0">
+                        <a:rPr lang="ko-KR" altLang="en-US" sz="1100" b="0" i="0" u="none" strike="noStrike" dirty="0" err="1">
                           <a:solidFill>
                             <a:srgbClr val="000000"/>
                           </a:solidFill>
@@ -15666,8 +15666,16 @@
                           <a:latin typeface="+mn-ea"/>
                           <a:ea typeface="+mn-ea"/>
                         </a:rPr>
-                        <a:t>회원번호</a:t>
-                      </a:r>
+                        <a:t>회원아이디</a:t>
+                      </a:r>
+                      <a:endParaRPr lang="ko-KR" altLang="en-US" sz="1100" b="0" i="0" u="none" strike="noStrike" dirty="0">
+                        <a:solidFill>
+                          <a:srgbClr val="000000"/>
+                        </a:solidFill>
+                        <a:effectLst/>
+                        <a:latin typeface="+mn-ea"/>
+                        <a:ea typeface="+mn-ea"/>
+                      </a:endParaRPr>
                     </a:p>
                   </a:txBody>
                   <a:tcPr marL="6155" marR="6155" marT="6155" marB="0" anchor="ctr">
@@ -15747,7 +15755,7 @@
                     <a:p>
                       <a:pPr algn="ctr" fontAlgn="ctr"/>
                       <a:r>
-                        <a:rPr lang="en-US" sz="1100" b="0" i="0" u="none" strike="noStrike" dirty="0">
+                        <a:rPr lang="en-US" sz="1100" b="0" i="0" u="none" strike="noStrike" dirty="0" err="1">
                           <a:solidFill>
                             <a:srgbClr val="000000"/>
                           </a:solidFill>
@@ -15755,8 +15763,16 @@
                           <a:latin typeface="+mn-ea"/>
                           <a:ea typeface="+mn-ea"/>
                         </a:rPr>
-                        <a:t>int</a:t>
-                      </a:r>
+                        <a:t>bint</a:t>
+                      </a:r>
+                      <a:endParaRPr lang="en-US" sz="1100" b="0" i="0" u="none" strike="noStrike" dirty="0">
+                        <a:solidFill>
+                          <a:srgbClr val="000000"/>
+                        </a:solidFill>
+                        <a:effectLst/>
+                        <a:latin typeface="+mn-ea"/>
+                        <a:ea typeface="+mn-ea"/>
+                      </a:endParaRPr>
                     </a:p>
                   </a:txBody>
                   <a:tcPr marL="6155" marR="6155" marT="6155" marB="0" anchor="ctr">

--- a/02_DB 진수빈 수정본.pptx
+++ b/02_DB 진수빈 수정본.pptx
@@ -5,18 +5,17 @@
     <p:sldMasterId id="2147483660" r:id="rId1"/>
   </p:sldMasterIdLst>
   <p:notesMasterIdLst>
-    <p:notesMasterId r:id="rId11"/>
+    <p:notesMasterId r:id="rId10"/>
   </p:notesMasterIdLst>
   <p:sldIdLst>
     <p:sldId id="256" r:id="rId2"/>
     <p:sldId id="257" r:id="rId3"/>
-    <p:sldId id="265" r:id="rId4"/>
-    <p:sldId id="259" r:id="rId5"/>
-    <p:sldId id="262" r:id="rId6"/>
-    <p:sldId id="263" r:id="rId7"/>
-    <p:sldId id="264" r:id="rId8"/>
-    <p:sldId id="261" r:id="rId9"/>
-    <p:sldId id="260" r:id="rId10"/>
+    <p:sldId id="259" r:id="rId4"/>
+    <p:sldId id="262" r:id="rId5"/>
+    <p:sldId id="263" r:id="rId6"/>
+    <p:sldId id="264" r:id="rId7"/>
+    <p:sldId id="261" r:id="rId8"/>
+    <p:sldId id="260" r:id="rId9"/>
   </p:sldIdLst>
   <p:sldSz cx="9144000" cy="6858000" type="screen4x3"/>
   <p:notesSz cx="6858000" cy="9144000"/>
@@ -122,7 +121,6 @@
           <p14:sldIdLst>
             <p14:sldId id="256"/>
             <p14:sldId id="257"/>
-            <p14:sldId id="265"/>
             <p14:sldId id="259"/>
             <p14:sldId id="262"/>
             <p14:sldId id="263"/>
@@ -233,7 +231,7 @@
           <a:p>
             <a:fld id="{0D609BC1-B13D-4A20-B0CF-E64D88272172}" type="datetimeFigureOut">
               <a:rPr lang="ko-KR" altLang="en-US" smtClean="0"/>
-              <a:t>2022-06-09</a:t>
+              <a:t>2022-06-17</a:t>
             </a:fld>
             <a:endParaRPr lang="ko-KR" altLang="en-US"/>
           </a:p>
@@ -706,7 +704,7 @@
           <a:p>
             <a:fld id="{D45FA939-1071-437E-8C2E-E5B99FE10699}" type="datetime1">
               <a:rPr lang="ko-KR" altLang="en-US" smtClean="0"/>
-              <a:t>2022-06-09</a:t>
+              <a:t>2022-06-17</a:t>
             </a:fld>
             <a:endParaRPr lang="ko-KR" altLang="en-US"/>
           </a:p>
@@ -991,7 +989,7 @@
           <a:p>
             <a:fld id="{5FF77B7D-147B-47C5-B8AB-7560B3003944}" type="datetime1">
               <a:rPr lang="ko-KR" altLang="en-US" smtClean="0"/>
-              <a:t>2022-06-09</a:t>
+              <a:t>2022-06-17</a:t>
             </a:fld>
             <a:endParaRPr lang="ko-KR" altLang="en-US"/>
           </a:p>
@@ -1171,7 +1169,7 @@
           <a:p>
             <a:fld id="{4B7C68AC-F599-49AB-BDB4-381FFB24E03E}" type="datetime1">
               <a:rPr lang="ko-KR" altLang="en-US" smtClean="0"/>
-              <a:t>2022-06-09</a:t>
+              <a:t>2022-06-17</a:t>
             </a:fld>
             <a:endParaRPr lang="ko-KR" altLang="en-US"/>
           </a:p>
@@ -1341,7 +1339,7 @@
           <a:p>
             <a:fld id="{D22268A2-5AF2-4D03-BB7C-1271885A2680}" type="datetime1">
               <a:rPr lang="ko-KR" altLang="en-US" smtClean="0"/>
-              <a:t>2022-06-09</a:t>
+              <a:t>2022-06-17</a:t>
             </a:fld>
             <a:endParaRPr lang="ko-KR" altLang="en-US"/>
           </a:p>
@@ -1760,7 +1758,7 @@
           <a:p>
             <a:fld id="{1DA1D25B-4084-4176-85EA-A3396A0892A8}" type="datetime1">
               <a:rPr lang="ko-KR" altLang="en-US" smtClean="0"/>
-              <a:t>2022-06-09</a:t>
+              <a:t>2022-06-17</a:t>
             </a:fld>
             <a:endParaRPr lang="ko-KR" altLang="en-US"/>
           </a:p>
@@ -1992,7 +1990,7 @@
           <a:p>
             <a:fld id="{EB7ECB6F-DEF8-46B6-82A1-582E89E223F8}" type="datetime1">
               <a:rPr lang="ko-KR" altLang="en-US" smtClean="0"/>
-              <a:t>2022-06-09</a:t>
+              <a:t>2022-06-17</a:t>
             </a:fld>
             <a:endParaRPr lang="ko-KR" altLang="en-US"/>
           </a:p>
@@ -2359,7 +2357,7 @@
           <a:p>
             <a:fld id="{CE0ED1FC-9439-474D-9285-F29F1FDCE38F}" type="datetime1">
               <a:rPr lang="ko-KR" altLang="en-US" smtClean="0"/>
-              <a:t>2022-06-09</a:t>
+              <a:t>2022-06-17</a:t>
             </a:fld>
             <a:endParaRPr lang="ko-KR" altLang="en-US"/>
           </a:p>
@@ -2477,7 +2475,7 @@
           <a:p>
             <a:fld id="{1214ECD7-DBB8-4441-AFE0-30B67B112136}" type="datetime1">
               <a:rPr lang="ko-KR" altLang="en-US" smtClean="0"/>
-              <a:t>2022-06-09</a:t>
+              <a:t>2022-06-17</a:t>
             </a:fld>
             <a:endParaRPr lang="ko-KR" altLang="en-US"/>
           </a:p>
@@ -2572,7 +2570,7 @@
           <a:p>
             <a:fld id="{1B11A1B5-966D-402D-9594-EA0C073CE2E7}" type="datetime1">
               <a:rPr lang="ko-KR" altLang="en-US" smtClean="0"/>
-              <a:t>2022-06-09</a:t>
+              <a:t>2022-06-17</a:t>
             </a:fld>
             <a:endParaRPr lang="ko-KR" altLang="en-US"/>
           </a:p>
@@ -2849,7 +2847,7 @@
           <a:p>
             <a:fld id="{27BA276B-9987-4C21-BA6B-318E29ED8E87}" type="datetime1">
               <a:rPr lang="ko-KR" altLang="en-US" smtClean="0"/>
-              <a:t>2022-06-09</a:t>
+              <a:t>2022-06-17</a:t>
             </a:fld>
             <a:endParaRPr lang="ko-KR" altLang="en-US"/>
           </a:p>
@@ -3106,7 +3104,7 @@
           <a:p>
             <a:fld id="{F5E9DF86-19DF-4C1D-AD26-93B32DED913F}" type="datetime1">
               <a:rPr lang="ko-KR" altLang="en-US" smtClean="0"/>
-              <a:t>2022-06-09</a:t>
+              <a:t>2022-06-17</a:t>
             </a:fld>
             <a:endParaRPr lang="ko-KR" altLang="en-US"/>
           </a:p>
@@ -3319,7 +3317,7 @@
           <a:p>
             <a:fld id="{3E090C46-8C8A-444C-A1CD-620949805C18}" type="datetime1">
               <a:rPr lang="ko-KR" altLang="en-US" smtClean="0"/>
-              <a:t>2022-06-09</a:t>
+              <a:t>2022-06-17</a:t>
             </a:fld>
             <a:endParaRPr lang="ko-KR" altLang="en-US"/>
           </a:p>
@@ -4371,7 +4369,7 @@
           <p:nvPr>
             <p:extLst>
               <p:ext uri="{D42A27DB-BD31-4B8C-83A1-F6EECF244321}">
-                <p14:modId xmlns:p14="http://schemas.microsoft.com/office/powerpoint/2010/main" val="1584997745"/>
+                <p14:modId xmlns:p14="http://schemas.microsoft.com/office/powerpoint/2010/main" val="454654507"/>
               </p:ext>
             </p:extLst>
           </p:nvPr>
@@ -5027,7 +5025,7 @@
                           <a:latin typeface="+mn-ea"/>
                           <a:ea typeface="+mn-ea"/>
                         </a:rPr>
-                        <a:t>varchar(30)</a:t>
+                        <a:t>varchar(20)</a:t>
                       </a:r>
                       <a:endParaRPr lang="en-US" sz="1100" b="0" i="0" u="none" strike="noStrike" dirty="0">
                         <a:solidFill>
@@ -5282,14 +5280,14 @@
                     <a:p>
                       <a:pPr algn="ctr" fontAlgn="ctr"/>
                       <a:r>
-                        <a:rPr lang="en-US" sz="1100" u="none" strike="noStrike" dirty="0">
-                          <a:effectLst/>
-                          <a:latin typeface="+mn-ea"/>
-                          <a:ea typeface="+mn-ea"/>
-                        </a:rPr>
-                        <a:t>varchar(30)</a:t>
-                      </a:r>
-                      <a:endParaRPr lang="en-US" sz="1100" b="0" i="0" u="none" strike="noStrike" dirty="0">
+                        <a:rPr lang="en-US" altLang="ko-KR" sz="1100" u="none" strike="noStrike" dirty="0">
+                          <a:effectLst/>
+                          <a:latin typeface="+mn-ea"/>
+                          <a:ea typeface="+mn-ea"/>
+                        </a:rPr>
+                        <a:t>varchar(20)</a:t>
+                      </a:r>
+                      <a:endParaRPr lang="en-US" altLang="ko-KR" sz="1100" b="0" i="0" u="none" strike="noStrike" dirty="0">
                         <a:solidFill>
                           <a:srgbClr val="000000"/>
                         </a:solidFill>
@@ -5796,26 +5794,81 @@
                     <a:p>
                       <a:pPr algn="ctr" fontAlgn="ctr"/>
                       <a:r>
-                        <a:rPr lang="en-US" sz="1100" b="0" i="0" u="none" strike="noStrike" dirty="0">
+                        <a:rPr lang="en-US" altLang="ko-KR" sz="1100" u="none" strike="noStrike" dirty="0">
+                          <a:effectLst/>
+                          <a:latin typeface="+mn-ea"/>
+                          <a:ea typeface="+mn-ea"/>
+                        </a:rPr>
+                        <a:t>varchar(20)</a:t>
+                      </a:r>
+                      <a:endParaRPr lang="en-US" altLang="ko-KR" sz="1100" b="0" i="0" u="none" strike="noStrike" dirty="0">
+                        <a:solidFill>
+                          <a:srgbClr val="000000"/>
+                        </a:solidFill>
+                        <a:effectLst/>
+                        <a:latin typeface="+mn-ea"/>
+                        <a:ea typeface="+mn-ea"/>
+                      </a:endParaRPr>
+                    </a:p>
+                  </a:txBody>
+                  <a:tcPr marL="6155" marR="6155" marT="6155" marB="0" anchor="ctr">
+                    <a:noFill/>
+                  </a:tcPr>
+                </a:tc>
+                <a:tc>
+                  <a:txBody>
+                    <a:bodyPr/>
+                    <a:lstStyle/>
+                    <a:p>
+                      <a:pPr marL="0" marR="0" lvl="0" indent="0" algn="ctr" defTabSz="914400" rtl="0" eaLnBrk="1" fontAlgn="ctr" latinLnBrk="1" hangingPunct="1">
+                        <a:lnSpc>
+                          <a:spcPct val="100000"/>
+                        </a:lnSpc>
+                        <a:spcBef>
+                          <a:spcPts val="0"/>
+                        </a:spcBef>
+                        <a:spcAft>
+                          <a:spcPts val="0"/>
+                        </a:spcAft>
+                        <a:buClrTx/>
+                        <a:buSzTx/>
+                        <a:buFontTx/>
+                        <a:buNone/>
+                        <a:tabLst/>
+                        <a:defRPr/>
+                      </a:pPr>
+                      <a:r>
+                        <a:rPr kumimoji="0" lang="en-US" altLang="ko-KR" sz="1100" b="0" i="0" u="none" strike="noStrike" kern="1200" cap="none" spc="0" normalizeH="0" baseline="0" noProof="0" dirty="0">
+                          <a:ln>
+                            <a:noFill/>
+                          </a:ln>
                           <a:solidFill>
-                            <a:srgbClr val="000000"/>
+                            <a:prstClr val="black"/>
                           </a:solidFill>
                           <a:effectLst/>
-                          <a:latin typeface="+mn-ea"/>
-                          <a:ea typeface="+mn-ea"/>
-                        </a:rPr>
-                        <a:t>varchar(50)</a:t>
-                      </a:r>
-                    </a:p>
-                  </a:txBody>
-                  <a:tcPr marL="6155" marR="6155" marT="6155" marB="0" anchor="ctr">
-                    <a:noFill/>
-                  </a:tcPr>
-                </a:tc>
-                <a:tc>
-                  <a:txBody>
-                    <a:bodyPr/>
-                    <a:lstStyle/>
+                          <a:uLnTx/>
+                          <a:uFillTx/>
+                          <a:latin typeface="맑은 고딕" panose="020B0503020000020004" pitchFamily="50" charset="-127"/>
+                          <a:ea typeface="+mn-ea"/>
+                          <a:cs typeface="+mn-cs"/>
+                        </a:rPr>
+                        <a:t>N.N</a:t>
+                      </a:r>
+                      <a:endParaRPr kumimoji="0" lang="en-US" altLang="ko-KR" sz="1100" b="0" i="0" u="none" strike="noStrike" kern="1200" cap="none" spc="0" normalizeH="0" baseline="0" noProof="0" dirty="0">
+                        <a:ln>
+                          <a:noFill/>
+                        </a:ln>
+                        <a:solidFill>
+                          <a:srgbClr val="000000"/>
+                        </a:solidFill>
+                        <a:effectLst/>
+                        <a:uLnTx/>
+                        <a:uFillTx/>
+                        <a:latin typeface="맑은 고딕" panose="020B0503020000020004" pitchFamily="50" charset="-127"/>
+                        <a:ea typeface="+mn-ea"/>
+                        <a:cs typeface="+mn-cs"/>
+                      </a:endParaRPr>
+                    </a:p>
                     <a:p>
                       <a:pPr marL="0" marR="0" lvl="0" indent="0" algn="ctr" defTabSz="914400" rtl="0" eaLnBrk="1" fontAlgn="ctr" latinLnBrk="1" hangingPunct="1">
                         <a:lnSpc>
@@ -6005,26 +6058,81 @@
                     <a:p>
                       <a:pPr algn="ctr" fontAlgn="ctr"/>
                       <a:r>
-                        <a:rPr lang="en-US" sz="1100" b="0" i="0" u="none" strike="noStrike" dirty="0">
+                        <a:rPr lang="en-US" altLang="ko-KR" sz="1100" u="none" strike="noStrike" dirty="0">
+                          <a:effectLst/>
+                          <a:latin typeface="+mn-ea"/>
+                          <a:ea typeface="+mn-ea"/>
+                        </a:rPr>
+                        <a:t>varchar(20)</a:t>
+                      </a:r>
+                      <a:endParaRPr lang="en-US" altLang="ko-KR" sz="1100" b="0" i="0" u="none" strike="noStrike" dirty="0">
+                        <a:solidFill>
+                          <a:srgbClr val="000000"/>
+                        </a:solidFill>
+                        <a:effectLst/>
+                        <a:latin typeface="+mn-ea"/>
+                        <a:ea typeface="+mn-ea"/>
+                      </a:endParaRPr>
+                    </a:p>
+                  </a:txBody>
+                  <a:tcPr marL="6155" marR="6155" marT="6155" marB="0" anchor="ctr">
+                    <a:noFill/>
+                  </a:tcPr>
+                </a:tc>
+                <a:tc>
+                  <a:txBody>
+                    <a:bodyPr/>
+                    <a:lstStyle/>
+                    <a:p>
+                      <a:pPr marL="0" marR="0" lvl="0" indent="0" algn="ctr" defTabSz="914400" rtl="0" eaLnBrk="1" fontAlgn="ctr" latinLnBrk="1" hangingPunct="1">
+                        <a:lnSpc>
+                          <a:spcPct val="100000"/>
+                        </a:lnSpc>
+                        <a:spcBef>
+                          <a:spcPts val="0"/>
+                        </a:spcBef>
+                        <a:spcAft>
+                          <a:spcPts val="0"/>
+                        </a:spcAft>
+                        <a:buClrTx/>
+                        <a:buSzTx/>
+                        <a:buFontTx/>
+                        <a:buNone/>
+                        <a:tabLst/>
+                        <a:defRPr/>
+                      </a:pPr>
+                      <a:r>
+                        <a:rPr kumimoji="0" lang="en-US" altLang="ko-KR" sz="1100" b="0" i="0" u="none" strike="noStrike" kern="1200" cap="none" spc="0" normalizeH="0" baseline="0" noProof="0" dirty="0">
+                          <a:ln>
+                            <a:noFill/>
+                          </a:ln>
                           <a:solidFill>
-                            <a:srgbClr val="000000"/>
+                            <a:prstClr val="black"/>
                           </a:solidFill>
                           <a:effectLst/>
-                          <a:latin typeface="+mn-ea"/>
-                          <a:ea typeface="+mn-ea"/>
-                        </a:rPr>
-                        <a:t>varchar(50)</a:t>
-                      </a:r>
-                    </a:p>
-                  </a:txBody>
-                  <a:tcPr marL="6155" marR="6155" marT="6155" marB="0" anchor="ctr">
-                    <a:noFill/>
-                  </a:tcPr>
-                </a:tc>
-                <a:tc>
-                  <a:txBody>
-                    <a:bodyPr/>
-                    <a:lstStyle/>
+                          <a:uLnTx/>
+                          <a:uFillTx/>
+                          <a:latin typeface="맑은 고딕" panose="020B0503020000020004" pitchFamily="50" charset="-127"/>
+                          <a:ea typeface="+mn-ea"/>
+                          <a:cs typeface="+mn-cs"/>
+                        </a:rPr>
+                        <a:t>N.N</a:t>
+                      </a:r>
+                      <a:endParaRPr kumimoji="0" lang="en-US" altLang="ko-KR" sz="1100" b="0" i="0" u="none" strike="noStrike" kern="1200" cap="none" spc="0" normalizeH="0" baseline="0" noProof="0" dirty="0">
+                        <a:ln>
+                          <a:noFill/>
+                        </a:ln>
+                        <a:solidFill>
+                          <a:srgbClr val="000000"/>
+                        </a:solidFill>
+                        <a:effectLst/>
+                        <a:uLnTx/>
+                        <a:uFillTx/>
+                        <a:latin typeface="맑은 고딕" panose="020B0503020000020004" pitchFamily="50" charset="-127"/>
+                        <a:ea typeface="+mn-ea"/>
+                        <a:cs typeface="+mn-cs"/>
+                      </a:endParaRPr>
+                    </a:p>
                     <a:p>
                       <a:pPr marL="0" marR="0" lvl="0" indent="0" algn="ctr" defTabSz="914400" rtl="0" eaLnBrk="1" fontAlgn="ctr" latinLnBrk="1" hangingPunct="1">
                         <a:lnSpc>
@@ -6430,6 +6538,34 @@
                     <a:bodyPr/>
                     <a:lstStyle/>
                     <a:p>
+                      <a:pPr algn="ctr" fontAlgn="ctr"/>
+                      <a:r>
+                        <a:rPr lang="en-US" altLang="ko-KR" sz="1100" u="none" strike="noStrike" dirty="0">
+                          <a:effectLst/>
+                          <a:latin typeface="+mn-ea"/>
+                          <a:ea typeface="+mn-ea"/>
+                        </a:rPr>
+                        <a:t>varchar(20)</a:t>
+                      </a:r>
+                      <a:endParaRPr lang="en-US" altLang="ko-KR" sz="1100" b="0" i="0" u="none" strike="noStrike" dirty="0">
+                        <a:solidFill>
+                          <a:srgbClr val="000000"/>
+                        </a:solidFill>
+                        <a:effectLst/>
+                        <a:latin typeface="+mn-ea"/>
+                        <a:ea typeface="+mn-ea"/>
+                      </a:endParaRPr>
+                    </a:p>
+                  </a:txBody>
+                  <a:tcPr marL="6155" marR="6155" marT="6155" marB="0" anchor="ctr">
+                    <a:noFill/>
+                  </a:tcPr>
+                </a:tc>
+                <a:tc>
+                  <a:txBody>
+                    <a:bodyPr/>
+                    <a:lstStyle/>
+                    <a:p>
                       <a:pPr marL="0" marR="0" lvl="0" indent="0" algn="ctr" defTabSz="914400" rtl="0" eaLnBrk="1" fontAlgn="ctr" latinLnBrk="1" hangingPunct="1">
                         <a:lnSpc>
                           <a:spcPct val="100000"/>
@@ -6448,6 +6584,120 @@
                         <a:defRPr/>
                       </a:pPr>
                       <a:r>
+                        <a:rPr kumimoji="0" lang="en-US" altLang="ko-KR" sz="1100" b="0" i="0" u="none" strike="noStrike" kern="1200" cap="none" spc="0" normalizeH="0" baseline="0" noProof="0" dirty="0">
+                          <a:ln>
+                            <a:noFill/>
+                          </a:ln>
+                          <a:solidFill>
+                            <a:prstClr val="black"/>
+                          </a:solidFill>
+                          <a:effectLst/>
+                          <a:uLnTx/>
+                          <a:uFillTx/>
+                          <a:latin typeface="맑은 고딕" panose="020B0503020000020004" pitchFamily="50" charset="-127"/>
+                          <a:ea typeface="+mn-ea"/>
+                          <a:cs typeface="+mn-cs"/>
+                        </a:rPr>
+                        <a:t>N.N</a:t>
+                      </a:r>
+                      <a:endParaRPr kumimoji="0" lang="en-US" altLang="ko-KR" sz="1100" b="0" i="0" u="none" strike="noStrike" kern="1200" cap="none" spc="0" normalizeH="0" baseline="0" noProof="0" dirty="0">
+                        <a:ln>
+                          <a:noFill/>
+                        </a:ln>
+                        <a:solidFill>
+                          <a:srgbClr val="000000"/>
+                        </a:solidFill>
+                        <a:effectLst/>
+                        <a:uLnTx/>
+                        <a:uFillTx/>
+                        <a:latin typeface="맑은 고딕" panose="020B0503020000020004" pitchFamily="50" charset="-127"/>
+                        <a:ea typeface="+mn-ea"/>
+                        <a:cs typeface="+mn-cs"/>
+                      </a:endParaRPr>
+                    </a:p>
+                  </a:txBody>
+                  <a:tcPr marL="6155" marR="6155" marT="6155" marB="0" anchor="ctr">
+                    <a:noFill/>
+                  </a:tcPr>
+                </a:tc>
+                <a:tc>
+                  <a:txBody>
+                    <a:bodyPr/>
+                    <a:lstStyle/>
+                    <a:p>
+                      <a:pPr algn="ctr" fontAlgn="ctr"/>
+                      <a:endParaRPr lang="en-US" altLang="ko-KR" sz="1100" b="0" i="0" u="none" strike="noStrike" dirty="0">
+                        <a:solidFill>
+                          <a:srgbClr val="000000"/>
+                        </a:solidFill>
+                        <a:effectLst/>
+                        <a:latin typeface="+mn-ea"/>
+                        <a:ea typeface="+mn-ea"/>
+                      </a:endParaRPr>
+                    </a:p>
+                  </a:txBody>
+                  <a:tcPr marL="6155" marR="6155" marT="6155" marB="0" anchor="ctr">
+                    <a:noFill/>
+                  </a:tcPr>
+                </a:tc>
+                <a:tc>
+                  <a:txBody>
+                    <a:bodyPr/>
+                    <a:lstStyle/>
+                    <a:p>
+                      <a:pPr algn="ctr" fontAlgn="ctr"/>
+                      <a:endParaRPr lang="en-US" altLang="ko-KR" sz="1100" b="0" i="0" u="none" strike="noStrike" dirty="0">
+                        <a:solidFill>
+                          <a:srgbClr val="000000"/>
+                        </a:solidFill>
+                        <a:effectLst/>
+                        <a:latin typeface="+mn-ea"/>
+                        <a:ea typeface="+mn-ea"/>
+                      </a:endParaRPr>
+                    </a:p>
+                  </a:txBody>
+                  <a:tcPr marL="6155" marR="6155" marT="6155" marB="0" anchor="ctr">
+                    <a:noFill/>
+                  </a:tcPr>
+                </a:tc>
+                <a:tc>
+                  <a:txBody>
+                    <a:bodyPr/>
+                    <a:lstStyle/>
+                    <a:p>
+                      <a:pPr algn="ctr" fontAlgn="ctr"/>
+                      <a:endParaRPr lang="en-US" altLang="ko-KR" sz="1100" b="0" i="0" u="none" strike="noStrike" dirty="0">
+                        <a:solidFill>
+                          <a:srgbClr val="000000"/>
+                        </a:solidFill>
+                        <a:effectLst/>
+                        <a:latin typeface="+mn-ea"/>
+                        <a:ea typeface="+mn-ea"/>
+                      </a:endParaRPr>
+                    </a:p>
+                  </a:txBody>
+                  <a:tcPr marL="6155" marR="6155" marT="6155" marB="0" anchor="ctr">
+                    <a:noFill/>
+                  </a:tcPr>
+                </a:tc>
+                <a:tc>
+                  <a:txBody>
+                    <a:bodyPr/>
+                    <a:lstStyle/>
+                    <a:p>
+                      <a:pPr algn="ctr" fontAlgn="ctr"/>
+                      <a:r>
+                        <a:rPr lang="ko-KR" altLang="en-US" sz="1100" b="0" i="0" u="none" strike="noStrike" dirty="0">
+                          <a:solidFill>
+                            <a:srgbClr val="000000"/>
+                          </a:solidFill>
+                          <a:effectLst/>
+                          <a:latin typeface="+mn-ea"/>
+                          <a:ea typeface="+mn-ea"/>
+                        </a:rPr>
+                        <a:t>회원 주소</a:t>
+                      </a:r>
+                      <a:r>
                         <a:rPr lang="en-US" altLang="ko-KR" sz="1100" b="0" i="0" u="none" strike="noStrike" dirty="0">
                           <a:solidFill>
                             <a:srgbClr val="000000"/>
@@ -6456,9 +6706,82 @@
                           <a:latin typeface="+mn-ea"/>
                           <a:ea typeface="+mn-ea"/>
                         </a:rPr>
-                        <a:t>varchar(500))</a:t>
-                      </a:r>
-                      <a:endParaRPr lang="en-US" sz="1100" b="0" i="0" u="none" strike="noStrike" dirty="0">
+                        <a:t>1</a:t>
+                      </a:r>
+                    </a:p>
+                  </a:txBody>
+                  <a:tcPr marL="6155" marR="6155" marT="6155" marB="0" anchor="ctr">
+                    <a:noFill/>
+                  </a:tcPr>
+                </a:tc>
+                <a:extLst>
+                  <a:ext uri="{0D108BD9-81ED-4DB2-BD59-A6C34878D82A}">
+                    <a16:rowId xmlns:a16="http://schemas.microsoft.com/office/drawing/2014/main" val="2697445741"/>
+                  </a:ext>
+                </a:extLst>
+              </a:tr>
+              <a:tr h="454952">
+                <a:tc>
+                  <a:txBody>
+                    <a:bodyPr/>
+                    <a:lstStyle/>
+                    <a:p>
+                      <a:pPr algn="ctr" fontAlgn="ctr"/>
+                      <a:r>
+                        <a:rPr lang="en-US" altLang="ko-KR" sz="1100" b="0" i="0" u="none" strike="noStrike" dirty="0">
+                          <a:solidFill>
+                            <a:srgbClr val="000000"/>
+                          </a:solidFill>
+                          <a:effectLst/>
+                          <a:latin typeface="+mn-ea"/>
+                          <a:ea typeface="+mn-ea"/>
+                        </a:rPr>
+                        <a:t>9</a:t>
+                      </a:r>
+                    </a:p>
+                  </a:txBody>
+                  <a:tcPr marL="6155" marR="6155" marT="6155" marB="0" anchor="ctr">
+                    <a:noFill/>
+                  </a:tcPr>
+                </a:tc>
+                <a:tc>
+                  <a:txBody>
+                    <a:bodyPr/>
+                    <a:lstStyle/>
+                    <a:p>
+                      <a:pPr algn="ctr" fontAlgn="ctr"/>
+                      <a:r>
+                        <a:rPr lang="en-US" sz="1100" b="0" i="0" u="none" strike="noStrike" dirty="0">
+                          <a:solidFill>
+                            <a:srgbClr val="000000"/>
+                          </a:solidFill>
+                          <a:effectLst/>
+                          <a:latin typeface="+mn-ea"/>
+                          <a:ea typeface="+mn-ea"/>
+                        </a:rPr>
+                        <a:t>memberAddres2</a:t>
+                      </a:r>
+                    </a:p>
+                  </a:txBody>
+                  <a:tcPr marL="6155" marR="6155" marT="6155" marB="0" anchor="ctr">
+                    <a:noFill/>
+                  </a:tcPr>
+                </a:tc>
+                <a:tc>
+                  <a:txBody>
+                    <a:bodyPr/>
+                    <a:lstStyle/>
+                    <a:p>
+                      <a:pPr algn="ctr" fontAlgn="ctr"/>
+                      <a:r>
+                        <a:rPr lang="en-US" altLang="ko-KR" sz="1100" u="none" strike="noStrike" dirty="0">
+                          <a:effectLst/>
+                          <a:latin typeface="+mn-ea"/>
+                          <a:ea typeface="+mn-ea"/>
+                        </a:rPr>
+                        <a:t>varchar(20)</a:t>
+                      </a:r>
+                      <a:endParaRPr lang="en-US" altLang="ko-KR" sz="1100" b="0" i="0" u="none" strike="noStrike" dirty="0">
                         <a:solidFill>
                           <a:srgbClr val="000000"/>
                         </a:solidFill>
@@ -6617,259 +6940,6 @@
                           <a:latin typeface="+mn-ea"/>
                           <a:ea typeface="+mn-ea"/>
                         </a:rPr>
-                        <a:t>1</a:t>
-                      </a:r>
-                    </a:p>
-                  </a:txBody>
-                  <a:tcPr marL="6155" marR="6155" marT="6155" marB="0" anchor="ctr">
-                    <a:noFill/>
-                  </a:tcPr>
-                </a:tc>
-                <a:extLst>
-                  <a:ext uri="{0D108BD9-81ED-4DB2-BD59-A6C34878D82A}">
-                    <a16:rowId xmlns:a16="http://schemas.microsoft.com/office/drawing/2014/main" val="2697445741"/>
-                  </a:ext>
-                </a:extLst>
-              </a:tr>
-              <a:tr h="454952">
-                <a:tc>
-                  <a:txBody>
-                    <a:bodyPr/>
-                    <a:lstStyle/>
-                    <a:p>
-                      <a:pPr algn="ctr" fontAlgn="ctr"/>
-                      <a:r>
-                        <a:rPr lang="en-US" altLang="ko-KR" sz="1100" b="0" i="0" u="none" strike="noStrike" dirty="0">
-                          <a:solidFill>
-                            <a:srgbClr val="000000"/>
-                          </a:solidFill>
-                          <a:effectLst/>
-                          <a:latin typeface="+mn-ea"/>
-                          <a:ea typeface="+mn-ea"/>
-                        </a:rPr>
-                        <a:t>9</a:t>
-                      </a:r>
-                    </a:p>
-                  </a:txBody>
-                  <a:tcPr marL="6155" marR="6155" marT="6155" marB="0" anchor="ctr">
-                    <a:noFill/>
-                  </a:tcPr>
-                </a:tc>
-                <a:tc>
-                  <a:txBody>
-                    <a:bodyPr/>
-                    <a:lstStyle/>
-                    <a:p>
-                      <a:pPr algn="ctr" fontAlgn="ctr"/>
-                      <a:r>
-                        <a:rPr lang="en-US" sz="1100" b="0" i="0" u="none" strike="noStrike" dirty="0">
-                          <a:solidFill>
-                            <a:srgbClr val="000000"/>
-                          </a:solidFill>
-                          <a:effectLst/>
-                          <a:latin typeface="+mn-ea"/>
-                          <a:ea typeface="+mn-ea"/>
-                        </a:rPr>
-                        <a:t>memberAddres2</a:t>
-                      </a:r>
-                    </a:p>
-                  </a:txBody>
-                  <a:tcPr marL="6155" marR="6155" marT="6155" marB="0" anchor="ctr">
-                    <a:noFill/>
-                  </a:tcPr>
-                </a:tc>
-                <a:tc>
-                  <a:txBody>
-                    <a:bodyPr/>
-                    <a:lstStyle/>
-                    <a:p>
-                      <a:pPr marL="0" marR="0" lvl="0" indent="0" algn="ctr" defTabSz="914400" rtl="0" eaLnBrk="1" fontAlgn="ctr" latinLnBrk="1" hangingPunct="1">
-                        <a:lnSpc>
-                          <a:spcPct val="100000"/>
-                        </a:lnSpc>
-                        <a:spcBef>
-                          <a:spcPts val="0"/>
-                        </a:spcBef>
-                        <a:spcAft>
-                          <a:spcPts val="0"/>
-                        </a:spcAft>
-                        <a:buClrTx/>
-                        <a:buSzTx/>
-                        <a:buFontTx/>
-                        <a:buNone/>
-                        <a:tabLst/>
-                        <a:defRPr/>
-                      </a:pPr>
-                      <a:r>
-                        <a:rPr lang="en-US" altLang="ko-KR" sz="1100" b="0" i="0" u="none" strike="noStrike" dirty="0">
-                          <a:solidFill>
-                            <a:srgbClr val="000000"/>
-                          </a:solidFill>
-                          <a:effectLst/>
-                          <a:latin typeface="+mn-ea"/>
-                          <a:ea typeface="+mn-ea"/>
-                        </a:rPr>
-                        <a:t>varchar(500)</a:t>
-                      </a:r>
-                      <a:endParaRPr lang="en-US" sz="1100" b="0" i="0" u="none" strike="noStrike" dirty="0">
-                        <a:solidFill>
-                          <a:srgbClr val="000000"/>
-                        </a:solidFill>
-                        <a:effectLst/>
-                        <a:latin typeface="+mn-ea"/>
-                        <a:ea typeface="+mn-ea"/>
-                      </a:endParaRPr>
-                    </a:p>
-                  </a:txBody>
-                  <a:tcPr marL="6155" marR="6155" marT="6155" marB="0" anchor="ctr">
-                    <a:noFill/>
-                  </a:tcPr>
-                </a:tc>
-                <a:tc>
-                  <a:txBody>
-                    <a:bodyPr/>
-                    <a:lstStyle/>
-                    <a:p>
-                      <a:pPr marL="0" marR="0" lvl="0" indent="0" algn="ctr" defTabSz="914400" rtl="0" eaLnBrk="1" fontAlgn="ctr" latinLnBrk="1" hangingPunct="1">
-                        <a:lnSpc>
-                          <a:spcPct val="100000"/>
-                        </a:lnSpc>
-                        <a:spcBef>
-                          <a:spcPts val="0"/>
-                        </a:spcBef>
-                        <a:spcAft>
-                          <a:spcPts val="0"/>
-                        </a:spcAft>
-                        <a:buClrTx/>
-                        <a:buSzTx/>
-                        <a:buFontTx/>
-                        <a:buNone/>
-                        <a:tabLst/>
-                        <a:defRPr/>
-                      </a:pPr>
-                      <a:r>
-                        <a:rPr kumimoji="0" lang="en-US" altLang="ko-KR" sz="1100" b="0" i="0" u="none" strike="noStrike" kern="1200" cap="none" spc="0" normalizeH="0" baseline="0" noProof="0" dirty="0">
-                          <a:ln>
-                            <a:noFill/>
-                          </a:ln>
-                          <a:solidFill>
-                            <a:prstClr val="black"/>
-                          </a:solidFill>
-                          <a:effectLst/>
-                          <a:uLnTx/>
-                          <a:uFillTx/>
-                          <a:latin typeface="맑은 고딕" panose="020B0503020000020004" pitchFamily="50" charset="-127"/>
-                          <a:ea typeface="+mn-ea"/>
-                          <a:cs typeface="+mn-cs"/>
-                        </a:rPr>
-                        <a:t>N.N</a:t>
-                      </a:r>
-                      <a:endParaRPr kumimoji="0" lang="en-US" altLang="ko-KR" sz="1100" b="0" i="0" u="none" strike="noStrike" kern="1200" cap="none" spc="0" normalizeH="0" baseline="0" noProof="0" dirty="0">
-                        <a:ln>
-                          <a:noFill/>
-                        </a:ln>
-                        <a:solidFill>
-                          <a:srgbClr val="000000"/>
-                        </a:solidFill>
-                        <a:effectLst/>
-                        <a:uLnTx/>
-                        <a:uFillTx/>
-                        <a:latin typeface="맑은 고딕" panose="020B0503020000020004" pitchFamily="50" charset="-127"/>
-                        <a:ea typeface="+mn-ea"/>
-                        <a:cs typeface="+mn-cs"/>
-                      </a:endParaRPr>
-                    </a:p>
-                  </a:txBody>
-                  <a:tcPr marL="6155" marR="6155" marT="6155" marB="0" anchor="ctr">
-                    <a:noFill/>
-                  </a:tcPr>
-                </a:tc>
-                <a:tc>
-                  <a:txBody>
-                    <a:bodyPr/>
-                    <a:lstStyle/>
-                    <a:p>
-                      <a:pPr algn="ctr" fontAlgn="ctr"/>
-                      <a:endParaRPr lang="en-US" altLang="ko-KR" sz="1100" b="0" i="0" u="none" strike="noStrike" dirty="0">
-                        <a:solidFill>
-                          <a:srgbClr val="000000"/>
-                        </a:solidFill>
-                        <a:effectLst/>
-                        <a:latin typeface="+mn-ea"/>
-                        <a:ea typeface="+mn-ea"/>
-                      </a:endParaRPr>
-                    </a:p>
-                  </a:txBody>
-                  <a:tcPr marL="6155" marR="6155" marT="6155" marB="0" anchor="ctr">
-                    <a:noFill/>
-                  </a:tcPr>
-                </a:tc>
-                <a:tc>
-                  <a:txBody>
-                    <a:bodyPr/>
-                    <a:lstStyle/>
-                    <a:p>
-                      <a:pPr algn="ctr" fontAlgn="ctr"/>
-                      <a:endParaRPr lang="en-US" altLang="ko-KR" sz="1100" b="0" i="0" u="none" strike="noStrike" dirty="0">
-                        <a:solidFill>
-                          <a:srgbClr val="000000"/>
-                        </a:solidFill>
-                        <a:effectLst/>
-                        <a:latin typeface="+mn-ea"/>
-                        <a:ea typeface="+mn-ea"/>
-                      </a:endParaRPr>
-                    </a:p>
-                  </a:txBody>
-                  <a:tcPr marL="6155" marR="6155" marT="6155" marB="0" anchor="ctr">
-                    <a:noFill/>
-                  </a:tcPr>
-                </a:tc>
-                <a:tc>
-                  <a:txBody>
-                    <a:bodyPr/>
-                    <a:lstStyle/>
-                    <a:p>
-                      <a:pPr algn="ctr" fontAlgn="ctr"/>
-                      <a:endParaRPr lang="en-US" altLang="ko-KR" sz="1100" b="0" i="0" u="none" strike="noStrike" dirty="0">
-                        <a:solidFill>
-                          <a:srgbClr val="000000"/>
-                        </a:solidFill>
-                        <a:effectLst/>
-                        <a:latin typeface="+mn-ea"/>
-                        <a:ea typeface="+mn-ea"/>
-                      </a:endParaRPr>
-                    </a:p>
-                  </a:txBody>
-                  <a:tcPr marL="6155" marR="6155" marT="6155" marB="0" anchor="ctr">
-                    <a:noFill/>
-                  </a:tcPr>
-                </a:tc>
-                <a:tc>
-                  <a:txBody>
-                    <a:bodyPr/>
-                    <a:lstStyle/>
-                    <a:p>
-                      <a:pPr algn="ctr" fontAlgn="ctr"/>
-                      <a:r>
-                        <a:rPr lang="ko-KR" altLang="en-US" sz="1100" b="0" i="0" u="none" strike="noStrike" dirty="0">
-                          <a:solidFill>
-                            <a:srgbClr val="000000"/>
-                          </a:solidFill>
-                          <a:effectLst/>
-                          <a:latin typeface="+mn-ea"/>
-                          <a:ea typeface="+mn-ea"/>
-                        </a:rPr>
-                        <a:t>회원 주소</a:t>
-                      </a:r>
-                      <a:r>
-                        <a:rPr lang="en-US" altLang="ko-KR" sz="1100" b="0" i="0" u="none" strike="noStrike" dirty="0">
-                          <a:solidFill>
-                            <a:srgbClr val="000000"/>
-                          </a:solidFill>
-                          <a:effectLst/>
-                          <a:latin typeface="+mn-ea"/>
-                          <a:ea typeface="+mn-ea"/>
-                        </a:rPr>
                         <a:t>2</a:t>
                       </a:r>
                     </a:p>
@@ -6936,35 +7006,16 @@
                     <a:bodyPr/>
                     <a:lstStyle/>
                     <a:p>
-                      <a:pPr marL="0" marR="0" lvl="0" indent="0" algn="ctr" defTabSz="914400" rtl="0" eaLnBrk="1" fontAlgn="ctr" latinLnBrk="1" hangingPunct="1">
-                        <a:lnSpc>
-                          <a:spcPct val="100000"/>
-                        </a:lnSpc>
-                        <a:spcBef>
-                          <a:spcPts val="0"/>
-                        </a:spcBef>
-                        <a:spcAft>
-                          <a:spcPts val="0"/>
-                        </a:spcAft>
-                        <a:buClrTx/>
-                        <a:buSzTx/>
-                        <a:buFontTx/>
-                        <a:buNone/>
-                        <a:tabLst/>
-                        <a:defRPr/>
-                      </a:pPr>
-                      <a:r>
-                        <a:rPr lang="en-US" altLang="ko-KR" sz="1100" b="0" i="0" u="none" strike="noStrike" dirty="0">
-                          <a:solidFill>
-                            <a:srgbClr val="000000"/>
-                          </a:solidFill>
-                          <a:effectLst/>
-                          <a:latin typeface="+mn-ea"/>
-                          <a:ea typeface="+mn-ea"/>
-                        </a:rPr>
-                        <a:t>varchar(500)</a:t>
-                      </a:r>
-                      <a:endParaRPr lang="en-US" sz="1100" b="0" i="0" u="none" strike="noStrike" dirty="0">
+                      <a:pPr algn="ctr" fontAlgn="ctr"/>
+                      <a:r>
+                        <a:rPr lang="en-US" altLang="ko-KR" sz="1100" u="none" strike="noStrike" dirty="0">
+                          <a:effectLst/>
+                          <a:latin typeface="+mn-ea"/>
+                          <a:ea typeface="+mn-ea"/>
+                        </a:rPr>
+                        <a:t>varchar(20)</a:t>
+                      </a:r>
+                      <a:endParaRPr lang="en-US" altLang="ko-KR" sz="1100" b="0" i="0" u="none" strike="noStrike" dirty="0">
                         <a:solidFill>
                           <a:srgbClr val="000000"/>
                         </a:solidFill>
@@ -7274,7 +7325,7 @@
             </a:r>
             <a:r>
               <a:rPr lang="en-US" altLang="ko-KR" dirty="0" err="1"/>
-              <a:t>cheersMember_table</a:t>
+              <a:t>cheersItem_table</a:t>
             </a:r>
             <a:endParaRPr lang="en-US" altLang="ko-KR" dirty="0"/>
           </a:p>
@@ -7293,7 +7344,7 @@
             </a:r>
             <a:r>
               <a:rPr lang="ko-KR" altLang="en-US" dirty="0"/>
-              <a:t>회원 정보 관리</a:t>
+              <a:t>상품 정보 관리</a:t>
             </a:r>
           </a:p>
         </p:txBody>
@@ -7313,14 +7364,14 @@
           <p:nvPr>
             <p:extLst>
               <p:ext uri="{D42A27DB-BD31-4B8C-83A1-F6EECF244321}">
-                <p14:modId xmlns:p14="http://schemas.microsoft.com/office/powerpoint/2010/main" val="219246585"/>
+                <p14:modId xmlns:p14="http://schemas.microsoft.com/office/powerpoint/2010/main" val="293394955"/>
               </p:ext>
             </p:extLst>
           </p:nvPr>
         </p:nvGraphicFramePr>
         <p:xfrm>
-          <a:off x="284018" y="1296785"/>
-          <a:ext cx="8701373" cy="5045830"/>
+          <a:off x="274165" y="1296785"/>
+          <a:ext cx="8578737" cy="4590878"/>
         </p:xfrm>
         <a:graphic>
           <a:graphicData uri="http://schemas.openxmlformats.org/drawingml/2006/table">
@@ -7329,21 +7380,21 @@
                 <a:tableStyleId>{616DA210-FB5B-4158-B5E0-FEB733F419BA}</a:tableStyleId>
               </a:tblPr>
               <a:tblGrid>
-                <a:gridCol w="339537">
+                <a:gridCol w="333645">
                   <a:extLst>
                     <a:ext uri="{9D8B030D-6E8A-4147-A177-3AD203B41FA5}">
                       <a16:colId xmlns:a16="http://schemas.microsoft.com/office/drawing/2014/main" val="1003195452"/>
                     </a:ext>
                   </a:extLst>
                 </a:gridCol>
-                <a:gridCol w="1203761">
+                <a:gridCol w="1163683">
                   <a:extLst>
                     <a:ext uri="{9D8B030D-6E8A-4147-A177-3AD203B41FA5}">
                       <a16:colId xmlns:a16="http://schemas.microsoft.com/office/drawing/2014/main" val="2525927541"/>
                     </a:ext>
                   </a:extLst>
                 </a:gridCol>
-                <a:gridCol w="1345370">
+                <a:gridCol w="1268704">
                   <a:extLst>
                     <a:ext uri="{9D8B030D-6E8A-4147-A177-3AD203B41FA5}">
                       <a16:colId xmlns:a16="http://schemas.microsoft.com/office/drawing/2014/main" val="1460873945"/>
@@ -7689,7 +7740,7 @@
                           <a:latin typeface="+mn-ea"/>
                           <a:ea typeface="+mn-ea"/>
                         </a:rPr>
-                        <a:t>11</a:t>
+                        <a:t>1</a:t>
                       </a:r>
                       <a:endParaRPr lang="en-US" altLang="ko-KR" sz="1100" b="0" i="0" u="none" strike="noStrike" dirty="0">
                         <a:solidFill>
@@ -7720,7 +7771,7 @@
                           <a:latin typeface="+mn-ea"/>
                           <a:ea typeface="+mn-ea"/>
                         </a:rPr>
-                        <a:t>memberBuy</a:t>
+                        <a:t>itemId</a:t>
                       </a:r>
                       <a:endParaRPr lang="en-US" sz="1100" b="0" i="0" u="none" strike="noStrike" dirty="0">
                         <a:solidFill>
@@ -7743,7 +7794,131 @@
                     <a:p>
                       <a:pPr algn="ctr" fontAlgn="ctr"/>
                       <a:r>
-                        <a:rPr lang="en-US" sz="1100" b="0" i="0" u="none" strike="noStrike" dirty="0">
+                        <a:rPr lang="en-US" sz="1100" u="none" strike="noStrike" dirty="0" err="1">
+                          <a:effectLst/>
+                          <a:latin typeface="+mn-ea"/>
+                          <a:ea typeface="+mn-ea"/>
+                        </a:rPr>
+                        <a:t>bigint</a:t>
+                      </a:r>
+                      <a:endParaRPr lang="en-US" sz="1100" b="0" i="0" u="none" strike="noStrike" dirty="0">
+                        <a:solidFill>
+                          <a:srgbClr val="000000"/>
+                        </a:solidFill>
+                        <a:effectLst/>
+                        <a:latin typeface="+mn-ea"/>
+                        <a:ea typeface="+mn-ea"/>
+                      </a:endParaRPr>
+                    </a:p>
+                  </a:txBody>
+                  <a:tcPr marL="6155" marR="6155" marT="6155" marB="0" anchor="ctr">
+                    <a:noFill/>
+                  </a:tcPr>
+                </a:tc>
+                <a:tc>
+                  <a:txBody>
+                    <a:bodyPr/>
+                    <a:lstStyle/>
+                    <a:p>
+                      <a:pPr algn="ctr" fontAlgn="ctr"/>
+                      <a:endParaRPr lang="en-US" sz="1100" b="0" i="0" u="none" strike="noStrike" dirty="0">
+                        <a:solidFill>
+                          <a:srgbClr val="000000"/>
+                        </a:solidFill>
+                        <a:effectLst/>
+                        <a:latin typeface="+mn-ea"/>
+                        <a:ea typeface="+mn-ea"/>
+                      </a:endParaRPr>
+                    </a:p>
+                  </a:txBody>
+                  <a:tcPr marL="6155" marR="6155" marT="6155" marB="0" anchor="ctr">
+                    <a:noFill/>
+                  </a:tcPr>
+                </a:tc>
+                <a:tc>
+                  <a:txBody>
+                    <a:bodyPr/>
+                    <a:lstStyle/>
+                    <a:p>
+                      <a:pPr algn="ctr" fontAlgn="ctr"/>
+                      <a:r>
+                        <a:rPr lang="en-US" altLang="ko-KR" sz="1100" u="none" strike="noStrike" dirty="0">
+                          <a:effectLst/>
+                          <a:latin typeface="+mn-ea"/>
+                          <a:ea typeface="+mn-ea"/>
+                        </a:rPr>
+                        <a:t>-</a:t>
+                      </a:r>
+                      <a:endParaRPr lang="en-US" altLang="ko-KR" sz="1100" b="0" i="0" u="none" strike="noStrike" dirty="0">
+                        <a:solidFill>
+                          <a:srgbClr val="000000"/>
+                        </a:solidFill>
+                        <a:effectLst/>
+                        <a:latin typeface="+mn-ea"/>
+                        <a:ea typeface="+mn-ea"/>
+                      </a:endParaRPr>
+                    </a:p>
+                  </a:txBody>
+                  <a:tcPr marL="6155" marR="6155" marT="6155" marB="0" anchor="ctr">
+                    <a:noFill/>
+                  </a:tcPr>
+                </a:tc>
+                <a:tc>
+                  <a:txBody>
+                    <a:bodyPr/>
+                    <a:lstStyle/>
+                    <a:p>
+                      <a:pPr algn="ctr" fontAlgn="ctr"/>
+                      <a:r>
+                        <a:rPr lang="en-US" sz="1100" u="none" strike="noStrike" dirty="0">
+                          <a:effectLst/>
+                          <a:latin typeface="+mn-ea"/>
+                          <a:ea typeface="+mn-ea"/>
+                        </a:rPr>
+                        <a:t>PK</a:t>
+                      </a:r>
+                      <a:endParaRPr lang="en-US" sz="1100" b="0" i="0" u="none" strike="noStrike" dirty="0">
+                        <a:solidFill>
+                          <a:srgbClr val="000000"/>
+                        </a:solidFill>
+                        <a:effectLst/>
+                        <a:latin typeface="+mn-ea"/>
+                        <a:ea typeface="+mn-ea"/>
+                      </a:endParaRPr>
+                    </a:p>
+                  </a:txBody>
+                  <a:tcPr marL="6155" marR="6155" marT="6155" marB="0" anchor="ctr">
+                    <a:noFill/>
+                  </a:tcPr>
+                </a:tc>
+                <a:tc>
+                  <a:txBody>
+                    <a:bodyPr/>
+                    <a:lstStyle/>
+                    <a:p>
+                      <a:pPr algn="ctr" fontAlgn="ctr"/>
+                      <a:endParaRPr lang="en-US" sz="1100" b="0" i="0" u="none" strike="noStrike" dirty="0">
+                        <a:solidFill>
+                          <a:srgbClr val="000000"/>
+                        </a:solidFill>
+                        <a:effectLst/>
+                        <a:latin typeface="+mn-ea"/>
+                        <a:ea typeface="+mn-ea"/>
+                      </a:endParaRPr>
+                    </a:p>
+                  </a:txBody>
+                  <a:tcPr marL="6155" marR="6155" marT="6155" marB="0" anchor="ctr">
+                    <a:noFill/>
+                  </a:tcPr>
+                </a:tc>
+                <a:tc>
+                  <a:txBody>
+                    <a:bodyPr/>
+                    <a:lstStyle/>
+                    <a:p>
+                      <a:pPr algn="ctr" fontAlgn="ctr"/>
+                      <a:r>
+                        <a:rPr lang="ko-KR" altLang="en-US" sz="1100" b="0" i="0" u="none" strike="noStrike" dirty="0">
                           <a:solidFill>
                             <a:srgbClr val="000000"/>
                           </a:solidFill>
@@ -7751,119 +7926,8 @@
                           <a:latin typeface="+mn-ea"/>
                           <a:ea typeface="+mn-ea"/>
                         </a:rPr>
-                        <a:t>int</a:t>
-                      </a:r>
-                    </a:p>
-                  </a:txBody>
-                  <a:tcPr marL="6155" marR="6155" marT="6155" marB="0" anchor="ctr">
-                    <a:noFill/>
-                  </a:tcPr>
-                </a:tc>
-                <a:tc>
-                  <a:txBody>
-                    <a:bodyPr/>
-                    <a:lstStyle/>
-                    <a:p>
-                      <a:pPr algn="ctr" fontAlgn="ctr"/>
-                      <a:endParaRPr lang="en-US" sz="1100" b="0" i="0" u="none" strike="noStrike" dirty="0">
-                        <a:solidFill>
-                          <a:srgbClr val="000000"/>
-                        </a:solidFill>
-                        <a:effectLst/>
-                        <a:latin typeface="+mn-ea"/>
-                        <a:ea typeface="+mn-ea"/>
-                      </a:endParaRPr>
-                    </a:p>
-                  </a:txBody>
-                  <a:tcPr marL="6155" marR="6155" marT="6155" marB="0" anchor="ctr">
-                    <a:noFill/>
-                  </a:tcPr>
-                </a:tc>
-                <a:tc>
-                  <a:txBody>
-                    <a:bodyPr/>
-                    <a:lstStyle/>
-                    <a:p>
-                      <a:pPr algn="ctr" fontAlgn="ctr"/>
-                      <a:endParaRPr lang="en-US" altLang="ko-KR" sz="1100" b="0" i="0" u="none" strike="noStrike" dirty="0">
-                        <a:solidFill>
-                          <a:srgbClr val="000000"/>
-                        </a:solidFill>
-                        <a:effectLst/>
-                        <a:latin typeface="+mn-ea"/>
-                        <a:ea typeface="+mn-ea"/>
-                      </a:endParaRPr>
-                    </a:p>
-                  </a:txBody>
-                  <a:tcPr marL="6155" marR="6155" marT="6155" marB="0" anchor="ctr">
-                    <a:noFill/>
-                  </a:tcPr>
-                </a:tc>
-                <a:tc>
-                  <a:txBody>
-                    <a:bodyPr/>
-                    <a:lstStyle/>
-                    <a:p>
-                      <a:pPr algn="ctr" fontAlgn="ctr"/>
-                      <a:endParaRPr lang="en-US" sz="1100" b="0" i="0" u="none" strike="noStrike" dirty="0">
-                        <a:solidFill>
-                          <a:srgbClr val="000000"/>
-                        </a:solidFill>
-                        <a:effectLst/>
-                        <a:latin typeface="+mn-ea"/>
-                        <a:ea typeface="+mn-ea"/>
-                      </a:endParaRPr>
-                    </a:p>
-                  </a:txBody>
-                  <a:tcPr marL="6155" marR="6155" marT="6155" marB="0" anchor="ctr">
-                    <a:noFill/>
-                  </a:tcPr>
-                </a:tc>
-                <a:tc>
-                  <a:txBody>
-                    <a:bodyPr/>
-                    <a:lstStyle/>
-                    <a:p>
-                      <a:pPr algn="ctr" fontAlgn="ctr"/>
-                      <a:r>
-                        <a:rPr lang="en-US" sz="1100" b="0" i="0" u="none" strike="noStrike">
-                          <a:solidFill>
-                            <a:srgbClr val="000000"/>
-                          </a:solidFill>
-                          <a:effectLst/>
-                          <a:latin typeface="+mn-ea"/>
-                          <a:ea typeface="+mn-ea"/>
-                        </a:rPr>
-                        <a:t>Default 0</a:t>
-                      </a:r>
-                      <a:endParaRPr lang="en-US" sz="1100" b="0" i="0" u="none" strike="noStrike" dirty="0">
-                        <a:solidFill>
-                          <a:srgbClr val="000000"/>
-                        </a:solidFill>
-                        <a:effectLst/>
-                        <a:latin typeface="+mn-ea"/>
-                        <a:ea typeface="+mn-ea"/>
-                      </a:endParaRPr>
-                    </a:p>
-                  </a:txBody>
-                  <a:tcPr marL="6155" marR="6155" marT="6155" marB="0" anchor="ctr">
-                    <a:noFill/>
-                  </a:tcPr>
-                </a:tc>
-                <a:tc>
-                  <a:txBody>
-                    <a:bodyPr/>
-                    <a:lstStyle/>
-                    <a:p>
-                      <a:pPr algn="ctr" fontAlgn="ctr"/>
-                      <a:endParaRPr lang="ko-KR" altLang="en-US" sz="1100" b="0" i="0" u="none" strike="noStrike" dirty="0">
-                        <a:solidFill>
-                          <a:srgbClr val="000000"/>
-                        </a:solidFill>
-                        <a:effectLst/>
-                        <a:latin typeface="+mn-ea"/>
-                        <a:ea typeface="+mn-ea"/>
-                      </a:endParaRPr>
+                        <a:t>상품번호</a:t>
+                      </a:r>
                     </a:p>
                   </a:txBody>
                   <a:tcPr marL="6155" marR="6155" marT="6155" marB="0" anchor="ctr">
@@ -7883,6 +7947,14 @@
                     <a:lstStyle/>
                     <a:p>
                       <a:pPr algn="ctr" fontAlgn="ctr"/>
+                      <a:r>
+                        <a:rPr lang="en-US" altLang="ko-KR" sz="1100" u="none" strike="noStrike" dirty="0">
+                          <a:effectLst/>
+                          <a:latin typeface="+mn-ea"/>
+                          <a:ea typeface="+mn-ea"/>
+                        </a:rPr>
+                        <a:t>2</a:t>
+                      </a:r>
                       <a:endParaRPr lang="en-US" altLang="ko-KR" sz="1100" b="0" i="0" u="none" strike="noStrike" dirty="0">
                         <a:solidFill>
                           <a:srgbClr val="000000"/>
@@ -7903,6 +7975,17 @@
                     <a:lstStyle/>
                     <a:p>
                       <a:pPr algn="ctr" fontAlgn="ctr"/>
+                      <a:r>
+                        <a:rPr lang="en-US" sz="1100" b="0" i="0" u="none" strike="noStrike" dirty="0" err="1">
+                          <a:solidFill>
+                            <a:srgbClr val="000000"/>
+                          </a:solidFill>
+                          <a:effectLst/>
+                          <a:latin typeface="+mn-ea"/>
+                          <a:ea typeface="+mn-ea"/>
+                        </a:rPr>
+                        <a:t>ItemName</a:t>
+                      </a:r>
                       <a:endParaRPr lang="en-US" sz="1100" b="0" i="0" u="none" strike="noStrike" dirty="0">
                         <a:solidFill>
                           <a:srgbClr val="000000"/>
@@ -7923,6 +8006,14 @@
                     <a:lstStyle/>
                     <a:p>
                       <a:pPr algn="ctr" fontAlgn="ctr"/>
+                      <a:r>
+                        <a:rPr lang="en-US" sz="1100" u="none" strike="noStrike" dirty="0">
+                          <a:effectLst/>
+                          <a:latin typeface="+mn-ea"/>
+                          <a:ea typeface="+mn-ea"/>
+                        </a:rPr>
+                        <a:t>varchar(30)</a:t>
+                      </a:r>
                       <a:endParaRPr lang="en-US" sz="1100" b="0" i="0" u="none" strike="noStrike" dirty="0">
                         <a:solidFill>
                           <a:srgbClr val="000000"/>
@@ -7985,6 +8076,14 @@
                     <a:lstStyle/>
                     <a:p>
                       <a:pPr algn="ctr" fontAlgn="ctr"/>
+                      <a:r>
+                        <a:rPr lang="en-US" altLang="ko-KR" sz="1100" u="none" strike="noStrike" dirty="0">
+                          <a:effectLst/>
+                          <a:latin typeface="+mn-ea"/>
+                          <a:ea typeface="+mn-ea"/>
+                        </a:rPr>
+                        <a:t>-</a:t>
+                      </a:r>
                       <a:endParaRPr lang="en-US" altLang="ko-KR" sz="1100" b="0" i="0" u="none" strike="noStrike" dirty="0">
                         <a:solidFill>
                           <a:srgbClr val="000000"/>
@@ -8005,6 +8104,14 @@
                     <a:lstStyle/>
                     <a:p>
                       <a:pPr algn="ctr" fontAlgn="ctr"/>
+                      <a:r>
+                        <a:rPr lang="en-US" altLang="ko-KR" sz="1100" u="none" strike="noStrike" dirty="0">
+                          <a:effectLst/>
+                          <a:latin typeface="+mn-ea"/>
+                          <a:ea typeface="+mn-ea"/>
+                        </a:rPr>
+                        <a:t>-</a:t>
+                      </a:r>
                       <a:endParaRPr lang="en-US" altLang="ko-KR" sz="1100" b="0" i="0" u="none" strike="noStrike" dirty="0">
                         <a:solidFill>
                           <a:srgbClr val="000000"/>
@@ -8024,7 +8131,23 @@
                     <a:bodyPr/>
                     <a:lstStyle/>
                     <a:p>
-                      <a:pPr algn="ctr" fontAlgn="ctr"/>
+                      <a:pPr marL="0" marR="0" lvl="0" indent="0" algn="ctr" defTabSz="914400" rtl="0" eaLnBrk="1" fontAlgn="ctr" latinLnBrk="1" hangingPunct="1">
+                        <a:lnSpc>
+                          <a:spcPct val="100000"/>
+                        </a:lnSpc>
+                        <a:spcBef>
+                          <a:spcPts val="0"/>
+                        </a:spcBef>
+                        <a:spcAft>
+                          <a:spcPts val="0"/>
+                        </a:spcAft>
+                        <a:buClrTx/>
+                        <a:buSzTx/>
+                        <a:buFontTx/>
+                        <a:buNone/>
+                        <a:tabLst/>
+                        <a:defRPr/>
+                      </a:pPr>
                       <a:endParaRPr lang="en-US" altLang="ko-KR" sz="1100" b="0" i="0" u="none" strike="noStrike" dirty="0">
                         <a:solidFill>
                           <a:srgbClr val="000000"/>
@@ -8034,25 +8157,39 @@
                         <a:ea typeface="+mn-ea"/>
                       </a:endParaRPr>
                     </a:p>
-                  </a:txBody>
-                  <a:tcPr marL="6155" marR="6155" marT="6155" marB="0" anchor="ctr">
-                    <a:noFill/>
-                  </a:tcPr>
-                </a:tc>
-                <a:tc>
-                  <a:txBody>
-                    <a:bodyPr/>
-                    <a:lstStyle/>
-                    <a:p>
-                      <a:pPr algn="ctr" fontAlgn="ctr"/>
-                      <a:endParaRPr lang="ko-KR" altLang="en-US" sz="1100" b="0" i="0" u="none" strike="noStrike" dirty="0">
-                        <a:solidFill>
-                          <a:srgbClr val="000000"/>
-                        </a:solidFill>
-                        <a:effectLst/>
-                        <a:latin typeface="+mn-ea"/>
-                        <a:ea typeface="+mn-ea"/>
-                      </a:endParaRPr>
+                    <a:p>
+                      <a:pPr algn="ctr" fontAlgn="ctr"/>
+                      <a:endParaRPr lang="en-US" altLang="ko-KR" sz="1100" b="0" i="0" u="none" strike="noStrike" dirty="0">
+                        <a:solidFill>
+                          <a:srgbClr val="000000"/>
+                        </a:solidFill>
+                        <a:effectLst/>
+                        <a:latin typeface="+mn-ea"/>
+                        <a:ea typeface="+mn-ea"/>
+                      </a:endParaRPr>
+                    </a:p>
+                  </a:txBody>
+                  <a:tcPr marL="6155" marR="6155" marT="6155" marB="0" anchor="ctr">
+                    <a:noFill/>
+                  </a:tcPr>
+                </a:tc>
+                <a:tc>
+                  <a:txBody>
+                    <a:bodyPr/>
+                    <a:lstStyle/>
+                    <a:p>
+                      <a:pPr algn="ctr" fontAlgn="ctr"/>
+                      <a:r>
+                        <a:rPr lang="ko-KR" altLang="en-US" sz="1100" b="0" i="0" u="none" strike="noStrike" dirty="0">
+                          <a:solidFill>
+                            <a:srgbClr val="000000"/>
+                          </a:solidFill>
+                          <a:effectLst/>
+                          <a:latin typeface="+mn-ea"/>
+                          <a:ea typeface="+mn-ea"/>
+                        </a:rPr>
+                        <a:t>상품명</a:t>
+                      </a:r>
                     </a:p>
                   </a:txBody>
                   <a:tcPr marL="6155" marR="6155" marT="6155" marB="0" anchor="ctr">
@@ -8072,6 +8209,14 @@
                     <a:lstStyle/>
                     <a:p>
                       <a:pPr algn="ctr" fontAlgn="ctr"/>
+                      <a:r>
+                        <a:rPr lang="en-US" altLang="ko-KR" sz="1100" u="none" strike="noStrike" dirty="0">
+                          <a:effectLst/>
+                          <a:latin typeface="+mn-ea"/>
+                          <a:ea typeface="+mn-ea"/>
+                        </a:rPr>
+                        <a:t>3</a:t>
+                      </a:r>
                       <a:endParaRPr lang="en-US" altLang="ko-KR" sz="1100" b="0" i="0" u="none" strike="noStrike" dirty="0">
                         <a:solidFill>
                           <a:srgbClr val="000000"/>
@@ -8092,6 +8237,17 @@
                     <a:lstStyle/>
                     <a:p>
                       <a:pPr algn="ctr" fontAlgn="ctr"/>
+                      <a:r>
+                        <a:rPr lang="en-US" sz="1100" b="0" i="0" u="none" strike="noStrike" dirty="0" err="1">
+                          <a:solidFill>
+                            <a:srgbClr val="000000"/>
+                          </a:solidFill>
+                          <a:effectLst/>
+                          <a:latin typeface="+mn-ea"/>
+                          <a:ea typeface="+mn-ea"/>
+                        </a:rPr>
+                        <a:t>ItemPrice</a:t>
+                      </a:r>
                       <a:endParaRPr lang="en-US" sz="1100" b="0" i="0" u="none" strike="noStrike" dirty="0">
                         <a:solidFill>
                           <a:srgbClr val="000000"/>
@@ -8112,6 +8268,14 @@
                     <a:lstStyle/>
                     <a:p>
                       <a:pPr algn="ctr" fontAlgn="ctr"/>
+                      <a:r>
+                        <a:rPr lang="en-US" sz="1100" u="none" strike="noStrike" dirty="0">
+                          <a:effectLst/>
+                          <a:latin typeface="+mn-ea"/>
+                          <a:ea typeface="+mn-ea"/>
+                        </a:rPr>
+                        <a:t>int</a:t>
+                      </a:r>
                       <a:endParaRPr lang="en-US" sz="1100" b="0" i="0" u="none" strike="noStrike" dirty="0">
                         <a:solidFill>
                           <a:srgbClr val="000000"/>
@@ -8174,6 +8338,14 @@
                     <a:lstStyle/>
                     <a:p>
                       <a:pPr algn="ctr" fontAlgn="ctr"/>
+                      <a:r>
+                        <a:rPr lang="en-US" altLang="ko-KR" sz="1100" u="none" strike="noStrike" dirty="0">
+                          <a:effectLst/>
+                          <a:latin typeface="+mn-ea"/>
+                          <a:ea typeface="+mn-ea"/>
+                        </a:rPr>
+                        <a:t>-</a:t>
+                      </a:r>
                       <a:endParaRPr lang="en-US" altLang="ko-KR" sz="1100" b="0" i="0" u="none" strike="noStrike" dirty="0">
                         <a:solidFill>
                           <a:srgbClr val="000000"/>
@@ -8194,6 +8366,14 @@
                     <a:lstStyle/>
                     <a:p>
                       <a:pPr algn="ctr" fontAlgn="ctr"/>
+                      <a:r>
+                        <a:rPr lang="en-US" altLang="ko-KR" sz="1100" u="none" strike="noStrike" dirty="0">
+                          <a:effectLst/>
+                          <a:latin typeface="+mn-ea"/>
+                          <a:ea typeface="+mn-ea"/>
+                        </a:rPr>
+                        <a:t>-</a:t>
+                      </a:r>
                       <a:endParaRPr lang="en-US" altLang="ko-KR" sz="1100" b="0" i="0" u="none" strike="noStrike" dirty="0">
                         <a:solidFill>
                           <a:srgbClr val="000000"/>
@@ -8234,14 +8414,17 @@
                     <a:lstStyle/>
                     <a:p>
                       <a:pPr algn="ctr" fontAlgn="ctr"/>
-                      <a:endParaRPr lang="ko-KR" altLang="en-US" sz="1100" b="0" i="0" u="none" strike="noStrike" dirty="0">
-                        <a:solidFill>
-                          <a:srgbClr val="000000"/>
-                        </a:solidFill>
-                        <a:effectLst/>
-                        <a:latin typeface="+mn-ea"/>
-                        <a:ea typeface="+mn-ea"/>
-                      </a:endParaRPr>
+                      <a:r>
+                        <a:rPr lang="ko-KR" altLang="en-US" sz="1100" b="0" i="0" u="none" strike="noStrike" dirty="0">
+                          <a:solidFill>
+                            <a:srgbClr val="000000"/>
+                          </a:solidFill>
+                          <a:effectLst/>
+                          <a:latin typeface="+mn-ea"/>
+                          <a:ea typeface="+mn-ea"/>
+                        </a:rPr>
+                        <a:t>상품가격</a:t>
+                      </a:r>
                     </a:p>
                   </a:txBody>
                   <a:tcPr marL="6155" marR="6155" marT="6155" marB="0" anchor="ctr">
@@ -8261,6 +8444,14 @@
                     <a:lstStyle/>
                     <a:p>
                       <a:pPr algn="ctr" fontAlgn="ctr"/>
+                      <a:r>
+                        <a:rPr lang="en-US" altLang="ko-KR" sz="1100" u="none" strike="noStrike" dirty="0">
+                          <a:effectLst/>
+                          <a:latin typeface="+mn-ea"/>
+                          <a:ea typeface="+mn-ea"/>
+                        </a:rPr>
+                        <a:t>4</a:t>
+                      </a:r>
                       <a:endParaRPr lang="en-US" altLang="ko-KR" sz="1100" b="0" i="0" u="none" strike="noStrike" dirty="0">
                         <a:solidFill>
                           <a:srgbClr val="000000"/>
@@ -8281,6 +8472,17 @@
                     <a:lstStyle/>
                     <a:p>
                       <a:pPr algn="ctr" fontAlgn="ctr"/>
+                      <a:r>
+                        <a:rPr lang="en-US" sz="1100" b="0" i="0" u="none" strike="noStrike" dirty="0" err="1">
+                          <a:solidFill>
+                            <a:srgbClr val="000000"/>
+                          </a:solidFill>
+                          <a:effectLst/>
+                          <a:latin typeface="+mn-ea"/>
+                          <a:ea typeface="+mn-ea"/>
+                        </a:rPr>
+                        <a:t>ItemDiscount</a:t>
+                      </a:r>
                       <a:endParaRPr lang="en-US" sz="1100" b="0" i="0" u="none" strike="noStrike" dirty="0">
                         <a:solidFill>
                           <a:srgbClr val="000000"/>
@@ -8301,6 +8503,14 @@
                     <a:lstStyle/>
                     <a:p>
                       <a:pPr algn="ctr" fontAlgn="ctr"/>
+                      <a:r>
+                        <a:rPr lang="en-US" sz="1100" u="none" strike="noStrike" dirty="0">
+                          <a:effectLst/>
+                          <a:latin typeface="+mn-ea"/>
+                          <a:ea typeface="+mn-ea"/>
+                        </a:rPr>
+                        <a:t>int</a:t>
+                      </a:r>
                       <a:endParaRPr lang="en-US" sz="1100" b="0" i="0" u="none" strike="noStrike" dirty="0">
                         <a:solidFill>
                           <a:srgbClr val="000000"/>
@@ -8363,6 +8573,14 @@
                     <a:lstStyle/>
                     <a:p>
                       <a:pPr algn="ctr" fontAlgn="ctr"/>
+                      <a:r>
+                        <a:rPr lang="en-US" altLang="ko-KR" sz="1100" u="none" strike="noStrike" dirty="0">
+                          <a:effectLst/>
+                          <a:latin typeface="+mn-ea"/>
+                          <a:ea typeface="+mn-ea"/>
+                        </a:rPr>
+                        <a:t>-</a:t>
+                      </a:r>
                       <a:endParaRPr lang="en-US" altLang="ko-KR" sz="1100" b="0" i="0" u="none" strike="noStrike" dirty="0">
                         <a:solidFill>
                           <a:srgbClr val="000000"/>
@@ -8383,6 +8601,14 @@
                     <a:lstStyle/>
                     <a:p>
                       <a:pPr algn="ctr" fontAlgn="ctr"/>
+                      <a:r>
+                        <a:rPr lang="en-US" altLang="ko-KR" sz="1100" u="none" strike="noStrike" dirty="0">
+                          <a:effectLst/>
+                          <a:latin typeface="+mn-ea"/>
+                          <a:ea typeface="+mn-ea"/>
+                        </a:rPr>
+                        <a:t>-</a:t>
+                      </a:r>
                       <a:endParaRPr lang="en-US" altLang="ko-KR" sz="1100" b="0" i="0" u="none" strike="noStrike" dirty="0">
                         <a:solidFill>
                           <a:srgbClr val="000000"/>
@@ -8423,14 +8649,17 @@
                     <a:lstStyle/>
                     <a:p>
                       <a:pPr algn="ctr" fontAlgn="ctr"/>
-                      <a:endParaRPr lang="ko-KR" altLang="en-US" sz="1100" b="0" i="0" u="none" strike="noStrike" dirty="0">
-                        <a:solidFill>
-                          <a:srgbClr val="000000"/>
-                        </a:solidFill>
-                        <a:effectLst/>
-                        <a:latin typeface="+mn-ea"/>
-                        <a:ea typeface="+mn-ea"/>
-                      </a:endParaRPr>
+                      <a:r>
+                        <a:rPr lang="ko-KR" altLang="en-US" sz="1100" b="0" i="0" u="none" strike="noStrike" dirty="0">
+                          <a:solidFill>
+                            <a:srgbClr val="000000"/>
+                          </a:solidFill>
+                          <a:effectLst/>
+                          <a:latin typeface="+mn-ea"/>
+                          <a:ea typeface="+mn-ea"/>
+                        </a:rPr>
+                        <a:t>할인금액</a:t>
+                      </a:r>
                     </a:p>
                   </a:txBody>
                   <a:tcPr marL="6155" marR="6155" marT="6155" marB="0" anchor="ctr">
@@ -8450,6 +8679,14 @@
                     <a:lstStyle/>
                     <a:p>
                       <a:pPr algn="ctr" fontAlgn="ctr"/>
+                      <a:r>
+                        <a:rPr lang="en-US" altLang="ko-KR" sz="1100" u="none" strike="noStrike" dirty="0">
+                          <a:effectLst/>
+                          <a:latin typeface="+mn-ea"/>
+                          <a:ea typeface="+mn-ea"/>
+                        </a:rPr>
+                        <a:t>5</a:t>
+                      </a:r>
                       <a:endParaRPr lang="en-US" altLang="ko-KR" sz="1100" b="0" i="0" u="none" strike="noStrike" dirty="0">
                         <a:solidFill>
                           <a:srgbClr val="000000"/>
@@ -8470,6 +8707,17 @@
                     <a:lstStyle/>
                     <a:p>
                       <a:pPr algn="ctr" fontAlgn="ctr"/>
+                      <a:r>
+                        <a:rPr lang="en-US" sz="1100" b="0" i="0" u="none" strike="noStrike" dirty="0" err="1">
+                          <a:solidFill>
+                            <a:srgbClr val="000000"/>
+                          </a:solidFill>
+                          <a:effectLst/>
+                          <a:latin typeface="+mn-ea"/>
+                          <a:ea typeface="+mn-ea"/>
+                        </a:rPr>
+                        <a:t>itemStock</a:t>
+                      </a:r>
                       <a:endParaRPr lang="en-US" sz="1100" b="0" i="0" u="none" strike="noStrike" dirty="0">
                         <a:solidFill>
                           <a:srgbClr val="000000"/>
@@ -8490,14 +8738,17 @@
                     <a:lstStyle/>
                     <a:p>
                       <a:pPr algn="ctr" fontAlgn="ctr"/>
-                      <a:endParaRPr lang="en-US" sz="1100" b="0" i="0" u="none" strike="noStrike" dirty="0">
-                        <a:solidFill>
-                          <a:srgbClr val="000000"/>
-                        </a:solidFill>
-                        <a:effectLst/>
-                        <a:latin typeface="+mn-ea"/>
-                        <a:ea typeface="+mn-ea"/>
-                      </a:endParaRPr>
+                      <a:r>
+                        <a:rPr lang="en-US" sz="1100" b="0" i="0" u="none" strike="noStrike" dirty="0">
+                          <a:solidFill>
+                            <a:srgbClr val="000000"/>
+                          </a:solidFill>
+                          <a:effectLst/>
+                          <a:latin typeface="+mn-ea"/>
+                          <a:ea typeface="+mn-ea"/>
+                        </a:rPr>
+                        <a:t>Int</a:t>
+                      </a:r>
                     </a:p>
                   </a:txBody>
                   <a:tcPr marL="6155" marR="6155" marT="6155" marB="0" anchor="ctr">
@@ -8612,14 +8863,17 @@
                     <a:lstStyle/>
                     <a:p>
                       <a:pPr algn="ctr" fontAlgn="ctr"/>
-                      <a:endParaRPr lang="ko-KR" altLang="en-US" sz="1100" b="0" i="0" u="none" strike="noStrike" dirty="0">
-                        <a:solidFill>
-                          <a:srgbClr val="000000"/>
-                        </a:solidFill>
-                        <a:effectLst/>
-                        <a:latin typeface="+mn-ea"/>
-                        <a:ea typeface="+mn-ea"/>
-                      </a:endParaRPr>
+                      <a:r>
+                        <a:rPr lang="ko-KR" altLang="en-US" sz="1100" b="0" i="0" u="none" strike="noStrike" dirty="0">
+                          <a:solidFill>
+                            <a:srgbClr val="000000"/>
+                          </a:solidFill>
+                          <a:effectLst/>
+                          <a:latin typeface="+mn-ea"/>
+                          <a:ea typeface="+mn-ea"/>
+                        </a:rPr>
+                        <a:t>재고</a:t>
+                      </a:r>
                     </a:p>
                   </a:txBody>
                   <a:tcPr marL="6155" marR="6155" marT="6155" marB="0" anchor="ctr">
@@ -8639,6 +8893,14 @@
                     <a:lstStyle/>
                     <a:p>
                       <a:pPr algn="ctr" fontAlgn="ctr"/>
+                      <a:r>
+                        <a:rPr lang="en-US" altLang="ko-KR" sz="1100" u="none" strike="noStrike" dirty="0">
+                          <a:effectLst/>
+                          <a:latin typeface="+mn-ea"/>
+                          <a:ea typeface="+mn-ea"/>
+                        </a:rPr>
+                        <a:t>6</a:t>
+                      </a:r>
                       <a:endParaRPr lang="en-US" altLang="ko-KR" sz="1100" b="0" i="0" u="none" strike="noStrike" dirty="0">
                         <a:solidFill>
                           <a:srgbClr val="000000"/>
@@ -8659,27 +8921,41 @@
                     <a:lstStyle/>
                     <a:p>
                       <a:pPr algn="ctr" fontAlgn="ctr"/>
-                      <a:endParaRPr lang="en-US" sz="1100" b="0" i="0" u="none" strike="noStrike" dirty="0">
-                        <a:solidFill>
-                          <a:srgbClr val="000000"/>
-                        </a:solidFill>
-                        <a:effectLst/>
-                        <a:latin typeface="+mn-ea"/>
-                        <a:ea typeface="+mn-ea"/>
-                      </a:endParaRPr>
-                    </a:p>
-                  </a:txBody>
-                  <a:tcPr marL="6155" marR="6155" marT="6155" marB="0" anchor="ctr">
-                    <a:noFill/>
-                  </a:tcPr>
-                </a:tc>
-                <a:tc>
-                  <a:txBody>
-                    <a:bodyPr/>
-                    <a:lstStyle/>
-                    <a:p>
-                      <a:pPr algn="ctr" fontAlgn="ctr"/>
-                      <a:endParaRPr lang="en-US" sz="1100" b="0" i="0" u="none" strike="noStrike" dirty="0">
+                      <a:r>
+                        <a:rPr lang="en-US" sz="1100" b="0" i="0" u="none" strike="noStrike" dirty="0">
+                          <a:solidFill>
+                            <a:srgbClr val="000000"/>
+                          </a:solidFill>
+                          <a:effectLst/>
+                          <a:latin typeface="+mn-ea"/>
+                          <a:ea typeface="+mn-ea"/>
+                        </a:rPr>
+                        <a:t>itemImage1</a:t>
+                      </a:r>
+                    </a:p>
+                  </a:txBody>
+                  <a:tcPr marL="6155" marR="6155" marT="6155" marB="0" anchor="ctr">
+                    <a:noFill/>
+                  </a:tcPr>
+                </a:tc>
+                <a:tc>
+                  <a:txBody>
+                    <a:bodyPr/>
+                    <a:lstStyle/>
+                    <a:p>
+                      <a:pPr algn="ctr" fontAlgn="ctr"/>
+                      <a:r>
+                        <a:rPr lang="en-US" altLang="ko-KR" sz="1100" b="0" i="0" u="none" strike="noStrike" dirty="0" err="1">
+                          <a:solidFill>
+                            <a:srgbClr val="000000"/>
+                          </a:solidFill>
+                          <a:effectLst/>
+                          <a:latin typeface="+mn-ea"/>
+                          <a:ea typeface="+mn-ea"/>
+                        </a:rPr>
+                        <a:t>multipartFile</a:t>
+                      </a:r>
+                      <a:endParaRPr lang="en-US" altLang="ko-KR" sz="1100" b="0" i="0" u="none" strike="noStrike" dirty="0">
                         <a:solidFill>
                           <a:srgbClr val="000000"/>
                         </a:solidFill>
@@ -8801,6 +9077,28 @@
                     <a:lstStyle/>
                     <a:p>
                       <a:pPr algn="ctr" fontAlgn="ctr"/>
+                      <a:r>
+                        <a:rPr lang="ko-KR" altLang="en-US" sz="1100" b="0" i="0" u="none" strike="noStrike" dirty="0">
+                          <a:solidFill>
+                            <a:srgbClr val="000000"/>
+                          </a:solidFill>
+                          <a:effectLst/>
+                          <a:latin typeface="+mn-ea"/>
+                          <a:ea typeface="+mn-ea"/>
+                        </a:rPr>
+                        <a:t>상품사진</a:t>
+                      </a:r>
+                      <a:r>
+                        <a:rPr lang="en-US" altLang="ko-KR" sz="1100" b="0" i="0" u="none" strike="noStrike" dirty="0">
+                          <a:solidFill>
+                            <a:srgbClr val="000000"/>
+                          </a:solidFill>
+                          <a:effectLst/>
+                          <a:latin typeface="+mn-ea"/>
+                          <a:ea typeface="+mn-ea"/>
+                        </a:rPr>
+                        <a:t>1</a:t>
+                      </a:r>
                       <a:endParaRPr lang="ko-KR" altLang="en-US" sz="1100" b="0" i="0" u="none" strike="noStrike" dirty="0">
                         <a:solidFill>
                           <a:srgbClr val="000000"/>
@@ -8828,6 +9126,14 @@
                     <a:lstStyle/>
                     <a:p>
                       <a:pPr algn="ctr" fontAlgn="ctr"/>
+                      <a:r>
+                        <a:rPr lang="en-US" altLang="ko-KR" sz="1100" u="none" strike="noStrike" dirty="0">
+                          <a:effectLst/>
+                          <a:latin typeface="+mn-ea"/>
+                          <a:ea typeface="+mn-ea"/>
+                        </a:rPr>
+                        <a:t>8</a:t>
+                      </a:r>
                       <a:endParaRPr lang="en-US" altLang="ko-KR" sz="1100" b="0" i="0" u="none" strike="noStrike" dirty="0">
                         <a:solidFill>
                           <a:srgbClr val="000000"/>
@@ -8847,27 +9153,57 @@
                     <a:bodyPr/>
                     <a:lstStyle/>
                     <a:p>
-                      <a:pPr algn="ctr" fontAlgn="ctr"/>
-                      <a:endParaRPr lang="en-US" sz="1100" b="0" i="0" u="none" strike="noStrike" dirty="0">
-                        <a:solidFill>
-                          <a:srgbClr val="000000"/>
-                        </a:solidFill>
-                        <a:effectLst/>
-                        <a:latin typeface="+mn-ea"/>
-                        <a:ea typeface="+mn-ea"/>
-                      </a:endParaRPr>
-                    </a:p>
-                  </a:txBody>
-                  <a:tcPr marL="6155" marR="6155" marT="6155" marB="0" anchor="ctr">
-                    <a:noFill/>
-                  </a:tcPr>
-                </a:tc>
-                <a:tc>
-                  <a:txBody>
-                    <a:bodyPr/>
-                    <a:lstStyle/>
-                    <a:p>
-                      <a:pPr algn="ctr" fontAlgn="ctr"/>
+                      <a:pPr marL="0" marR="0" lvl="0" indent="0" algn="ctr" defTabSz="914400" rtl="0" eaLnBrk="1" fontAlgn="ctr" latinLnBrk="1" hangingPunct="1">
+                        <a:lnSpc>
+                          <a:spcPct val="100000"/>
+                        </a:lnSpc>
+                        <a:spcBef>
+                          <a:spcPts val="0"/>
+                        </a:spcBef>
+                        <a:spcAft>
+                          <a:spcPts val="0"/>
+                        </a:spcAft>
+                        <a:buClrTx/>
+                        <a:buSzTx/>
+                        <a:buFontTx/>
+                        <a:buNone/>
+                        <a:tabLst/>
+                        <a:defRPr/>
+                      </a:pPr>
+                      <a:r>
+                        <a:rPr lang="en-US" altLang="ko-KR" sz="1100" b="0" i="0" u="none" strike="noStrike" dirty="0">
+                          <a:solidFill>
+                            <a:srgbClr val="000000"/>
+                          </a:solidFill>
+                          <a:effectLst/>
+                          <a:latin typeface="+mn-ea"/>
+                          <a:ea typeface="+mn-ea"/>
+                        </a:rPr>
+                        <a:t>itemImage2</a:t>
+                      </a:r>
+                    </a:p>
+                  </a:txBody>
+                  <a:tcPr marL="6155" marR="6155" marT="6155" marB="0" anchor="ctr">
+                    <a:noFill/>
+                  </a:tcPr>
+                </a:tc>
+                <a:tc>
+                  <a:txBody>
+                    <a:bodyPr/>
+                    <a:lstStyle/>
+                    <a:p>
+                      <a:pPr algn="ctr" fontAlgn="ctr"/>
+                      <a:r>
+                        <a:rPr lang="en-US" sz="1100" b="0" i="0" u="none" strike="noStrike" dirty="0" err="1">
+                          <a:solidFill>
+                            <a:srgbClr val="000000"/>
+                          </a:solidFill>
+                          <a:effectLst/>
+                          <a:latin typeface="+mn-ea"/>
+                          <a:ea typeface="+mn-ea"/>
+                        </a:rPr>
+                        <a:t>multipartFile</a:t>
+                      </a:r>
                       <a:endParaRPr lang="en-US" sz="1100" b="0" i="0" u="none" strike="noStrike" dirty="0">
                         <a:solidFill>
                           <a:srgbClr val="000000"/>
@@ -8915,7 +9251,7 @@
                         <a:uLnTx/>
                         <a:uFillTx/>
                         <a:latin typeface="맑은 고딕" panose="020B0503020000020004" pitchFamily="50" charset="-127"/>
-                        <a:ea typeface="+mn-ea"/>
+                        <a:ea typeface="맑은 고딕" panose="020B0503020000020004" pitchFamily="50" charset="-127"/>
                         <a:cs typeface="+mn-cs"/>
                       </a:endParaRPr>
                     </a:p>
@@ -8950,94 +9286,27 @@
                     <a:lstStyle/>
                     <a:p>
                       <a:pPr algn="ctr" fontAlgn="ctr"/>
-                      <a:endParaRPr lang="en-US" altLang="ko-KR" sz="1100" b="0" i="0" u="none" strike="noStrike" dirty="0">
-                        <a:solidFill>
-                          <a:srgbClr val="000000"/>
-                        </a:solidFill>
-                        <a:effectLst/>
-                        <a:latin typeface="+mn-ea"/>
-                        <a:ea typeface="+mn-ea"/>
-                      </a:endParaRPr>
-                    </a:p>
-                  </a:txBody>
-                  <a:tcPr marL="6155" marR="6155" marT="6155" marB="0" anchor="ctr">
-                    <a:noFill/>
-                  </a:tcPr>
-                </a:tc>
-                <a:tc>
-                  <a:txBody>
-                    <a:bodyPr/>
-                    <a:lstStyle/>
-                    <a:p>
-                      <a:pPr algn="ctr" fontAlgn="ctr"/>
-                      <a:endParaRPr lang="en-US" altLang="ko-KR" sz="1100" b="0" i="0" u="none" strike="noStrike" dirty="0">
-                        <a:solidFill>
-                          <a:srgbClr val="000000"/>
-                        </a:solidFill>
-                        <a:effectLst/>
-                        <a:latin typeface="+mn-ea"/>
-                        <a:ea typeface="+mn-ea"/>
-                      </a:endParaRPr>
-                    </a:p>
-                  </a:txBody>
-                  <a:tcPr marL="6155" marR="6155" marT="6155" marB="0" anchor="ctr">
-                    <a:noFill/>
-                  </a:tcPr>
-                </a:tc>
-                <a:tc>
-                  <a:txBody>
-                    <a:bodyPr/>
-                    <a:lstStyle/>
-                    <a:p>
-                      <a:pPr algn="ctr" fontAlgn="ctr"/>
-                      <a:endParaRPr lang="ko-KR" altLang="en-US" sz="1100" b="0" i="0" u="none" strike="noStrike" dirty="0">
-                        <a:solidFill>
-                          <a:srgbClr val="000000"/>
-                        </a:solidFill>
-                        <a:effectLst/>
-                        <a:latin typeface="+mn-ea"/>
-                        <a:ea typeface="+mn-ea"/>
-                      </a:endParaRPr>
-                    </a:p>
-                  </a:txBody>
-                  <a:tcPr marL="6155" marR="6155" marT="6155" marB="0" anchor="ctr">
-                    <a:noFill/>
-                  </a:tcPr>
-                </a:tc>
-                <a:extLst>
-                  <a:ext uri="{0D108BD9-81ED-4DB2-BD59-A6C34878D82A}">
-                    <a16:rowId xmlns:a16="http://schemas.microsoft.com/office/drawing/2014/main" val="1698783508"/>
-                  </a:ext>
-                </a:extLst>
-              </a:tr>
-              <a:tr h="454952">
-                <a:tc>
-                  <a:txBody>
-                    <a:bodyPr/>
-                    <a:lstStyle/>
-                    <a:p>
-                      <a:pPr algn="ctr" fontAlgn="ctr"/>
-                      <a:endParaRPr lang="en-US" altLang="ko-KR" sz="1100" b="0" i="0" u="none" strike="noStrike" dirty="0">
-                        <a:solidFill>
-                          <a:srgbClr val="000000"/>
-                        </a:solidFill>
-                        <a:effectLst/>
-                        <a:latin typeface="+mn-ea"/>
-                        <a:ea typeface="+mn-ea"/>
-                      </a:endParaRPr>
-                    </a:p>
-                  </a:txBody>
-                  <a:tcPr marL="6155" marR="6155" marT="6155" marB="0" anchor="ctr">
-                    <a:noFill/>
-                  </a:tcPr>
-                </a:tc>
-                <a:tc>
-                  <a:txBody>
-                    <a:bodyPr/>
-                    <a:lstStyle/>
-                    <a:p>
-                      <a:pPr algn="ctr" fontAlgn="ctr"/>
-                      <a:endParaRPr lang="en-US" sz="1100" b="0" i="0" u="none" strike="noStrike" dirty="0">
+                      <a:endParaRPr lang="en-US" altLang="ko-KR" sz="1100" b="0" i="0" u="none" strike="noStrike">
+                        <a:solidFill>
+                          <a:srgbClr val="000000"/>
+                        </a:solidFill>
+                        <a:effectLst/>
+                        <a:latin typeface="+mn-ea"/>
+                        <a:ea typeface="+mn-ea"/>
+                      </a:endParaRPr>
+                    </a:p>
+                  </a:txBody>
+                  <a:tcPr marL="6155" marR="6155" marT="6155" marB="0" anchor="ctr">
+                    <a:noFill/>
+                  </a:tcPr>
+                </a:tc>
+                <a:tc>
+                  <a:txBody>
+                    <a:bodyPr/>
+                    <a:lstStyle/>
+                    <a:p>
+                      <a:pPr algn="ctr" fontAlgn="ctr"/>
+                      <a:endParaRPr lang="en-US" altLang="ko-KR" sz="1100" b="0" i="0" u="none" strike="noStrike">
                         <a:solidFill>
                           <a:srgbClr val="000000"/>
                         </a:solidFill>
@@ -9073,7 +9342,150 @@
                         <a:tabLst/>
                         <a:defRPr/>
                       </a:pPr>
-                      <a:endParaRPr lang="en-US" sz="1100" b="0" i="0" u="none" strike="noStrike" dirty="0">
+                      <a:r>
+                        <a:rPr lang="ko-KR" altLang="en-US" sz="1100" b="0" i="0" u="none" strike="noStrike" dirty="0">
+                          <a:solidFill>
+                            <a:srgbClr val="000000"/>
+                          </a:solidFill>
+                          <a:effectLst/>
+                          <a:latin typeface="+mn-ea"/>
+                          <a:ea typeface="+mn-ea"/>
+                        </a:rPr>
+                        <a:t>상품사진</a:t>
+                      </a:r>
+                      <a:r>
+                        <a:rPr lang="en-US" altLang="ko-KR" sz="1100" b="0" i="0" u="none" strike="noStrike" dirty="0">
+                          <a:solidFill>
+                            <a:srgbClr val="000000"/>
+                          </a:solidFill>
+                          <a:effectLst/>
+                          <a:latin typeface="+mn-ea"/>
+                          <a:ea typeface="+mn-ea"/>
+                        </a:rPr>
+                        <a:t>2</a:t>
+                      </a:r>
+                      <a:endParaRPr lang="ko-KR" altLang="en-US" sz="1100" b="0" i="0" u="none" strike="noStrike" dirty="0">
+                        <a:solidFill>
+                          <a:srgbClr val="000000"/>
+                        </a:solidFill>
+                        <a:effectLst/>
+                        <a:latin typeface="+mn-ea"/>
+                        <a:ea typeface="+mn-ea"/>
+                      </a:endParaRPr>
+                    </a:p>
+                  </a:txBody>
+                  <a:tcPr marL="6155" marR="6155" marT="6155" marB="0" anchor="ctr">
+                    <a:noFill/>
+                  </a:tcPr>
+                </a:tc>
+                <a:extLst>
+                  <a:ext uri="{0D108BD9-81ED-4DB2-BD59-A6C34878D82A}">
+                    <a16:rowId xmlns:a16="http://schemas.microsoft.com/office/drawing/2014/main" val="2697445741"/>
+                  </a:ext>
+                </a:extLst>
+              </a:tr>
+              <a:tr h="454952">
+                <a:tc>
+                  <a:txBody>
+                    <a:bodyPr/>
+                    <a:lstStyle/>
+                    <a:p>
+                      <a:pPr algn="ctr" fontAlgn="ctr"/>
+                      <a:r>
+                        <a:rPr lang="en-US" altLang="ko-KR" sz="1100" u="none" strike="noStrike">
+                          <a:effectLst/>
+                          <a:latin typeface="+mn-ea"/>
+                          <a:ea typeface="+mn-ea"/>
+                        </a:rPr>
+                        <a:t>9</a:t>
+                      </a:r>
+                      <a:endParaRPr lang="en-US" altLang="ko-KR" sz="1100" b="0" i="0" u="none" strike="noStrike">
+                        <a:solidFill>
+                          <a:srgbClr val="000000"/>
+                        </a:solidFill>
+                        <a:effectLst/>
+                        <a:latin typeface="+mn-ea"/>
+                        <a:ea typeface="+mn-ea"/>
+                      </a:endParaRPr>
+                    </a:p>
+                  </a:txBody>
+                  <a:tcPr marL="6155" marR="6155" marT="6155" marB="0" anchor="ctr">
+                    <a:noFill/>
+                  </a:tcPr>
+                </a:tc>
+                <a:tc>
+                  <a:txBody>
+                    <a:bodyPr/>
+                    <a:lstStyle/>
+                    <a:p>
+                      <a:pPr marL="0" marR="0" lvl="0" indent="0" algn="ctr" defTabSz="914400" rtl="0" eaLnBrk="1" fontAlgn="ctr" latinLnBrk="1" hangingPunct="1">
+                        <a:lnSpc>
+                          <a:spcPct val="100000"/>
+                        </a:lnSpc>
+                        <a:spcBef>
+                          <a:spcPts val="0"/>
+                        </a:spcBef>
+                        <a:spcAft>
+                          <a:spcPts val="0"/>
+                        </a:spcAft>
+                        <a:buClrTx/>
+                        <a:buSzTx/>
+                        <a:buFontTx/>
+                        <a:buNone/>
+                        <a:tabLst/>
+                        <a:defRPr/>
+                      </a:pPr>
+                      <a:r>
+                        <a:rPr lang="en-US" altLang="ko-KR" sz="1100" b="0" i="0" u="none" strike="noStrike" dirty="0">
+                          <a:solidFill>
+                            <a:srgbClr val="000000"/>
+                          </a:solidFill>
+                          <a:effectLst/>
+                          <a:latin typeface="+mn-ea"/>
+                          <a:ea typeface="+mn-ea"/>
+                        </a:rPr>
+                        <a:t>itemImage3</a:t>
+                      </a:r>
+                    </a:p>
+                  </a:txBody>
+                  <a:tcPr marL="6155" marR="6155" marT="6155" marB="0" anchor="ctr">
+                    <a:noFill/>
+                  </a:tcPr>
+                </a:tc>
+                <a:tc>
+                  <a:txBody>
+                    <a:bodyPr/>
+                    <a:lstStyle/>
+                    <a:p>
+                      <a:pPr marL="0" marR="0" lvl="0" indent="0" algn="ctr" defTabSz="914400" rtl="0" eaLnBrk="1" fontAlgn="ctr" latinLnBrk="1" hangingPunct="1">
+                        <a:lnSpc>
+                          <a:spcPct val="100000"/>
+                        </a:lnSpc>
+                        <a:spcBef>
+                          <a:spcPts val="0"/>
+                        </a:spcBef>
+                        <a:spcAft>
+                          <a:spcPts val="0"/>
+                        </a:spcAft>
+                        <a:buClrTx/>
+                        <a:buSzTx/>
+                        <a:buFontTx/>
+                        <a:buNone/>
+                        <a:tabLst/>
+                        <a:defRPr/>
+                      </a:pPr>
+                      <a:r>
+                        <a:rPr lang="en-US" altLang="ko-KR" sz="1100" b="0" i="0" u="none" strike="noStrike" dirty="0" err="1">
+                          <a:solidFill>
+                            <a:srgbClr val="000000"/>
+                          </a:solidFill>
+                          <a:effectLst/>
+                          <a:latin typeface="+mn-ea"/>
+                          <a:ea typeface="+mn-ea"/>
+                        </a:rPr>
+                        <a:t>multipartFile</a:t>
+                      </a:r>
+                      <a:endParaRPr lang="en-US" altLang="ko-KR" sz="1100" b="0" i="0" u="none" strike="noStrike" dirty="0">
                         <a:solidFill>
                           <a:srgbClr val="000000"/>
                         </a:solidFill>
@@ -9120,7 +9532,7 @@
                         <a:uLnTx/>
                         <a:uFillTx/>
                         <a:latin typeface="맑은 고딕" panose="020B0503020000020004" pitchFamily="50" charset="-127"/>
-                        <a:ea typeface="+mn-ea"/>
+                        <a:ea typeface="맑은 고딕" panose="020B0503020000020004" pitchFamily="50" charset="-127"/>
                         <a:cs typeface="+mn-cs"/>
                       </a:endParaRPr>
                     </a:p>
@@ -9135,114 +9547,47 @@
                     <a:lstStyle/>
                     <a:p>
                       <a:pPr algn="ctr" fontAlgn="ctr"/>
-                      <a:endParaRPr lang="en-US" altLang="ko-KR" sz="1100" b="0" i="0" u="none" strike="noStrike" dirty="0">
-                        <a:solidFill>
-                          <a:srgbClr val="000000"/>
-                        </a:solidFill>
-                        <a:effectLst/>
-                        <a:latin typeface="+mn-ea"/>
-                        <a:ea typeface="+mn-ea"/>
-                      </a:endParaRPr>
-                    </a:p>
-                  </a:txBody>
-                  <a:tcPr marL="6155" marR="6155" marT="6155" marB="0" anchor="ctr">
-                    <a:noFill/>
-                  </a:tcPr>
-                </a:tc>
-                <a:tc>
-                  <a:txBody>
-                    <a:bodyPr/>
-                    <a:lstStyle/>
-                    <a:p>
-                      <a:pPr algn="ctr" fontAlgn="ctr"/>
-                      <a:endParaRPr lang="en-US" altLang="ko-KR" sz="1100" b="0" i="0" u="none" strike="noStrike" dirty="0">
-                        <a:solidFill>
-                          <a:srgbClr val="000000"/>
-                        </a:solidFill>
-                        <a:effectLst/>
-                        <a:latin typeface="+mn-ea"/>
-                        <a:ea typeface="+mn-ea"/>
-                      </a:endParaRPr>
-                    </a:p>
-                  </a:txBody>
-                  <a:tcPr marL="6155" marR="6155" marT="6155" marB="0" anchor="ctr">
-                    <a:noFill/>
-                  </a:tcPr>
-                </a:tc>
-                <a:tc>
-                  <a:txBody>
-                    <a:bodyPr/>
-                    <a:lstStyle/>
-                    <a:p>
-                      <a:pPr algn="ctr" fontAlgn="ctr"/>
-                      <a:endParaRPr lang="en-US" altLang="ko-KR" sz="1100" b="0" i="0" u="none" strike="noStrike" dirty="0">
-                        <a:solidFill>
-                          <a:srgbClr val="000000"/>
-                        </a:solidFill>
-                        <a:effectLst/>
-                        <a:latin typeface="+mn-ea"/>
-                        <a:ea typeface="+mn-ea"/>
-                      </a:endParaRPr>
-                    </a:p>
-                  </a:txBody>
-                  <a:tcPr marL="6155" marR="6155" marT="6155" marB="0" anchor="ctr">
-                    <a:noFill/>
-                  </a:tcPr>
-                </a:tc>
-                <a:tc>
-                  <a:txBody>
-                    <a:bodyPr/>
-                    <a:lstStyle/>
-                    <a:p>
-                      <a:pPr algn="ctr" fontAlgn="ctr"/>
-                      <a:endParaRPr lang="en-US" altLang="ko-KR" sz="1100" b="0" i="0" u="none" strike="noStrike" dirty="0">
-                        <a:solidFill>
-                          <a:srgbClr val="000000"/>
-                        </a:solidFill>
-                        <a:effectLst/>
-                        <a:latin typeface="+mn-ea"/>
-                        <a:ea typeface="+mn-ea"/>
-                      </a:endParaRPr>
-                    </a:p>
-                  </a:txBody>
-                  <a:tcPr marL="6155" marR="6155" marT="6155" marB="0" anchor="ctr">
-                    <a:noFill/>
-                  </a:tcPr>
-                </a:tc>
-                <a:extLst>
-                  <a:ext uri="{0D108BD9-81ED-4DB2-BD59-A6C34878D82A}">
-                    <a16:rowId xmlns:a16="http://schemas.microsoft.com/office/drawing/2014/main" val="2697445741"/>
-                  </a:ext>
-                </a:extLst>
-              </a:tr>
-              <a:tr h="454952">
-                <a:tc>
-                  <a:txBody>
-                    <a:bodyPr/>
-                    <a:lstStyle/>
-                    <a:p>
-                      <a:pPr algn="ctr" fontAlgn="ctr"/>
-                      <a:endParaRPr lang="en-US" altLang="ko-KR" sz="1100" b="0" i="0" u="none" strike="noStrike" dirty="0">
-                        <a:solidFill>
-                          <a:srgbClr val="000000"/>
-                        </a:solidFill>
-                        <a:effectLst/>
-                        <a:latin typeface="+mn-ea"/>
-                        <a:ea typeface="+mn-ea"/>
-                      </a:endParaRPr>
-                    </a:p>
-                  </a:txBody>
-                  <a:tcPr marL="6155" marR="6155" marT="6155" marB="0" anchor="ctr">
-                    <a:noFill/>
-                  </a:tcPr>
-                </a:tc>
-                <a:tc>
-                  <a:txBody>
-                    <a:bodyPr/>
-                    <a:lstStyle/>
-                    <a:p>
-                      <a:pPr algn="ctr" fontAlgn="ctr"/>
-                      <a:endParaRPr lang="en-US" sz="1100" b="0" i="0" u="none" strike="noStrike" dirty="0">
+                      <a:endParaRPr lang="en-US" altLang="ko-KR" sz="1100" b="0" i="0" u="none" strike="noStrike">
+                        <a:solidFill>
+                          <a:srgbClr val="000000"/>
+                        </a:solidFill>
+                        <a:effectLst/>
+                        <a:latin typeface="+mn-ea"/>
+                        <a:ea typeface="+mn-ea"/>
+                      </a:endParaRPr>
+                    </a:p>
+                  </a:txBody>
+                  <a:tcPr marL="6155" marR="6155" marT="6155" marB="0" anchor="ctr">
+                    <a:noFill/>
+                  </a:tcPr>
+                </a:tc>
+                <a:tc>
+                  <a:txBody>
+                    <a:bodyPr/>
+                    <a:lstStyle/>
+                    <a:p>
+                      <a:pPr algn="ctr" fontAlgn="ctr"/>
+                      <a:endParaRPr lang="en-US" altLang="ko-KR" sz="1100" b="0" i="0" u="none" strike="noStrike">
+                        <a:solidFill>
+                          <a:srgbClr val="000000"/>
+                        </a:solidFill>
+                        <a:effectLst/>
+                        <a:latin typeface="+mn-ea"/>
+                        <a:ea typeface="+mn-ea"/>
+                      </a:endParaRPr>
+                    </a:p>
+                  </a:txBody>
+                  <a:tcPr marL="6155" marR="6155" marT="6155" marB="0" anchor="ctr">
+                    <a:noFill/>
+                  </a:tcPr>
+                </a:tc>
+                <a:tc>
+                  <a:txBody>
+                    <a:bodyPr/>
+                    <a:lstStyle/>
+                    <a:p>
+                      <a:pPr algn="ctr" fontAlgn="ctr"/>
+                      <a:endParaRPr lang="en-US" altLang="ko-KR" sz="1100" b="0" i="0" u="none" strike="noStrike">
                         <a:solidFill>
                           <a:srgbClr val="000000"/>
                         </a:solidFill>
@@ -9278,7 +9623,139 @@
                         <a:tabLst/>
                         <a:defRPr/>
                       </a:pPr>
+                      <a:r>
+                        <a:rPr lang="ko-KR" altLang="en-US" sz="1100" b="0" i="0" u="none" strike="noStrike" dirty="0">
+                          <a:solidFill>
+                            <a:srgbClr val="000000"/>
+                          </a:solidFill>
+                          <a:effectLst/>
+                          <a:latin typeface="+mn-ea"/>
+                          <a:ea typeface="+mn-ea"/>
+                        </a:rPr>
+                        <a:t>상품사진</a:t>
+                      </a:r>
+                      <a:r>
+                        <a:rPr lang="en-US" altLang="ko-KR" sz="1100" b="0" i="0" u="none" strike="noStrike" dirty="0">
+                          <a:solidFill>
+                            <a:srgbClr val="000000"/>
+                          </a:solidFill>
+                          <a:effectLst/>
+                          <a:latin typeface="+mn-ea"/>
+                          <a:ea typeface="+mn-ea"/>
+                        </a:rPr>
+                        <a:t>3</a:t>
+                      </a:r>
+                      <a:endParaRPr lang="ko-KR" altLang="en-US" sz="1100" b="0" i="0" u="none" strike="noStrike" dirty="0">
+                        <a:solidFill>
+                          <a:srgbClr val="000000"/>
+                        </a:solidFill>
+                        <a:effectLst/>
+                        <a:latin typeface="+mn-ea"/>
+                        <a:ea typeface="+mn-ea"/>
+                      </a:endParaRPr>
+                    </a:p>
+                  </a:txBody>
+                  <a:tcPr marL="6155" marR="6155" marT="6155" marB="0" anchor="ctr">
+                    <a:noFill/>
+                  </a:tcPr>
+                </a:tc>
+                <a:extLst>
+                  <a:ext uri="{0D108BD9-81ED-4DB2-BD59-A6C34878D82A}">
+                    <a16:rowId xmlns:a16="http://schemas.microsoft.com/office/drawing/2014/main" val="3961447850"/>
+                  </a:ext>
+                </a:extLst>
+              </a:tr>
+              <a:tr h="475631">
+                <a:tc>
+                  <a:txBody>
+                    <a:bodyPr/>
+                    <a:lstStyle/>
+                    <a:p>
+                      <a:pPr algn="ctr" fontAlgn="ctr"/>
+                      <a:r>
+                        <a:rPr lang="en-US" altLang="ko-KR" sz="1100" u="none" strike="noStrike">
+                          <a:effectLst/>
+                          <a:latin typeface="+mn-ea"/>
+                          <a:ea typeface="+mn-ea"/>
+                        </a:rPr>
+                        <a:t>10</a:t>
+                      </a:r>
+                      <a:endParaRPr lang="en-US" altLang="ko-KR" sz="1100" b="0" i="0" u="none" strike="noStrike">
+                        <a:solidFill>
+                          <a:srgbClr val="000000"/>
+                        </a:solidFill>
+                        <a:effectLst/>
+                        <a:latin typeface="+mn-ea"/>
+                        <a:ea typeface="+mn-ea"/>
+                      </a:endParaRPr>
+                    </a:p>
+                  </a:txBody>
+                  <a:tcPr marL="6155" marR="6155" marT="6155" marB="0" anchor="ctr">
+                    <a:noFill/>
+                  </a:tcPr>
+                </a:tc>
+                <a:tc>
+                  <a:txBody>
+                    <a:bodyPr/>
+                    <a:lstStyle/>
+                    <a:p>
+                      <a:pPr algn="ctr" fontAlgn="ctr"/>
+                      <a:r>
+                        <a:rPr lang="en-US" sz="1100" b="0" i="0" u="none" strike="noStrike" dirty="0" err="1">
+                          <a:solidFill>
+                            <a:srgbClr val="000000"/>
+                          </a:solidFill>
+                          <a:effectLst/>
+                          <a:latin typeface="+mn-ea"/>
+                          <a:ea typeface="+mn-ea"/>
+                        </a:rPr>
+                        <a:t>ItemExp</a:t>
+                      </a:r>
                       <a:endParaRPr lang="en-US" sz="1100" b="0" i="0" u="none" strike="noStrike" dirty="0">
+                        <a:solidFill>
+                          <a:srgbClr val="000000"/>
+                        </a:solidFill>
+                        <a:effectLst/>
+                        <a:latin typeface="+mn-ea"/>
+                        <a:ea typeface="+mn-ea"/>
+                      </a:endParaRPr>
+                    </a:p>
+                  </a:txBody>
+                  <a:tcPr marL="6155" marR="6155" marT="6155" marB="0" anchor="ctr">
+                    <a:noFill/>
+                  </a:tcPr>
+                </a:tc>
+                <a:tc>
+                  <a:txBody>
+                    <a:bodyPr/>
+                    <a:lstStyle/>
+                    <a:p>
+                      <a:pPr marL="0" marR="0" lvl="0" indent="0" algn="ctr" defTabSz="914400" rtl="0" eaLnBrk="1" fontAlgn="ctr" latinLnBrk="1" hangingPunct="1">
+                        <a:lnSpc>
+                          <a:spcPct val="100000"/>
+                        </a:lnSpc>
+                        <a:spcBef>
+                          <a:spcPts val="0"/>
+                        </a:spcBef>
+                        <a:spcAft>
+                          <a:spcPts val="0"/>
+                        </a:spcAft>
+                        <a:buClrTx/>
+                        <a:buSzTx/>
+                        <a:buFontTx/>
+                        <a:buNone/>
+                        <a:tabLst/>
+                        <a:defRPr/>
+                      </a:pPr>
+                      <a:r>
+                        <a:rPr lang="en-US" altLang="ko-KR" sz="1100" u="none" strike="noStrike" dirty="0">
+                          <a:effectLst/>
+                          <a:latin typeface="+mn-ea"/>
+                          <a:ea typeface="+mn-ea"/>
+                        </a:rPr>
+                        <a:t>varchar(30)</a:t>
+                      </a:r>
+                      <a:endParaRPr lang="en-US" altLang="ko-KR" sz="1100" b="0" i="0" u="none" strike="noStrike" dirty="0">
                         <a:solidFill>
                           <a:srgbClr val="000000"/>
                         </a:solidFill>
@@ -9325,7 +9802,7 @@
                         <a:uLnTx/>
                         <a:uFillTx/>
                         <a:latin typeface="맑은 고딕" panose="020B0503020000020004" pitchFamily="50" charset="-127"/>
-                        <a:ea typeface="+mn-ea"/>
+                        <a:ea typeface="맑은 고딕" panose="020B0503020000020004" pitchFamily="50" charset="-127"/>
                         <a:cs typeface="+mn-cs"/>
                       </a:endParaRPr>
                     </a:p>
@@ -9360,93 +9837,6 @@
                     <a:lstStyle/>
                     <a:p>
                       <a:pPr algn="ctr" fontAlgn="ctr"/>
-                      <a:endParaRPr lang="en-US" altLang="ko-KR" sz="1100" b="0" i="0" u="none" strike="noStrike" dirty="0">
-                        <a:solidFill>
-                          <a:srgbClr val="000000"/>
-                        </a:solidFill>
-                        <a:effectLst/>
-                        <a:latin typeface="+mn-ea"/>
-                        <a:ea typeface="+mn-ea"/>
-                      </a:endParaRPr>
-                    </a:p>
-                  </a:txBody>
-                  <a:tcPr marL="6155" marR="6155" marT="6155" marB="0" anchor="ctr">
-                    <a:noFill/>
-                  </a:tcPr>
-                </a:tc>
-                <a:tc>
-                  <a:txBody>
-                    <a:bodyPr/>
-                    <a:lstStyle/>
-                    <a:p>
-                      <a:pPr algn="ctr" fontAlgn="ctr"/>
-                      <a:endParaRPr lang="en-US" altLang="ko-KR" sz="1100" b="0" i="0" u="none" strike="noStrike" dirty="0">
-                        <a:solidFill>
-                          <a:srgbClr val="000000"/>
-                        </a:solidFill>
-                        <a:effectLst/>
-                        <a:latin typeface="+mn-ea"/>
-                        <a:ea typeface="+mn-ea"/>
-                      </a:endParaRPr>
-                    </a:p>
-                  </a:txBody>
-                  <a:tcPr marL="6155" marR="6155" marT="6155" marB="0" anchor="ctr">
-                    <a:noFill/>
-                  </a:tcPr>
-                </a:tc>
-                <a:tc>
-                  <a:txBody>
-                    <a:bodyPr/>
-                    <a:lstStyle/>
-                    <a:p>
-                      <a:pPr algn="ctr" fontAlgn="ctr"/>
-                      <a:endParaRPr lang="en-US" altLang="ko-KR" sz="1100" b="0" i="0" u="none" strike="noStrike" dirty="0">
-                        <a:solidFill>
-                          <a:srgbClr val="000000"/>
-                        </a:solidFill>
-                        <a:effectLst/>
-                        <a:latin typeface="+mn-ea"/>
-                        <a:ea typeface="+mn-ea"/>
-                      </a:endParaRPr>
-                    </a:p>
-                  </a:txBody>
-                  <a:tcPr marL="6155" marR="6155" marT="6155" marB="0" anchor="ctr">
-                    <a:noFill/>
-                  </a:tcPr>
-                </a:tc>
-                <a:extLst>
-                  <a:ext uri="{0D108BD9-81ED-4DB2-BD59-A6C34878D82A}">
-                    <a16:rowId xmlns:a16="http://schemas.microsoft.com/office/drawing/2014/main" val="3961447850"/>
-                  </a:ext>
-                </a:extLst>
-              </a:tr>
-              <a:tr h="475631">
-                <a:tc>
-                  <a:txBody>
-                    <a:bodyPr/>
-                    <a:lstStyle/>
-                    <a:p>
-                      <a:pPr algn="ctr" fontAlgn="ctr"/>
-                      <a:endParaRPr lang="en-US" altLang="ko-KR" sz="1100" b="0" i="0" u="none" strike="noStrike" dirty="0">
-                        <a:solidFill>
-                          <a:srgbClr val="000000"/>
-                        </a:solidFill>
-                        <a:effectLst/>
-                        <a:latin typeface="+mn-ea"/>
-                        <a:ea typeface="+mn-ea"/>
-                      </a:endParaRPr>
-                    </a:p>
-                  </a:txBody>
-                  <a:tcPr marL="6155" marR="6155" marT="6155" marB="0" anchor="ctr">
-                    <a:noFill/>
-                  </a:tcPr>
-                </a:tc>
-                <a:tc>
-                  <a:txBody>
-                    <a:bodyPr/>
-                    <a:lstStyle/>
-                    <a:p>
-                      <a:pPr algn="ctr" fontAlgn="ctr"/>
                       <a:endParaRPr lang="en-US" sz="1100" b="0" i="0" u="none" strike="noStrike" dirty="0">
                         <a:solidFill>
                           <a:srgbClr val="000000"/>
@@ -9466,23 +9856,7 @@
                     <a:bodyPr/>
                     <a:lstStyle/>
                     <a:p>
-                      <a:pPr marL="0" marR="0" lvl="0" indent="0" algn="ctr" defTabSz="914400" rtl="0" eaLnBrk="1" fontAlgn="ctr" latinLnBrk="1" hangingPunct="1">
-                        <a:lnSpc>
-                          <a:spcPct val="100000"/>
-                        </a:lnSpc>
-                        <a:spcBef>
-                          <a:spcPts val="0"/>
-                        </a:spcBef>
-                        <a:spcAft>
-                          <a:spcPts val="0"/>
-                        </a:spcAft>
-                        <a:buClrTx/>
-                        <a:buSzTx/>
-                        <a:buFontTx/>
-                        <a:buNone/>
-                        <a:tabLst/>
-                        <a:defRPr/>
-                      </a:pPr>
+                      <a:pPr algn="ctr" fontAlgn="ctr"/>
                       <a:endParaRPr lang="en-US" sz="1100" b="0" i="0" u="none" strike="noStrike" dirty="0">
                         <a:solidFill>
                           <a:srgbClr val="000000"/>
@@ -9502,109 +9876,18 @@
                     <a:bodyPr/>
                     <a:lstStyle/>
                     <a:p>
-                      <a:pPr marL="0" marR="0" lvl="0" indent="0" algn="ctr" defTabSz="914400" rtl="0" eaLnBrk="1" fontAlgn="ctr" latinLnBrk="1" hangingPunct="1">
-                        <a:lnSpc>
-                          <a:spcPct val="100000"/>
-                        </a:lnSpc>
-                        <a:spcBef>
-                          <a:spcPts val="0"/>
-                        </a:spcBef>
-                        <a:spcAft>
-                          <a:spcPts val="0"/>
-                        </a:spcAft>
-                        <a:buClrTx/>
-                        <a:buSzTx/>
-                        <a:buFontTx/>
-                        <a:buNone/>
-                        <a:tabLst/>
-                        <a:defRPr/>
-                      </a:pPr>
-                      <a:endParaRPr kumimoji="0" lang="en-US" altLang="ko-KR" sz="1100" b="0" i="0" u="none" strike="noStrike" kern="1200" cap="none" spc="0" normalizeH="0" baseline="0" noProof="0" dirty="0">
-                        <a:ln>
-                          <a:noFill/>
-                        </a:ln>
-                        <a:solidFill>
-                          <a:srgbClr val="000000"/>
-                        </a:solidFill>
-                        <a:effectLst/>
-                        <a:uLnTx/>
-                        <a:uFillTx/>
-                        <a:latin typeface="맑은 고딕" panose="020B0503020000020004" pitchFamily="50" charset="-127"/>
-                        <a:ea typeface="+mn-ea"/>
-                        <a:cs typeface="+mn-cs"/>
-                      </a:endParaRPr>
-                    </a:p>
-                  </a:txBody>
-                  <a:tcPr marL="6155" marR="6155" marT="6155" marB="0" anchor="ctr">
-                    <a:noFill/>
-                  </a:tcPr>
-                </a:tc>
-                <a:tc>
-                  <a:txBody>
-                    <a:bodyPr/>
-                    <a:lstStyle/>
-                    <a:p>
-                      <a:pPr algn="ctr" fontAlgn="ctr"/>
-                      <a:endParaRPr lang="en-US" altLang="ko-KR" sz="1100" b="0" i="0" u="none" strike="noStrike" dirty="0">
-                        <a:solidFill>
-                          <a:srgbClr val="000000"/>
-                        </a:solidFill>
-                        <a:effectLst/>
-                        <a:latin typeface="+mn-ea"/>
-                        <a:ea typeface="+mn-ea"/>
-                      </a:endParaRPr>
-                    </a:p>
-                  </a:txBody>
-                  <a:tcPr marL="6155" marR="6155" marT="6155" marB="0" anchor="ctr">
-                    <a:noFill/>
-                  </a:tcPr>
-                </a:tc>
-                <a:tc>
-                  <a:txBody>
-                    <a:bodyPr/>
-                    <a:lstStyle/>
-                    <a:p>
-                      <a:pPr algn="ctr" fontAlgn="ctr"/>
-                      <a:endParaRPr lang="en-US" altLang="ko-KR" sz="1100" b="0" i="0" u="none" strike="noStrike" dirty="0">
-                        <a:solidFill>
-                          <a:srgbClr val="000000"/>
-                        </a:solidFill>
-                        <a:effectLst/>
-                        <a:latin typeface="+mn-ea"/>
-                        <a:ea typeface="+mn-ea"/>
-                      </a:endParaRPr>
-                    </a:p>
-                  </a:txBody>
-                  <a:tcPr marL="6155" marR="6155" marT="6155" marB="0" anchor="ctr">
-                    <a:noFill/>
-                  </a:tcPr>
-                </a:tc>
-                <a:tc>
-                  <a:txBody>
-                    <a:bodyPr/>
-                    <a:lstStyle/>
-                    <a:p>
-                      <a:pPr algn="ctr" fontAlgn="ctr"/>
-                      <a:endParaRPr lang="en-US" altLang="ko-KR" sz="1100" b="0" i="0" u="none" strike="noStrike" dirty="0">
-                        <a:solidFill>
-                          <a:srgbClr val="000000"/>
-                        </a:solidFill>
-                        <a:effectLst/>
-                        <a:latin typeface="+mn-ea"/>
-                        <a:ea typeface="+mn-ea"/>
-                      </a:endParaRPr>
-                    </a:p>
-                  </a:txBody>
-                  <a:tcPr marL="6155" marR="6155" marT="6155" marB="0" anchor="ctr">
-                    <a:noFill/>
-                  </a:tcPr>
-                </a:tc>
-                <a:tc>
-                  <a:txBody>
-                    <a:bodyPr/>
-                    <a:lstStyle/>
-                    <a:p>
-                      <a:pPr algn="ctr" fontAlgn="ctr"/>
+                      <a:pPr algn="ctr" fontAlgn="ctr"/>
+                      <a:r>
+                        <a:rPr lang="ko-KR" altLang="en-US" sz="1100" b="0" i="0" u="none" strike="noStrike" dirty="0">
+                          <a:solidFill>
+                            <a:srgbClr val="000000"/>
+                          </a:solidFill>
+                          <a:effectLst/>
+                          <a:latin typeface="+mn-ea"/>
+                          <a:ea typeface="+mn-ea"/>
+                        </a:rPr>
+                        <a:t>상품유통기한</a:t>
+                      </a:r>
                       <a:endParaRPr lang="en-US" altLang="ko-KR" sz="1100" b="0" i="0" u="none" strike="noStrike" dirty="0">
                         <a:solidFill>
                           <a:srgbClr val="000000"/>
@@ -9693,7 +9976,7 @@
     </p:spTree>
     <p:extLst>
       <p:ext uri="{BB962C8B-B14F-4D97-AF65-F5344CB8AC3E}">
-        <p14:creationId xmlns:p14="http://schemas.microsoft.com/office/powerpoint/2010/main" val="2778472644"/>
+        <p14:creationId xmlns:p14="http://schemas.microsoft.com/office/powerpoint/2010/main" val="387572565"/>
       </p:ext>
     </p:extLst>
   </p:cSld>
@@ -9801,14 +10084,14 @@
           <p:nvPr>
             <p:extLst>
               <p:ext uri="{D42A27DB-BD31-4B8C-83A1-F6EECF244321}">
-                <p14:modId xmlns:p14="http://schemas.microsoft.com/office/powerpoint/2010/main" val="262957522"/>
+                <p14:modId xmlns:p14="http://schemas.microsoft.com/office/powerpoint/2010/main" val="3276960615"/>
               </p:ext>
             </p:extLst>
           </p:nvPr>
         </p:nvGraphicFramePr>
         <p:xfrm>
           <a:off x="274165" y="1296785"/>
-          <a:ext cx="8578737" cy="4590878"/>
+          <a:ext cx="8578737" cy="4135926"/>
         </p:xfrm>
         <a:graphic>
           <a:graphicData uri="http://schemas.openxmlformats.org/drawingml/2006/table">
@@ -10172,21 +10455,16 @@
                     <a:p>
                       <a:pPr algn="ctr" fontAlgn="ctr"/>
                       <a:r>
-                        <a:rPr lang="en-US" altLang="ko-KR" sz="1100" u="none" strike="noStrike" dirty="0">
-                          <a:effectLst/>
-                          <a:latin typeface="+mn-ea"/>
-                          <a:ea typeface="+mn-ea"/>
-                        </a:rPr>
-                        <a:t>1</a:t>
-                      </a:r>
-                      <a:endParaRPr lang="en-US" altLang="ko-KR" sz="1100" b="0" i="0" u="none" strike="noStrike" dirty="0">
-                        <a:solidFill>
-                          <a:srgbClr val="000000"/>
-                        </a:solidFill>
-                        <a:effectLst/>
-                        <a:latin typeface="+mn-ea"/>
-                        <a:ea typeface="+mn-ea"/>
-                      </a:endParaRPr>
+                        <a:rPr lang="en-US" altLang="ko-KR" sz="1100" b="0" i="0" u="none" strike="noStrike" dirty="0">
+                          <a:solidFill>
+                            <a:srgbClr val="000000"/>
+                          </a:solidFill>
+                          <a:effectLst/>
+                          <a:latin typeface="+mn-ea"/>
+                          <a:ea typeface="+mn-ea"/>
+                        </a:rPr>
+                        <a:t>11</a:t>
+                      </a:r>
                     </a:p>
                   </a:txBody>
                   <a:tcPr marL="6155" marR="6155" marT="6155" marB="0" anchor="ctr">
@@ -10208,191 +10486,9 @@
                           <a:latin typeface="+mn-ea"/>
                           <a:ea typeface="+mn-ea"/>
                         </a:rPr>
-                        <a:t>itemId</a:t>
+                        <a:t>itemSell</a:t>
                       </a:r>
                       <a:endParaRPr lang="en-US" sz="1100" b="0" i="0" u="none" strike="noStrike" dirty="0">
-                        <a:solidFill>
-                          <a:srgbClr val="000000"/>
-                        </a:solidFill>
-                        <a:effectLst/>
-                        <a:latin typeface="+mn-ea"/>
-                        <a:ea typeface="+mn-ea"/>
-                      </a:endParaRPr>
-                    </a:p>
-                  </a:txBody>
-                  <a:tcPr marL="6155" marR="6155" marT="6155" marB="0" anchor="ctr">
-                    <a:noFill/>
-                  </a:tcPr>
-                </a:tc>
-                <a:tc>
-                  <a:txBody>
-                    <a:bodyPr/>
-                    <a:lstStyle/>
-                    <a:p>
-                      <a:pPr algn="ctr" fontAlgn="ctr"/>
-                      <a:r>
-                        <a:rPr lang="en-US" sz="1100" u="none" strike="noStrike" dirty="0" err="1">
-                          <a:effectLst/>
-                          <a:latin typeface="+mn-ea"/>
-                          <a:ea typeface="+mn-ea"/>
-                        </a:rPr>
-                        <a:t>bigint</a:t>
-                      </a:r>
-                      <a:endParaRPr lang="en-US" sz="1100" b="0" i="0" u="none" strike="noStrike" dirty="0">
-                        <a:solidFill>
-                          <a:srgbClr val="000000"/>
-                        </a:solidFill>
-                        <a:effectLst/>
-                        <a:latin typeface="+mn-ea"/>
-                        <a:ea typeface="+mn-ea"/>
-                      </a:endParaRPr>
-                    </a:p>
-                  </a:txBody>
-                  <a:tcPr marL="6155" marR="6155" marT="6155" marB="0" anchor="ctr">
-                    <a:noFill/>
-                  </a:tcPr>
-                </a:tc>
-                <a:tc>
-                  <a:txBody>
-                    <a:bodyPr/>
-                    <a:lstStyle/>
-                    <a:p>
-                      <a:pPr algn="ctr" fontAlgn="ctr"/>
-                      <a:endParaRPr lang="en-US" sz="1100" b="0" i="0" u="none" strike="noStrike" dirty="0">
-                        <a:solidFill>
-                          <a:srgbClr val="000000"/>
-                        </a:solidFill>
-                        <a:effectLst/>
-                        <a:latin typeface="+mn-ea"/>
-                        <a:ea typeface="+mn-ea"/>
-                      </a:endParaRPr>
-                    </a:p>
-                  </a:txBody>
-                  <a:tcPr marL="6155" marR="6155" marT="6155" marB="0" anchor="ctr">
-                    <a:noFill/>
-                  </a:tcPr>
-                </a:tc>
-                <a:tc>
-                  <a:txBody>
-                    <a:bodyPr/>
-                    <a:lstStyle/>
-                    <a:p>
-                      <a:pPr algn="ctr" fontAlgn="ctr"/>
-                      <a:r>
-                        <a:rPr lang="en-US" altLang="ko-KR" sz="1100" u="none" strike="noStrike" dirty="0">
-                          <a:effectLst/>
-                          <a:latin typeface="+mn-ea"/>
-                          <a:ea typeface="+mn-ea"/>
-                        </a:rPr>
-                        <a:t>-</a:t>
-                      </a:r>
-                      <a:endParaRPr lang="en-US" altLang="ko-KR" sz="1100" b="0" i="0" u="none" strike="noStrike" dirty="0">
-                        <a:solidFill>
-                          <a:srgbClr val="000000"/>
-                        </a:solidFill>
-                        <a:effectLst/>
-                        <a:latin typeface="+mn-ea"/>
-                        <a:ea typeface="+mn-ea"/>
-                      </a:endParaRPr>
-                    </a:p>
-                  </a:txBody>
-                  <a:tcPr marL="6155" marR="6155" marT="6155" marB="0" anchor="ctr">
-                    <a:noFill/>
-                  </a:tcPr>
-                </a:tc>
-                <a:tc>
-                  <a:txBody>
-                    <a:bodyPr/>
-                    <a:lstStyle/>
-                    <a:p>
-                      <a:pPr algn="ctr" fontAlgn="ctr"/>
-                      <a:r>
-                        <a:rPr lang="en-US" sz="1100" u="none" strike="noStrike" dirty="0">
-                          <a:effectLst/>
-                          <a:latin typeface="+mn-ea"/>
-                          <a:ea typeface="+mn-ea"/>
-                        </a:rPr>
-                        <a:t>PK</a:t>
-                      </a:r>
-                      <a:endParaRPr lang="en-US" sz="1100" b="0" i="0" u="none" strike="noStrike" dirty="0">
-                        <a:solidFill>
-                          <a:srgbClr val="000000"/>
-                        </a:solidFill>
-                        <a:effectLst/>
-                        <a:latin typeface="+mn-ea"/>
-                        <a:ea typeface="+mn-ea"/>
-                      </a:endParaRPr>
-                    </a:p>
-                  </a:txBody>
-                  <a:tcPr marL="6155" marR="6155" marT="6155" marB="0" anchor="ctr">
-                    <a:noFill/>
-                  </a:tcPr>
-                </a:tc>
-                <a:tc>
-                  <a:txBody>
-                    <a:bodyPr/>
-                    <a:lstStyle/>
-                    <a:p>
-                      <a:pPr algn="ctr" fontAlgn="ctr"/>
-                      <a:endParaRPr lang="en-US" sz="1100" b="0" i="0" u="none" strike="noStrike" dirty="0">
-                        <a:solidFill>
-                          <a:srgbClr val="000000"/>
-                        </a:solidFill>
-                        <a:effectLst/>
-                        <a:latin typeface="+mn-ea"/>
-                        <a:ea typeface="+mn-ea"/>
-                      </a:endParaRPr>
-                    </a:p>
-                  </a:txBody>
-                  <a:tcPr marL="6155" marR="6155" marT="6155" marB="0" anchor="ctr">
-                    <a:noFill/>
-                  </a:tcPr>
-                </a:tc>
-                <a:tc>
-                  <a:txBody>
-                    <a:bodyPr/>
-                    <a:lstStyle/>
-                    <a:p>
-                      <a:pPr algn="ctr" fontAlgn="ctr"/>
-                      <a:r>
-                        <a:rPr lang="ko-KR" altLang="en-US" sz="1100" b="0" i="0" u="none" strike="noStrike" dirty="0">
-                          <a:solidFill>
-                            <a:srgbClr val="000000"/>
-                          </a:solidFill>
-                          <a:effectLst/>
-                          <a:latin typeface="+mn-ea"/>
-                          <a:ea typeface="+mn-ea"/>
-                        </a:rPr>
-                        <a:t>상품번호</a:t>
-                      </a:r>
-                    </a:p>
-                  </a:txBody>
-                  <a:tcPr marL="6155" marR="6155" marT="6155" marB="0" anchor="ctr">
-                    <a:noFill/>
-                  </a:tcPr>
-                </a:tc>
-                <a:extLst>
-                  <a:ext uri="{0D108BD9-81ED-4DB2-BD59-A6C34878D82A}">
-                    <a16:rowId xmlns:a16="http://schemas.microsoft.com/office/drawing/2014/main" val="993404443"/>
-                  </a:ext>
-                </a:extLst>
-              </a:tr>
-              <a:tr h="454952">
-                <a:tc>
-                  <a:txBody>
-                    <a:bodyPr/>
-                    <a:lstStyle/>
-                    <a:p>
-                      <a:pPr algn="ctr" fontAlgn="ctr"/>
-                      <a:r>
-                        <a:rPr lang="en-US" altLang="ko-KR" sz="1100" u="none" strike="noStrike" dirty="0">
-                          <a:effectLst/>
-                          <a:latin typeface="+mn-ea"/>
-                          <a:ea typeface="+mn-ea"/>
-                        </a:rPr>
-                        <a:t>2</a:t>
-                      </a:r>
-                      <a:endParaRPr lang="en-US" altLang="ko-KR" sz="1100" b="0" i="0" u="none" strike="noStrike" dirty="0">
                         <a:solidFill>
                           <a:srgbClr val="000000"/>
                         </a:solidFill>
@@ -10421,35 +10517,7 @@
                           <a:latin typeface="+mn-ea"/>
                           <a:ea typeface="+mn-ea"/>
                         </a:rPr>
-                        <a:t>ItemName</a:t>
-                      </a:r>
-                      <a:endParaRPr lang="en-US" sz="1100" b="0" i="0" u="none" strike="noStrike" dirty="0">
-                        <a:solidFill>
-                          <a:srgbClr val="000000"/>
-                        </a:solidFill>
-                        <a:effectLst/>
-                        <a:latin typeface="+mn-ea"/>
-                        <a:ea typeface="+mn-ea"/>
-                      </a:endParaRPr>
-                    </a:p>
-                  </a:txBody>
-                  <a:tcPr marL="6155" marR="6155" marT="6155" marB="0" anchor="ctr">
-                    <a:noFill/>
-                  </a:tcPr>
-                </a:tc>
-                <a:tc>
-                  <a:txBody>
-                    <a:bodyPr/>
-                    <a:lstStyle/>
-                    <a:p>
-                      <a:pPr algn="ctr" fontAlgn="ctr"/>
-                      <a:r>
-                        <a:rPr lang="en-US" sz="1100" u="none" strike="noStrike" dirty="0">
-                          <a:effectLst/>
-                          <a:latin typeface="+mn-ea"/>
-                          <a:ea typeface="+mn-ea"/>
-                        </a:rPr>
-                        <a:t>varchar(30)</a:t>
+                        <a:t>bigint</a:t>
                       </a:r>
                       <a:endParaRPr lang="en-US" sz="1100" b="0" i="0" u="none" strike="noStrike" dirty="0">
                         <a:solidFill>
@@ -10513,14 +10581,6 @@
                     <a:lstStyle/>
                     <a:p>
                       <a:pPr algn="ctr" fontAlgn="ctr"/>
-                      <a:r>
-                        <a:rPr lang="en-US" altLang="ko-KR" sz="1100" u="none" strike="noStrike" dirty="0">
-                          <a:effectLst/>
-                          <a:latin typeface="+mn-ea"/>
-                          <a:ea typeface="+mn-ea"/>
-                        </a:rPr>
-                        <a:t>-</a:t>
-                      </a:r>
                       <a:endParaRPr lang="en-US" altLang="ko-KR" sz="1100" b="0" i="0" u="none" strike="noStrike" dirty="0">
                         <a:solidFill>
                           <a:srgbClr val="000000"/>
@@ -10541,14 +10601,6 @@
                     <a:lstStyle/>
                     <a:p>
                       <a:pPr algn="ctr" fontAlgn="ctr"/>
-                      <a:r>
-                        <a:rPr lang="en-US" altLang="ko-KR" sz="1100" u="none" strike="noStrike" dirty="0">
-                          <a:effectLst/>
-                          <a:latin typeface="+mn-ea"/>
-                          <a:ea typeface="+mn-ea"/>
-                        </a:rPr>
-                        <a:t>-</a:t>
-                      </a:r>
                       <a:endParaRPr lang="en-US" altLang="ko-KR" sz="1100" b="0" i="0" u="none" strike="noStrike" dirty="0">
                         <a:solidFill>
                           <a:srgbClr val="000000"/>
@@ -10594,7 +10646,7 @@
                           <a:latin typeface="+mn-ea"/>
                           <a:ea typeface="+mn-ea"/>
                         </a:rPr>
-                        <a:t>unique</a:t>
+                        <a:t>Default 0</a:t>
                       </a:r>
                     </a:p>
                     <a:p>
@@ -10628,7 +10680,7 @@
                           <a:latin typeface="+mn-ea"/>
                           <a:ea typeface="+mn-ea"/>
                         </a:rPr>
-                        <a:t>상품명</a:t>
+                        <a:t>상품판매량</a:t>
                       </a:r>
                     </a:p>
                   </a:txBody>
@@ -10650,21 +10702,16 @@
                     <a:p>
                       <a:pPr algn="ctr" fontAlgn="ctr"/>
                       <a:r>
-                        <a:rPr lang="en-US" altLang="ko-KR" sz="1100" u="none" strike="noStrike" dirty="0">
-                          <a:effectLst/>
-                          <a:latin typeface="+mn-ea"/>
-                          <a:ea typeface="+mn-ea"/>
-                        </a:rPr>
-                        <a:t>3</a:t>
-                      </a:r>
-                      <a:endParaRPr lang="en-US" altLang="ko-KR" sz="1100" b="0" i="0" u="none" strike="noStrike" dirty="0">
-                        <a:solidFill>
-                          <a:srgbClr val="000000"/>
-                        </a:solidFill>
-                        <a:effectLst/>
-                        <a:latin typeface="+mn-ea"/>
-                        <a:ea typeface="+mn-ea"/>
-                      </a:endParaRPr>
+                        <a:rPr lang="en-US" altLang="ko-KR" sz="1100" b="0" i="0" u="none" strike="noStrike" dirty="0">
+                          <a:solidFill>
+                            <a:srgbClr val="000000"/>
+                          </a:solidFill>
+                          <a:effectLst/>
+                          <a:latin typeface="+mn-ea"/>
+                          <a:ea typeface="+mn-ea"/>
+                        </a:rPr>
+                        <a:t>12</a:t>
+                      </a:r>
                     </a:p>
                   </a:txBody>
                   <a:tcPr marL="6155" marR="6155" marT="6155" marB="0" anchor="ctr">
@@ -10686,7 +10733,7 @@
                           <a:latin typeface="+mn-ea"/>
                           <a:ea typeface="+mn-ea"/>
                         </a:rPr>
-                        <a:t>ItemPrice</a:t>
+                        <a:t>itemCategory</a:t>
                       </a:r>
                       <a:endParaRPr lang="en-US" sz="1100" b="0" i="0" u="none" strike="noStrike" dirty="0">
                         <a:solidFill>
@@ -10709,21 +10756,16 @@
                     <a:p>
                       <a:pPr algn="ctr" fontAlgn="ctr"/>
                       <a:r>
-                        <a:rPr lang="en-US" sz="1100" u="none" strike="noStrike" dirty="0">
-                          <a:effectLst/>
-                          <a:latin typeface="+mn-ea"/>
-                          <a:ea typeface="+mn-ea"/>
-                        </a:rPr>
-                        <a:t>int</a:t>
-                      </a:r>
-                      <a:endParaRPr lang="en-US" sz="1100" b="0" i="0" u="none" strike="noStrike" dirty="0">
-                        <a:solidFill>
-                          <a:srgbClr val="000000"/>
-                        </a:solidFill>
-                        <a:effectLst/>
-                        <a:latin typeface="+mn-ea"/>
-                        <a:ea typeface="+mn-ea"/>
-                      </a:endParaRPr>
+                        <a:rPr lang="en-US" sz="1100" b="0" i="0" u="none" strike="noStrike" dirty="0">
+                          <a:solidFill>
+                            <a:srgbClr val="000000"/>
+                          </a:solidFill>
+                          <a:effectLst/>
+                          <a:latin typeface="+mn-ea"/>
+                          <a:ea typeface="+mn-ea"/>
+                        </a:rPr>
+                        <a:t>Int </a:t>
+                      </a:r>
                     </a:p>
                   </a:txBody>
                   <a:tcPr marL="6155" marR="6155" marT="6155" marB="0" anchor="ctr">
@@ -10778,14 +10820,6 @@
                     <a:lstStyle/>
                     <a:p>
                       <a:pPr algn="ctr" fontAlgn="ctr"/>
-                      <a:r>
-                        <a:rPr lang="en-US" altLang="ko-KR" sz="1100" u="none" strike="noStrike" dirty="0">
-                          <a:effectLst/>
-                          <a:latin typeface="+mn-ea"/>
-                          <a:ea typeface="+mn-ea"/>
-                        </a:rPr>
-                        <a:t>-</a:t>
-                      </a:r>
                       <a:endParaRPr lang="en-US" altLang="ko-KR" sz="1100" b="0" i="0" u="none" strike="noStrike" dirty="0">
                         <a:solidFill>
                           <a:srgbClr val="000000"/>
@@ -10806,14 +10840,6 @@
                     <a:lstStyle/>
                     <a:p>
                       <a:pPr algn="ctr" fontAlgn="ctr"/>
-                      <a:r>
-                        <a:rPr lang="en-US" altLang="ko-KR" sz="1100" u="none" strike="noStrike" dirty="0">
-                          <a:effectLst/>
-                          <a:latin typeface="+mn-ea"/>
-                          <a:ea typeface="+mn-ea"/>
-                        </a:rPr>
-                        <a:t>-</a:t>
-                      </a:r>
                       <a:endParaRPr lang="en-US" altLang="ko-KR" sz="1100" b="0" i="0" u="none" strike="noStrike" dirty="0">
                         <a:solidFill>
                           <a:srgbClr val="000000"/>
@@ -10863,7 +10889,7 @@
                           <a:latin typeface="+mn-ea"/>
                           <a:ea typeface="+mn-ea"/>
                         </a:rPr>
-                        <a:t>상품가격</a:t>
+                        <a:t>상품 카테고리</a:t>
                       </a:r>
                     </a:p>
                   </a:txBody>
@@ -10885,21 +10911,16 @@
                     <a:p>
                       <a:pPr algn="ctr" fontAlgn="ctr"/>
                       <a:r>
-                        <a:rPr lang="en-US" altLang="ko-KR" sz="1100" u="none" strike="noStrike" dirty="0">
-                          <a:effectLst/>
-                          <a:latin typeface="+mn-ea"/>
-                          <a:ea typeface="+mn-ea"/>
-                        </a:rPr>
-                        <a:t>4</a:t>
-                      </a:r>
-                      <a:endParaRPr lang="en-US" altLang="ko-KR" sz="1100" b="0" i="0" u="none" strike="noStrike" dirty="0">
-                        <a:solidFill>
-                          <a:srgbClr val="000000"/>
-                        </a:solidFill>
-                        <a:effectLst/>
-                        <a:latin typeface="+mn-ea"/>
-                        <a:ea typeface="+mn-ea"/>
-                      </a:endParaRPr>
+                        <a:rPr lang="en-US" altLang="ko-KR" sz="1100" b="0" i="0" u="none" strike="noStrike" dirty="0">
+                          <a:solidFill>
+                            <a:srgbClr val="000000"/>
+                          </a:solidFill>
+                          <a:effectLst/>
+                          <a:latin typeface="+mn-ea"/>
+                          <a:ea typeface="+mn-ea"/>
+                        </a:rPr>
+                        <a:t>13</a:t>
+                      </a:r>
                     </a:p>
                   </a:txBody>
                   <a:tcPr marL="6155" marR="6155" marT="6155" marB="0" anchor="ctr">
@@ -10921,7 +10942,7 @@
                           <a:latin typeface="+mn-ea"/>
                           <a:ea typeface="+mn-ea"/>
                         </a:rPr>
-                        <a:t>ItemDiscount</a:t>
+                        <a:t>itemDelivery</a:t>
                       </a:r>
                       <a:endParaRPr lang="en-US" sz="1100" b="0" i="0" u="none" strike="noStrike" dirty="0">
                         <a:solidFill>
@@ -10944,21 +10965,16 @@
                     <a:p>
                       <a:pPr algn="ctr" fontAlgn="ctr"/>
                       <a:r>
-                        <a:rPr lang="en-US" sz="1100" u="none" strike="noStrike" dirty="0">
+                        <a:rPr lang="en-US" sz="1100" b="0" i="0" u="none" strike="noStrike" dirty="0">
+                          <a:solidFill>
+                            <a:srgbClr val="000000"/>
+                          </a:solidFill>
                           <a:effectLst/>
                           <a:latin typeface="+mn-ea"/>
                           <a:ea typeface="+mn-ea"/>
                         </a:rPr>
                         <a:t>int</a:t>
                       </a:r>
-                      <a:endParaRPr lang="en-US" sz="1100" b="0" i="0" u="none" strike="noStrike" dirty="0">
-                        <a:solidFill>
-                          <a:srgbClr val="000000"/>
-                        </a:solidFill>
-                        <a:effectLst/>
-                        <a:latin typeface="+mn-ea"/>
-                        <a:ea typeface="+mn-ea"/>
-                      </a:endParaRPr>
                     </a:p>
                   </a:txBody>
                   <a:tcPr marL="6155" marR="6155" marT="6155" marB="0" anchor="ctr">
@@ -11013,14 +11029,6 @@
                     <a:lstStyle/>
                     <a:p>
                       <a:pPr algn="ctr" fontAlgn="ctr"/>
-                      <a:r>
-                        <a:rPr lang="en-US" altLang="ko-KR" sz="1100" u="none" strike="noStrike" dirty="0">
-                          <a:effectLst/>
-                          <a:latin typeface="+mn-ea"/>
-                          <a:ea typeface="+mn-ea"/>
-                        </a:rPr>
-                        <a:t>-</a:t>
-                      </a:r>
                       <a:endParaRPr lang="en-US" altLang="ko-KR" sz="1100" b="0" i="0" u="none" strike="noStrike" dirty="0">
                         <a:solidFill>
                           <a:srgbClr val="000000"/>
@@ -11041,14 +11049,6 @@
                     <a:lstStyle/>
                     <a:p>
                       <a:pPr algn="ctr" fontAlgn="ctr"/>
-                      <a:r>
-                        <a:rPr lang="en-US" altLang="ko-KR" sz="1100" u="none" strike="noStrike" dirty="0">
-                          <a:effectLst/>
-                          <a:latin typeface="+mn-ea"/>
-                          <a:ea typeface="+mn-ea"/>
-                        </a:rPr>
-                        <a:t>-</a:t>
-                      </a:r>
                       <a:endParaRPr lang="en-US" altLang="ko-KR" sz="1100" b="0" i="0" u="none" strike="noStrike" dirty="0">
                         <a:solidFill>
                           <a:srgbClr val="000000"/>
@@ -11098,2635 +11098,8 @@
                           <a:latin typeface="+mn-ea"/>
                           <a:ea typeface="+mn-ea"/>
                         </a:rPr>
-                        <a:t>할인금액</a:t>
-                      </a:r>
-                    </a:p>
-                  </a:txBody>
-                  <a:tcPr marL="6155" marR="6155" marT="6155" marB="0" anchor="ctr">
-                    <a:noFill/>
-                  </a:tcPr>
-                </a:tc>
-                <a:extLst>
-                  <a:ext uri="{0D108BD9-81ED-4DB2-BD59-A6C34878D82A}">
-                    <a16:rowId xmlns:a16="http://schemas.microsoft.com/office/drawing/2014/main" val="719472382"/>
-                  </a:ext>
-                </a:extLst>
-              </a:tr>
-              <a:tr h="454952">
-                <a:tc>
-                  <a:txBody>
-                    <a:bodyPr/>
-                    <a:lstStyle/>
-                    <a:p>
-                      <a:pPr algn="ctr" fontAlgn="ctr"/>
-                      <a:r>
-                        <a:rPr lang="en-US" altLang="ko-KR" sz="1100" u="none" strike="noStrike" dirty="0">
-                          <a:effectLst/>
-                          <a:latin typeface="+mn-ea"/>
-                          <a:ea typeface="+mn-ea"/>
-                        </a:rPr>
-                        <a:t>5</a:t>
-                      </a:r>
-                      <a:endParaRPr lang="en-US" altLang="ko-KR" sz="1100" b="0" i="0" u="none" strike="noStrike" dirty="0">
-                        <a:solidFill>
-                          <a:srgbClr val="000000"/>
-                        </a:solidFill>
-                        <a:effectLst/>
-                        <a:latin typeface="+mn-ea"/>
-                        <a:ea typeface="+mn-ea"/>
-                      </a:endParaRPr>
-                    </a:p>
-                  </a:txBody>
-                  <a:tcPr marL="6155" marR="6155" marT="6155" marB="0" anchor="ctr">
-                    <a:noFill/>
-                  </a:tcPr>
-                </a:tc>
-                <a:tc>
-                  <a:txBody>
-                    <a:bodyPr/>
-                    <a:lstStyle/>
-                    <a:p>
-                      <a:pPr algn="ctr" fontAlgn="ctr"/>
-                      <a:r>
-                        <a:rPr lang="en-US" sz="1100" b="0" i="0" u="none" strike="noStrike" dirty="0" err="1">
-                          <a:solidFill>
-                            <a:srgbClr val="000000"/>
-                          </a:solidFill>
-                          <a:effectLst/>
-                          <a:latin typeface="+mn-ea"/>
-                          <a:ea typeface="+mn-ea"/>
-                        </a:rPr>
-                        <a:t>itemStock</a:t>
-                      </a:r>
-                      <a:endParaRPr lang="en-US" sz="1100" b="0" i="0" u="none" strike="noStrike" dirty="0">
-                        <a:solidFill>
-                          <a:srgbClr val="000000"/>
-                        </a:solidFill>
-                        <a:effectLst/>
-                        <a:latin typeface="+mn-ea"/>
-                        <a:ea typeface="+mn-ea"/>
-                      </a:endParaRPr>
-                    </a:p>
-                  </a:txBody>
-                  <a:tcPr marL="6155" marR="6155" marT="6155" marB="0" anchor="ctr">
-                    <a:noFill/>
-                  </a:tcPr>
-                </a:tc>
-                <a:tc>
-                  <a:txBody>
-                    <a:bodyPr/>
-                    <a:lstStyle/>
-                    <a:p>
-                      <a:pPr algn="ctr" fontAlgn="ctr"/>
-                      <a:r>
-                        <a:rPr lang="en-US" sz="1100" b="0" i="0" u="none" strike="noStrike" dirty="0">
-                          <a:solidFill>
-                            <a:srgbClr val="000000"/>
-                          </a:solidFill>
-                          <a:effectLst/>
-                          <a:latin typeface="+mn-ea"/>
-                          <a:ea typeface="+mn-ea"/>
-                        </a:rPr>
-                        <a:t>Int</a:t>
-                      </a:r>
-                    </a:p>
-                  </a:txBody>
-                  <a:tcPr marL="6155" marR="6155" marT="6155" marB="0" anchor="ctr">
-                    <a:noFill/>
-                  </a:tcPr>
-                </a:tc>
-                <a:tc>
-                  <a:txBody>
-                    <a:bodyPr/>
-                    <a:lstStyle/>
-                    <a:p>
-                      <a:pPr marL="0" marR="0" lvl="0" indent="0" algn="ctr" defTabSz="914400" rtl="0" eaLnBrk="1" fontAlgn="ctr" latinLnBrk="1" hangingPunct="1">
-                        <a:lnSpc>
-                          <a:spcPct val="100000"/>
-                        </a:lnSpc>
-                        <a:spcBef>
-                          <a:spcPts val="0"/>
-                        </a:spcBef>
-                        <a:spcAft>
-                          <a:spcPts val="0"/>
-                        </a:spcAft>
-                        <a:buClrTx/>
-                        <a:buSzTx/>
-                        <a:buFontTx/>
-                        <a:buNone/>
-                        <a:tabLst/>
-                        <a:defRPr/>
-                      </a:pPr>
-                      <a:endParaRPr kumimoji="0" lang="en-US" altLang="ko-KR" sz="1100" b="0" i="0" u="none" strike="noStrike" kern="1200" cap="none" spc="0" normalizeH="0" baseline="0" noProof="0" dirty="0">
-                        <a:ln>
-                          <a:noFill/>
-                        </a:ln>
-                        <a:solidFill>
-                          <a:srgbClr val="000000"/>
-                        </a:solidFill>
-                        <a:effectLst/>
-                        <a:uLnTx/>
-                        <a:uFillTx/>
-                        <a:latin typeface="맑은 고딕" panose="020B0503020000020004" pitchFamily="50" charset="-127"/>
-                        <a:ea typeface="맑은 고딕" panose="020B0503020000020004" pitchFamily="50" charset="-127"/>
-                        <a:cs typeface="+mn-cs"/>
-                      </a:endParaRPr>
-                    </a:p>
-                  </a:txBody>
-                  <a:tcPr marL="6155" marR="6155" marT="6155" marB="0" anchor="ctr">
-                    <a:noFill/>
-                  </a:tcPr>
-                </a:tc>
-                <a:tc>
-                  <a:txBody>
-                    <a:bodyPr/>
-                    <a:lstStyle/>
-                    <a:p>
-                      <a:pPr algn="ctr" fontAlgn="ctr"/>
-                      <a:endParaRPr lang="en-US" altLang="ko-KR" sz="1100" b="0" i="0" u="none" strike="noStrike" dirty="0">
-                        <a:solidFill>
-                          <a:srgbClr val="000000"/>
-                        </a:solidFill>
-                        <a:effectLst/>
-                        <a:latin typeface="+mn-ea"/>
-                        <a:ea typeface="+mn-ea"/>
-                      </a:endParaRPr>
-                    </a:p>
-                  </a:txBody>
-                  <a:tcPr marL="6155" marR="6155" marT="6155" marB="0" anchor="ctr">
-                    <a:noFill/>
-                  </a:tcPr>
-                </a:tc>
-                <a:tc>
-                  <a:txBody>
-                    <a:bodyPr/>
-                    <a:lstStyle/>
-                    <a:p>
-                      <a:pPr algn="ctr" fontAlgn="ctr"/>
-                      <a:endParaRPr lang="en-US" altLang="ko-KR" sz="1100" b="0" i="0" u="none" strike="noStrike" dirty="0">
-                        <a:solidFill>
-                          <a:srgbClr val="000000"/>
-                        </a:solidFill>
-                        <a:effectLst/>
-                        <a:latin typeface="+mn-ea"/>
-                        <a:ea typeface="+mn-ea"/>
-                      </a:endParaRPr>
-                    </a:p>
-                  </a:txBody>
-                  <a:tcPr marL="6155" marR="6155" marT="6155" marB="0" anchor="ctr">
-                    <a:noFill/>
-                  </a:tcPr>
-                </a:tc>
-                <a:tc>
-                  <a:txBody>
-                    <a:bodyPr/>
-                    <a:lstStyle/>
-                    <a:p>
-                      <a:pPr algn="ctr" fontAlgn="ctr"/>
-                      <a:endParaRPr lang="en-US" altLang="ko-KR" sz="1100" b="0" i="0" u="none" strike="noStrike" dirty="0">
-                        <a:solidFill>
-                          <a:srgbClr val="000000"/>
-                        </a:solidFill>
-                        <a:effectLst/>
-                        <a:latin typeface="+mn-ea"/>
-                        <a:ea typeface="+mn-ea"/>
-                      </a:endParaRPr>
-                    </a:p>
-                  </a:txBody>
-                  <a:tcPr marL="6155" marR="6155" marT="6155" marB="0" anchor="ctr">
-                    <a:noFill/>
-                  </a:tcPr>
-                </a:tc>
-                <a:tc>
-                  <a:txBody>
-                    <a:bodyPr/>
-                    <a:lstStyle/>
-                    <a:p>
-                      <a:pPr algn="ctr" fontAlgn="ctr"/>
-                      <a:r>
-                        <a:rPr lang="ko-KR" altLang="en-US" sz="1100" b="0" i="0" u="none" strike="noStrike" dirty="0">
-                          <a:solidFill>
-                            <a:srgbClr val="000000"/>
-                          </a:solidFill>
-                          <a:effectLst/>
-                          <a:latin typeface="+mn-ea"/>
-                          <a:ea typeface="+mn-ea"/>
-                        </a:rPr>
-                        <a:t>재고</a:t>
-                      </a:r>
-                    </a:p>
-                  </a:txBody>
-                  <a:tcPr marL="6155" marR="6155" marT="6155" marB="0" anchor="ctr">
-                    <a:noFill/>
-                  </a:tcPr>
-                </a:tc>
-                <a:extLst>
-                  <a:ext uri="{0D108BD9-81ED-4DB2-BD59-A6C34878D82A}">
-                    <a16:rowId xmlns:a16="http://schemas.microsoft.com/office/drawing/2014/main" val="3866851685"/>
-                  </a:ext>
-                </a:extLst>
-              </a:tr>
-              <a:tr h="454952">
-                <a:tc>
-                  <a:txBody>
-                    <a:bodyPr/>
-                    <a:lstStyle/>
-                    <a:p>
-                      <a:pPr algn="ctr" fontAlgn="ctr"/>
-                      <a:r>
-                        <a:rPr lang="en-US" altLang="ko-KR" sz="1100" u="none" strike="noStrike" dirty="0">
-                          <a:effectLst/>
-                          <a:latin typeface="+mn-ea"/>
-                          <a:ea typeface="+mn-ea"/>
-                        </a:rPr>
-                        <a:t>6</a:t>
-                      </a:r>
-                      <a:endParaRPr lang="en-US" altLang="ko-KR" sz="1100" b="0" i="0" u="none" strike="noStrike" dirty="0">
-                        <a:solidFill>
-                          <a:srgbClr val="000000"/>
-                        </a:solidFill>
-                        <a:effectLst/>
-                        <a:latin typeface="+mn-ea"/>
-                        <a:ea typeface="+mn-ea"/>
-                      </a:endParaRPr>
-                    </a:p>
-                  </a:txBody>
-                  <a:tcPr marL="6155" marR="6155" marT="6155" marB="0" anchor="ctr">
-                    <a:noFill/>
-                  </a:tcPr>
-                </a:tc>
-                <a:tc>
-                  <a:txBody>
-                    <a:bodyPr/>
-                    <a:lstStyle/>
-                    <a:p>
-                      <a:pPr algn="ctr" fontAlgn="ctr"/>
-                      <a:r>
-                        <a:rPr lang="en-US" sz="1100" b="0" i="0" u="none" strike="noStrike" dirty="0">
-                          <a:solidFill>
-                            <a:srgbClr val="000000"/>
-                          </a:solidFill>
-                          <a:effectLst/>
-                          <a:latin typeface="+mn-ea"/>
-                          <a:ea typeface="+mn-ea"/>
-                        </a:rPr>
-                        <a:t>itemImage1</a:t>
-                      </a:r>
-                    </a:p>
-                  </a:txBody>
-                  <a:tcPr marL="6155" marR="6155" marT="6155" marB="0" anchor="ctr">
-                    <a:noFill/>
-                  </a:tcPr>
-                </a:tc>
-                <a:tc>
-                  <a:txBody>
-                    <a:bodyPr/>
-                    <a:lstStyle/>
-                    <a:p>
-                      <a:pPr algn="ctr" fontAlgn="ctr"/>
-                      <a:r>
-                        <a:rPr lang="en-US" altLang="ko-KR" sz="1100" b="0" i="0" u="none" strike="noStrike" dirty="0" err="1">
-                          <a:solidFill>
-                            <a:srgbClr val="000000"/>
-                          </a:solidFill>
-                          <a:effectLst/>
-                          <a:latin typeface="+mn-ea"/>
-                          <a:ea typeface="+mn-ea"/>
-                        </a:rPr>
-                        <a:t>multipartFile</a:t>
-                      </a:r>
-                      <a:endParaRPr lang="en-US" altLang="ko-KR" sz="1100" b="0" i="0" u="none" strike="noStrike" dirty="0">
-                        <a:solidFill>
-                          <a:srgbClr val="000000"/>
-                        </a:solidFill>
-                        <a:effectLst/>
-                        <a:latin typeface="+mn-ea"/>
-                        <a:ea typeface="+mn-ea"/>
-                      </a:endParaRPr>
-                    </a:p>
-                  </a:txBody>
-                  <a:tcPr marL="6155" marR="6155" marT="6155" marB="0" anchor="ctr">
-                    <a:noFill/>
-                  </a:tcPr>
-                </a:tc>
-                <a:tc>
-                  <a:txBody>
-                    <a:bodyPr/>
-                    <a:lstStyle/>
-                    <a:p>
-                      <a:pPr marL="0" marR="0" lvl="0" indent="0" algn="ctr" defTabSz="914400" rtl="0" eaLnBrk="1" fontAlgn="ctr" latinLnBrk="1" hangingPunct="1">
-                        <a:lnSpc>
-                          <a:spcPct val="100000"/>
-                        </a:lnSpc>
-                        <a:spcBef>
-                          <a:spcPts val="0"/>
-                        </a:spcBef>
-                        <a:spcAft>
-                          <a:spcPts val="0"/>
-                        </a:spcAft>
-                        <a:buClrTx/>
-                        <a:buSzTx/>
-                        <a:buFontTx/>
-                        <a:buNone/>
-                        <a:tabLst/>
-                        <a:defRPr/>
-                      </a:pPr>
-                      <a:endParaRPr kumimoji="0" lang="en-US" altLang="ko-KR" sz="1100" b="0" i="0" u="none" strike="noStrike" kern="1200" cap="none" spc="0" normalizeH="0" baseline="0" noProof="0" dirty="0">
-                        <a:ln>
-                          <a:noFill/>
-                        </a:ln>
-                        <a:solidFill>
-                          <a:srgbClr val="000000"/>
-                        </a:solidFill>
-                        <a:effectLst/>
-                        <a:uLnTx/>
-                        <a:uFillTx/>
-                        <a:latin typeface="맑은 고딕" panose="020B0503020000020004" pitchFamily="50" charset="-127"/>
-                        <a:ea typeface="맑은 고딕" panose="020B0503020000020004" pitchFamily="50" charset="-127"/>
-                        <a:cs typeface="+mn-cs"/>
-                      </a:endParaRPr>
-                    </a:p>
-                  </a:txBody>
-                  <a:tcPr marL="6155" marR="6155" marT="6155" marB="0" anchor="ctr">
-                    <a:noFill/>
-                  </a:tcPr>
-                </a:tc>
-                <a:tc>
-                  <a:txBody>
-                    <a:bodyPr/>
-                    <a:lstStyle/>
-                    <a:p>
-                      <a:pPr algn="ctr" fontAlgn="ctr"/>
-                      <a:endParaRPr lang="en-US" altLang="ko-KR" sz="1100" b="0" i="0" u="none" strike="noStrike" dirty="0">
-                        <a:solidFill>
-                          <a:srgbClr val="000000"/>
-                        </a:solidFill>
-                        <a:effectLst/>
-                        <a:latin typeface="+mn-ea"/>
-                        <a:ea typeface="+mn-ea"/>
-                      </a:endParaRPr>
-                    </a:p>
-                  </a:txBody>
-                  <a:tcPr marL="6155" marR="6155" marT="6155" marB="0" anchor="ctr">
-                    <a:noFill/>
-                  </a:tcPr>
-                </a:tc>
-                <a:tc>
-                  <a:txBody>
-                    <a:bodyPr/>
-                    <a:lstStyle/>
-                    <a:p>
-                      <a:pPr algn="ctr" fontAlgn="ctr"/>
-                      <a:endParaRPr lang="en-US" altLang="ko-KR" sz="1100" b="0" i="0" u="none" strike="noStrike" dirty="0">
-                        <a:solidFill>
-                          <a:srgbClr val="000000"/>
-                        </a:solidFill>
-                        <a:effectLst/>
-                        <a:latin typeface="+mn-ea"/>
-                        <a:ea typeface="+mn-ea"/>
-                      </a:endParaRPr>
-                    </a:p>
-                  </a:txBody>
-                  <a:tcPr marL="6155" marR="6155" marT="6155" marB="0" anchor="ctr">
-                    <a:noFill/>
-                  </a:tcPr>
-                </a:tc>
-                <a:tc>
-                  <a:txBody>
-                    <a:bodyPr/>
-                    <a:lstStyle/>
-                    <a:p>
-                      <a:pPr algn="ctr" fontAlgn="ctr"/>
-                      <a:endParaRPr lang="en-US" altLang="ko-KR" sz="1100" b="0" i="0" u="none" strike="noStrike" dirty="0">
-                        <a:solidFill>
-                          <a:srgbClr val="000000"/>
-                        </a:solidFill>
-                        <a:effectLst/>
-                        <a:latin typeface="+mn-ea"/>
-                        <a:ea typeface="+mn-ea"/>
-                      </a:endParaRPr>
-                    </a:p>
-                  </a:txBody>
-                  <a:tcPr marL="6155" marR="6155" marT="6155" marB="0" anchor="ctr">
-                    <a:noFill/>
-                  </a:tcPr>
-                </a:tc>
-                <a:tc>
-                  <a:txBody>
-                    <a:bodyPr/>
-                    <a:lstStyle/>
-                    <a:p>
-                      <a:pPr algn="ctr" fontAlgn="ctr"/>
-                      <a:r>
-                        <a:rPr lang="ko-KR" altLang="en-US" sz="1100" b="0" i="0" u="none" strike="noStrike" dirty="0">
-                          <a:solidFill>
-                            <a:srgbClr val="000000"/>
-                          </a:solidFill>
-                          <a:effectLst/>
-                          <a:latin typeface="+mn-ea"/>
-                          <a:ea typeface="+mn-ea"/>
-                        </a:rPr>
-                        <a:t>상품사진</a:t>
-                      </a:r>
-                      <a:r>
-                        <a:rPr lang="en-US" altLang="ko-KR" sz="1100" b="0" i="0" u="none" strike="noStrike" dirty="0">
-                          <a:solidFill>
-                            <a:srgbClr val="000000"/>
-                          </a:solidFill>
-                          <a:effectLst/>
-                          <a:latin typeface="+mn-ea"/>
-                          <a:ea typeface="+mn-ea"/>
-                        </a:rPr>
-                        <a:t>1</a:t>
-                      </a:r>
-                      <a:endParaRPr lang="ko-KR" altLang="en-US" sz="1100" b="0" i="0" u="none" strike="noStrike" dirty="0">
-                        <a:solidFill>
-                          <a:srgbClr val="000000"/>
-                        </a:solidFill>
-                        <a:effectLst/>
-                        <a:latin typeface="+mn-ea"/>
-                        <a:ea typeface="+mn-ea"/>
-                      </a:endParaRPr>
-                    </a:p>
-                  </a:txBody>
-                  <a:tcPr marL="6155" marR="6155" marT="6155" marB="0" anchor="ctr">
-                    <a:noFill/>
-                  </a:tcPr>
-                </a:tc>
-                <a:extLst>
-                  <a:ext uri="{0D108BD9-81ED-4DB2-BD59-A6C34878D82A}">
-                    <a16:rowId xmlns:a16="http://schemas.microsoft.com/office/drawing/2014/main" val="2887982105"/>
-                  </a:ext>
-                </a:extLst>
-              </a:tr>
-              <a:tr h="454952">
-                <a:tc>
-                  <a:txBody>
-                    <a:bodyPr/>
-                    <a:lstStyle/>
-                    <a:p>
-                      <a:pPr algn="ctr" fontAlgn="ctr"/>
-                      <a:r>
-                        <a:rPr lang="en-US" altLang="ko-KR" sz="1100" u="none" strike="noStrike" dirty="0">
-                          <a:effectLst/>
-                          <a:latin typeface="+mn-ea"/>
-                          <a:ea typeface="+mn-ea"/>
-                        </a:rPr>
-                        <a:t>8</a:t>
-                      </a:r>
-                      <a:endParaRPr lang="en-US" altLang="ko-KR" sz="1100" b="0" i="0" u="none" strike="noStrike" dirty="0">
-                        <a:solidFill>
-                          <a:srgbClr val="000000"/>
-                        </a:solidFill>
-                        <a:effectLst/>
-                        <a:latin typeface="+mn-ea"/>
-                        <a:ea typeface="+mn-ea"/>
-                      </a:endParaRPr>
-                    </a:p>
-                  </a:txBody>
-                  <a:tcPr marL="6155" marR="6155" marT="6155" marB="0" anchor="ctr">
-                    <a:noFill/>
-                  </a:tcPr>
-                </a:tc>
-                <a:tc>
-                  <a:txBody>
-                    <a:bodyPr/>
-                    <a:lstStyle/>
-                    <a:p>
-                      <a:pPr marL="0" marR="0" lvl="0" indent="0" algn="ctr" defTabSz="914400" rtl="0" eaLnBrk="1" fontAlgn="ctr" latinLnBrk="1" hangingPunct="1">
-                        <a:lnSpc>
-                          <a:spcPct val="100000"/>
-                        </a:lnSpc>
-                        <a:spcBef>
-                          <a:spcPts val="0"/>
-                        </a:spcBef>
-                        <a:spcAft>
-                          <a:spcPts val="0"/>
-                        </a:spcAft>
-                        <a:buClrTx/>
-                        <a:buSzTx/>
-                        <a:buFontTx/>
-                        <a:buNone/>
-                        <a:tabLst/>
-                        <a:defRPr/>
-                      </a:pPr>
-                      <a:r>
-                        <a:rPr lang="en-US" altLang="ko-KR" sz="1100" b="0" i="0" u="none" strike="noStrike" dirty="0">
-                          <a:solidFill>
-                            <a:srgbClr val="000000"/>
-                          </a:solidFill>
-                          <a:effectLst/>
-                          <a:latin typeface="+mn-ea"/>
-                          <a:ea typeface="+mn-ea"/>
-                        </a:rPr>
-                        <a:t>itemImage2</a:t>
-                      </a:r>
-                    </a:p>
-                  </a:txBody>
-                  <a:tcPr marL="6155" marR="6155" marT="6155" marB="0" anchor="ctr">
-                    <a:noFill/>
-                  </a:tcPr>
-                </a:tc>
-                <a:tc>
-                  <a:txBody>
-                    <a:bodyPr/>
-                    <a:lstStyle/>
-                    <a:p>
-                      <a:pPr algn="ctr" fontAlgn="ctr"/>
-                      <a:r>
-                        <a:rPr lang="en-US" sz="1100" b="0" i="0" u="none" strike="noStrike" dirty="0" err="1">
-                          <a:solidFill>
-                            <a:srgbClr val="000000"/>
-                          </a:solidFill>
-                          <a:effectLst/>
-                          <a:latin typeface="+mn-ea"/>
-                          <a:ea typeface="+mn-ea"/>
-                        </a:rPr>
-                        <a:t>multipartFile</a:t>
-                      </a:r>
-                      <a:endParaRPr lang="en-US" sz="1100" b="0" i="0" u="none" strike="noStrike" dirty="0">
-                        <a:solidFill>
-                          <a:srgbClr val="000000"/>
-                        </a:solidFill>
-                        <a:effectLst/>
-                        <a:latin typeface="+mn-ea"/>
-                        <a:ea typeface="+mn-ea"/>
-                      </a:endParaRPr>
-                    </a:p>
-                  </a:txBody>
-                  <a:tcPr marL="6155" marR="6155" marT="6155" marB="0" anchor="ctr">
-                    <a:noFill/>
-                  </a:tcPr>
-                </a:tc>
-                <a:tc>
-                  <a:txBody>
-                    <a:bodyPr/>
-                    <a:lstStyle/>
-                    <a:p>
-                      <a:pPr marL="0" marR="0" lvl="0" indent="0" algn="ctr" defTabSz="914400" rtl="0" eaLnBrk="1" fontAlgn="ctr" latinLnBrk="1" hangingPunct="1">
-                        <a:lnSpc>
-                          <a:spcPct val="100000"/>
-                        </a:lnSpc>
-                        <a:spcBef>
-                          <a:spcPts val="0"/>
-                        </a:spcBef>
-                        <a:spcAft>
-                          <a:spcPts val="0"/>
-                        </a:spcAft>
-                        <a:buClrTx/>
-                        <a:buSzTx/>
-                        <a:buFontTx/>
-                        <a:buNone/>
-                        <a:tabLst/>
-                        <a:defRPr/>
-                      </a:pPr>
-                      <a:endParaRPr kumimoji="0" lang="en-US" altLang="ko-KR" sz="1100" b="0" i="0" u="none" strike="noStrike" kern="1200" cap="none" spc="0" normalizeH="0" baseline="0" noProof="0" dirty="0">
-                        <a:ln>
-                          <a:noFill/>
-                        </a:ln>
-                        <a:solidFill>
-                          <a:srgbClr val="000000"/>
-                        </a:solidFill>
-                        <a:effectLst/>
-                        <a:uLnTx/>
-                        <a:uFillTx/>
-                        <a:latin typeface="맑은 고딕" panose="020B0503020000020004" pitchFamily="50" charset="-127"/>
-                        <a:ea typeface="맑은 고딕" panose="020B0503020000020004" pitchFamily="50" charset="-127"/>
-                        <a:cs typeface="+mn-cs"/>
-                      </a:endParaRPr>
-                    </a:p>
-                  </a:txBody>
-                  <a:tcPr marL="6155" marR="6155" marT="6155" marB="0" anchor="ctr">
-                    <a:noFill/>
-                  </a:tcPr>
-                </a:tc>
-                <a:tc>
-                  <a:txBody>
-                    <a:bodyPr/>
-                    <a:lstStyle/>
-                    <a:p>
-                      <a:pPr algn="ctr" fontAlgn="ctr"/>
-                      <a:endParaRPr lang="en-US" altLang="ko-KR" sz="1100" b="0" i="0" u="none" strike="noStrike" dirty="0">
-                        <a:solidFill>
-                          <a:srgbClr val="000000"/>
-                        </a:solidFill>
-                        <a:effectLst/>
-                        <a:latin typeface="+mn-ea"/>
-                        <a:ea typeface="+mn-ea"/>
-                      </a:endParaRPr>
-                    </a:p>
-                  </a:txBody>
-                  <a:tcPr marL="6155" marR="6155" marT="6155" marB="0" anchor="ctr">
-                    <a:noFill/>
-                  </a:tcPr>
-                </a:tc>
-                <a:tc>
-                  <a:txBody>
-                    <a:bodyPr/>
-                    <a:lstStyle/>
-                    <a:p>
-                      <a:pPr algn="ctr" fontAlgn="ctr"/>
-                      <a:endParaRPr lang="en-US" altLang="ko-KR" sz="1100" b="0" i="0" u="none" strike="noStrike">
-                        <a:solidFill>
-                          <a:srgbClr val="000000"/>
-                        </a:solidFill>
-                        <a:effectLst/>
-                        <a:latin typeface="+mn-ea"/>
-                        <a:ea typeface="+mn-ea"/>
-                      </a:endParaRPr>
-                    </a:p>
-                  </a:txBody>
-                  <a:tcPr marL="6155" marR="6155" marT="6155" marB="0" anchor="ctr">
-                    <a:noFill/>
-                  </a:tcPr>
-                </a:tc>
-                <a:tc>
-                  <a:txBody>
-                    <a:bodyPr/>
-                    <a:lstStyle/>
-                    <a:p>
-                      <a:pPr algn="ctr" fontAlgn="ctr"/>
-                      <a:endParaRPr lang="en-US" altLang="ko-KR" sz="1100" b="0" i="0" u="none" strike="noStrike">
-                        <a:solidFill>
-                          <a:srgbClr val="000000"/>
-                        </a:solidFill>
-                        <a:effectLst/>
-                        <a:latin typeface="+mn-ea"/>
-                        <a:ea typeface="+mn-ea"/>
-                      </a:endParaRPr>
-                    </a:p>
-                  </a:txBody>
-                  <a:tcPr marL="6155" marR="6155" marT="6155" marB="0" anchor="ctr">
-                    <a:noFill/>
-                  </a:tcPr>
-                </a:tc>
-                <a:tc>
-                  <a:txBody>
-                    <a:bodyPr/>
-                    <a:lstStyle/>
-                    <a:p>
-                      <a:pPr marL="0" marR="0" lvl="0" indent="0" algn="ctr" defTabSz="914400" rtl="0" eaLnBrk="1" fontAlgn="ctr" latinLnBrk="1" hangingPunct="1">
-                        <a:lnSpc>
-                          <a:spcPct val="100000"/>
-                        </a:lnSpc>
-                        <a:spcBef>
-                          <a:spcPts val="0"/>
-                        </a:spcBef>
-                        <a:spcAft>
-                          <a:spcPts val="0"/>
-                        </a:spcAft>
-                        <a:buClrTx/>
-                        <a:buSzTx/>
-                        <a:buFontTx/>
-                        <a:buNone/>
-                        <a:tabLst/>
-                        <a:defRPr/>
-                      </a:pPr>
-                      <a:r>
-                        <a:rPr lang="ko-KR" altLang="en-US" sz="1100" b="0" i="0" u="none" strike="noStrike" dirty="0">
-                          <a:solidFill>
-                            <a:srgbClr val="000000"/>
-                          </a:solidFill>
-                          <a:effectLst/>
-                          <a:latin typeface="+mn-ea"/>
-                          <a:ea typeface="+mn-ea"/>
-                        </a:rPr>
-                        <a:t>상품사진</a:t>
-                      </a:r>
-                      <a:r>
-                        <a:rPr lang="en-US" altLang="ko-KR" sz="1100" b="0" i="0" u="none" strike="noStrike" dirty="0">
-                          <a:solidFill>
-                            <a:srgbClr val="000000"/>
-                          </a:solidFill>
-                          <a:effectLst/>
-                          <a:latin typeface="+mn-ea"/>
-                          <a:ea typeface="+mn-ea"/>
-                        </a:rPr>
-                        <a:t>2</a:t>
-                      </a:r>
-                      <a:endParaRPr lang="ko-KR" altLang="en-US" sz="1100" b="0" i="0" u="none" strike="noStrike" dirty="0">
-                        <a:solidFill>
-                          <a:srgbClr val="000000"/>
-                        </a:solidFill>
-                        <a:effectLst/>
-                        <a:latin typeface="+mn-ea"/>
-                        <a:ea typeface="+mn-ea"/>
-                      </a:endParaRPr>
-                    </a:p>
-                  </a:txBody>
-                  <a:tcPr marL="6155" marR="6155" marT="6155" marB="0" anchor="ctr">
-                    <a:noFill/>
-                  </a:tcPr>
-                </a:tc>
-                <a:extLst>
-                  <a:ext uri="{0D108BD9-81ED-4DB2-BD59-A6C34878D82A}">
-                    <a16:rowId xmlns:a16="http://schemas.microsoft.com/office/drawing/2014/main" val="2697445741"/>
-                  </a:ext>
-                </a:extLst>
-              </a:tr>
-              <a:tr h="454952">
-                <a:tc>
-                  <a:txBody>
-                    <a:bodyPr/>
-                    <a:lstStyle/>
-                    <a:p>
-                      <a:pPr algn="ctr" fontAlgn="ctr"/>
-                      <a:r>
-                        <a:rPr lang="en-US" altLang="ko-KR" sz="1100" u="none" strike="noStrike">
-                          <a:effectLst/>
-                          <a:latin typeface="+mn-ea"/>
-                          <a:ea typeface="+mn-ea"/>
-                        </a:rPr>
-                        <a:t>9</a:t>
-                      </a:r>
-                      <a:endParaRPr lang="en-US" altLang="ko-KR" sz="1100" b="0" i="0" u="none" strike="noStrike">
-                        <a:solidFill>
-                          <a:srgbClr val="000000"/>
-                        </a:solidFill>
-                        <a:effectLst/>
-                        <a:latin typeface="+mn-ea"/>
-                        <a:ea typeface="+mn-ea"/>
-                      </a:endParaRPr>
-                    </a:p>
-                  </a:txBody>
-                  <a:tcPr marL="6155" marR="6155" marT="6155" marB="0" anchor="ctr">
-                    <a:noFill/>
-                  </a:tcPr>
-                </a:tc>
-                <a:tc>
-                  <a:txBody>
-                    <a:bodyPr/>
-                    <a:lstStyle/>
-                    <a:p>
-                      <a:pPr marL="0" marR="0" lvl="0" indent="0" algn="ctr" defTabSz="914400" rtl="0" eaLnBrk="1" fontAlgn="ctr" latinLnBrk="1" hangingPunct="1">
-                        <a:lnSpc>
-                          <a:spcPct val="100000"/>
-                        </a:lnSpc>
-                        <a:spcBef>
-                          <a:spcPts val="0"/>
-                        </a:spcBef>
-                        <a:spcAft>
-                          <a:spcPts val="0"/>
-                        </a:spcAft>
-                        <a:buClrTx/>
-                        <a:buSzTx/>
-                        <a:buFontTx/>
-                        <a:buNone/>
-                        <a:tabLst/>
-                        <a:defRPr/>
-                      </a:pPr>
-                      <a:r>
-                        <a:rPr lang="en-US" altLang="ko-KR" sz="1100" b="0" i="0" u="none" strike="noStrike" dirty="0">
-                          <a:solidFill>
-                            <a:srgbClr val="000000"/>
-                          </a:solidFill>
-                          <a:effectLst/>
-                          <a:latin typeface="+mn-ea"/>
-                          <a:ea typeface="+mn-ea"/>
-                        </a:rPr>
-                        <a:t>itemImage3</a:t>
-                      </a:r>
-                    </a:p>
-                  </a:txBody>
-                  <a:tcPr marL="6155" marR="6155" marT="6155" marB="0" anchor="ctr">
-                    <a:noFill/>
-                  </a:tcPr>
-                </a:tc>
-                <a:tc>
-                  <a:txBody>
-                    <a:bodyPr/>
-                    <a:lstStyle/>
-                    <a:p>
-                      <a:pPr marL="0" marR="0" lvl="0" indent="0" algn="ctr" defTabSz="914400" rtl="0" eaLnBrk="1" fontAlgn="ctr" latinLnBrk="1" hangingPunct="1">
-                        <a:lnSpc>
-                          <a:spcPct val="100000"/>
-                        </a:lnSpc>
-                        <a:spcBef>
-                          <a:spcPts val="0"/>
-                        </a:spcBef>
-                        <a:spcAft>
-                          <a:spcPts val="0"/>
-                        </a:spcAft>
-                        <a:buClrTx/>
-                        <a:buSzTx/>
-                        <a:buFontTx/>
-                        <a:buNone/>
-                        <a:tabLst/>
-                        <a:defRPr/>
-                      </a:pPr>
-                      <a:r>
-                        <a:rPr lang="en-US" altLang="ko-KR" sz="1100" b="0" i="0" u="none" strike="noStrike" dirty="0" err="1">
-                          <a:solidFill>
-                            <a:srgbClr val="000000"/>
-                          </a:solidFill>
-                          <a:effectLst/>
-                          <a:latin typeface="+mn-ea"/>
-                          <a:ea typeface="+mn-ea"/>
-                        </a:rPr>
-                        <a:t>multipartFile</a:t>
-                      </a:r>
-                      <a:endParaRPr lang="en-US" altLang="ko-KR" sz="1100" b="0" i="0" u="none" strike="noStrike" dirty="0">
-                        <a:solidFill>
-                          <a:srgbClr val="000000"/>
-                        </a:solidFill>
-                        <a:effectLst/>
-                        <a:latin typeface="+mn-ea"/>
-                        <a:ea typeface="+mn-ea"/>
-                      </a:endParaRPr>
-                    </a:p>
-                  </a:txBody>
-                  <a:tcPr marL="6155" marR="6155" marT="6155" marB="0" anchor="ctr">
-                    <a:noFill/>
-                  </a:tcPr>
-                </a:tc>
-                <a:tc>
-                  <a:txBody>
-                    <a:bodyPr/>
-                    <a:lstStyle/>
-                    <a:p>
-                      <a:pPr marL="0" marR="0" lvl="0" indent="0" algn="ctr" defTabSz="914400" rtl="0" eaLnBrk="1" fontAlgn="ctr" latinLnBrk="1" hangingPunct="1">
-                        <a:lnSpc>
-                          <a:spcPct val="100000"/>
-                        </a:lnSpc>
-                        <a:spcBef>
-                          <a:spcPts val="0"/>
-                        </a:spcBef>
-                        <a:spcAft>
-                          <a:spcPts val="0"/>
-                        </a:spcAft>
-                        <a:buClrTx/>
-                        <a:buSzTx/>
-                        <a:buFontTx/>
-                        <a:buNone/>
-                        <a:tabLst/>
-                        <a:defRPr/>
-                      </a:pPr>
-                      <a:endParaRPr kumimoji="0" lang="en-US" altLang="ko-KR" sz="1100" b="0" i="0" u="none" strike="noStrike" kern="1200" cap="none" spc="0" normalizeH="0" baseline="0" noProof="0" dirty="0">
-                        <a:ln>
-                          <a:noFill/>
-                        </a:ln>
-                        <a:solidFill>
-                          <a:srgbClr val="000000"/>
-                        </a:solidFill>
-                        <a:effectLst/>
-                        <a:uLnTx/>
-                        <a:uFillTx/>
-                        <a:latin typeface="맑은 고딕" panose="020B0503020000020004" pitchFamily="50" charset="-127"/>
-                        <a:ea typeface="맑은 고딕" panose="020B0503020000020004" pitchFamily="50" charset="-127"/>
-                        <a:cs typeface="+mn-cs"/>
-                      </a:endParaRPr>
-                    </a:p>
-                  </a:txBody>
-                  <a:tcPr marL="6155" marR="6155" marT="6155" marB="0" anchor="ctr">
-                    <a:noFill/>
-                  </a:tcPr>
-                </a:tc>
-                <a:tc>
-                  <a:txBody>
-                    <a:bodyPr/>
-                    <a:lstStyle/>
-                    <a:p>
-                      <a:pPr algn="ctr" fontAlgn="ctr"/>
-                      <a:endParaRPr lang="en-US" altLang="ko-KR" sz="1100" b="0" i="0" u="none" strike="noStrike">
-                        <a:solidFill>
-                          <a:srgbClr val="000000"/>
-                        </a:solidFill>
-                        <a:effectLst/>
-                        <a:latin typeface="+mn-ea"/>
-                        <a:ea typeface="+mn-ea"/>
-                      </a:endParaRPr>
-                    </a:p>
-                  </a:txBody>
-                  <a:tcPr marL="6155" marR="6155" marT="6155" marB="0" anchor="ctr">
-                    <a:noFill/>
-                  </a:tcPr>
-                </a:tc>
-                <a:tc>
-                  <a:txBody>
-                    <a:bodyPr/>
-                    <a:lstStyle/>
-                    <a:p>
-                      <a:pPr algn="ctr" fontAlgn="ctr"/>
-                      <a:endParaRPr lang="en-US" altLang="ko-KR" sz="1100" b="0" i="0" u="none" strike="noStrike">
-                        <a:solidFill>
-                          <a:srgbClr val="000000"/>
-                        </a:solidFill>
-                        <a:effectLst/>
-                        <a:latin typeface="+mn-ea"/>
-                        <a:ea typeface="+mn-ea"/>
-                      </a:endParaRPr>
-                    </a:p>
-                  </a:txBody>
-                  <a:tcPr marL="6155" marR="6155" marT="6155" marB="0" anchor="ctr">
-                    <a:noFill/>
-                  </a:tcPr>
-                </a:tc>
-                <a:tc>
-                  <a:txBody>
-                    <a:bodyPr/>
-                    <a:lstStyle/>
-                    <a:p>
-                      <a:pPr algn="ctr" fontAlgn="ctr"/>
-                      <a:endParaRPr lang="en-US" altLang="ko-KR" sz="1100" b="0" i="0" u="none" strike="noStrike">
-                        <a:solidFill>
-                          <a:srgbClr val="000000"/>
-                        </a:solidFill>
-                        <a:effectLst/>
-                        <a:latin typeface="+mn-ea"/>
-                        <a:ea typeface="+mn-ea"/>
-                      </a:endParaRPr>
-                    </a:p>
-                  </a:txBody>
-                  <a:tcPr marL="6155" marR="6155" marT="6155" marB="0" anchor="ctr">
-                    <a:noFill/>
-                  </a:tcPr>
-                </a:tc>
-                <a:tc>
-                  <a:txBody>
-                    <a:bodyPr/>
-                    <a:lstStyle/>
-                    <a:p>
-                      <a:pPr marL="0" marR="0" lvl="0" indent="0" algn="ctr" defTabSz="914400" rtl="0" eaLnBrk="1" fontAlgn="ctr" latinLnBrk="1" hangingPunct="1">
-                        <a:lnSpc>
-                          <a:spcPct val="100000"/>
-                        </a:lnSpc>
-                        <a:spcBef>
-                          <a:spcPts val="0"/>
-                        </a:spcBef>
-                        <a:spcAft>
-                          <a:spcPts val="0"/>
-                        </a:spcAft>
-                        <a:buClrTx/>
-                        <a:buSzTx/>
-                        <a:buFontTx/>
-                        <a:buNone/>
-                        <a:tabLst/>
-                        <a:defRPr/>
-                      </a:pPr>
-                      <a:r>
-                        <a:rPr lang="ko-KR" altLang="en-US" sz="1100" b="0" i="0" u="none" strike="noStrike" dirty="0">
-                          <a:solidFill>
-                            <a:srgbClr val="000000"/>
-                          </a:solidFill>
-                          <a:effectLst/>
-                          <a:latin typeface="+mn-ea"/>
-                          <a:ea typeface="+mn-ea"/>
-                        </a:rPr>
-                        <a:t>상품사진</a:t>
-                      </a:r>
-                      <a:r>
-                        <a:rPr lang="en-US" altLang="ko-KR" sz="1100" b="0" i="0" u="none" strike="noStrike" dirty="0">
-                          <a:solidFill>
-                            <a:srgbClr val="000000"/>
-                          </a:solidFill>
-                          <a:effectLst/>
-                          <a:latin typeface="+mn-ea"/>
-                          <a:ea typeface="+mn-ea"/>
-                        </a:rPr>
-                        <a:t>3</a:t>
-                      </a:r>
-                      <a:endParaRPr lang="ko-KR" altLang="en-US" sz="1100" b="0" i="0" u="none" strike="noStrike" dirty="0">
-                        <a:solidFill>
-                          <a:srgbClr val="000000"/>
-                        </a:solidFill>
-                        <a:effectLst/>
-                        <a:latin typeface="+mn-ea"/>
-                        <a:ea typeface="+mn-ea"/>
-                      </a:endParaRPr>
-                    </a:p>
-                  </a:txBody>
-                  <a:tcPr marL="6155" marR="6155" marT="6155" marB="0" anchor="ctr">
-                    <a:noFill/>
-                  </a:tcPr>
-                </a:tc>
-                <a:extLst>
-                  <a:ext uri="{0D108BD9-81ED-4DB2-BD59-A6C34878D82A}">
-                    <a16:rowId xmlns:a16="http://schemas.microsoft.com/office/drawing/2014/main" val="3961447850"/>
-                  </a:ext>
-                </a:extLst>
-              </a:tr>
-              <a:tr h="475631">
-                <a:tc>
-                  <a:txBody>
-                    <a:bodyPr/>
-                    <a:lstStyle/>
-                    <a:p>
-                      <a:pPr algn="ctr" fontAlgn="ctr"/>
-                      <a:r>
-                        <a:rPr lang="en-US" altLang="ko-KR" sz="1100" u="none" strike="noStrike">
-                          <a:effectLst/>
-                          <a:latin typeface="+mn-ea"/>
-                          <a:ea typeface="+mn-ea"/>
-                        </a:rPr>
-                        <a:t>10</a:t>
-                      </a:r>
-                      <a:endParaRPr lang="en-US" altLang="ko-KR" sz="1100" b="0" i="0" u="none" strike="noStrike">
-                        <a:solidFill>
-                          <a:srgbClr val="000000"/>
-                        </a:solidFill>
-                        <a:effectLst/>
-                        <a:latin typeface="+mn-ea"/>
-                        <a:ea typeface="+mn-ea"/>
-                      </a:endParaRPr>
-                    </a:p>
-                  </a:txBody>
-                  <a:tcPr marL="6155" marR="6155" marT="6155" marB="0" anchor="ctr">
-                    <a:noFill/>
-                  </a:tcPr>
-                </a:tc>
-                <a:tc>
-                  <a:txBody>
-                    <a:bodyPr/>
-                    <a:lstStyle/>
-                    <a:p>
-                      <a:pPr algn="ctr" fontAlgn="ctr"/>
-                      <a:r>
-                        <a:rPr lang="en-US" sz="1100" b="0" i="0" u="none" strike="noStrike" dirty="0" err="1">
-                          <a:solidFill>
-                            <a:srgbClr val="000000"/>
-                          </a:solidFill>
-                          <a:effectLst/>
-                          <a:latin typeface="+mn-ea"/>
-                          <a:ea typeface="+mn-ea"/>
-                        </a:rPr>
-                        <a:t>ItemExp</a:t>
-                      </a:r>
-                      <a:endParaRPr lang="en-US" sz="1100" b="0" i="0" u="none" strike="noStrike" dirty="0">
-                        <a:solidFill>
-                          <a:srgbClr val="000000"/>
-                        </a:solidFill>
-                        <a:effectLst/>
-                        <a:latin typeface="+mn-ea"/>
-                        <a:ea typeface="+mn-ea"/>
-                      </a:endParaRPr>
-                    </a:p>
-                  </a:txBody>
-                  <a:tcPr marL="6155" marR="6155" marT="6155" marB="0" anchor="ctr">
-                    <a:noFill/>
-                  </a:tcPr>
-                </a:tc>
-                <a:tc>
-                  <a:txBody>
-                    <a:bodyPr/>
-                    <a:lstStyle/>
-                    <a:p>
-                      <a:pPr marL="0" marR="0" lvl="0" indent="0" algn="ctr" defTabSz="914400" rtl="0" eaLnBrk="1" fontAlgn="ctr" latinLnBrk="1" hangingPunct="1">
-                        <a:lnSpc>
-                          <a:spcPct val="100000"/>
-                        </a:lnSpc>
-                        <a:spcBef>
-                          <a:spcPts val="0"/>
-                        </a:spcBef>
-                        <a:spcAft>
-                          <a:spcPts val="0"/>
-                        </a:spcAft>
-                        <a:buClrTx/>
-                        <a:buSzTx/>
-                        <a:buFontTx/>
-                        <a:buNone/>
-                        <a:tabLst/>
-                        <a:defRPr/>
-                      </a:pPr>
-                      <a:r>
-                        <a:rPr lang="en-US" altLang="ko-KR" sz="1100" u="none" strike="noStrike" dirty="0">
-                          <a:effectLst/>
-                          <a:latin typeface="+mn-ea"/>
-                          <a:ea typeface="+mn-ea"/>
-                        </a:rPr>
-                        <a:t>varchar(30)</a:t>
-                      </a:r>
-                      <a:endParaRPr lang="en-US" altLang="ko-KR" sz="1100" b="0" i="0" u="none" strike="noStrike" dirty="0">
-                        <a:solidFill>
-                          <a:srgbClr val="000000"/>
-                        </a:solidFill>
-                        <a:effectLst/>
-                        <a:latin typeface="+mn-ea"/>
-                        <a:ea typeface="+mn-ea"/>
-                      </a:endParaRPr>
-                    </a:p>
-                  </a:txBody>
-                  <a:tcPr marL="6155" marR="6155" marT="6155" marB="0" anchor="ctr">
-                    <a:noFill/>
-                  </a:tcPr>
-                </a:tc>
-                <a:tc>
-                  <a:txBody>
-                    <a:bodyPr/>
-                    <a:lstStyle/>
-                    <a:p>
-                      <a:pPr marL="0" marR="0" lvl="0" indent="0" algn="ctr" defTabSz="914400" rtl="0" eaLnBrk="1" fontAlgn="ctr" latinLnBrk="1" hangingPunct="1">
-                        <a:lnSpc>
-                          <a:spcPct val="100000"/>
-                        </a:lnSpc>
-                        <a:spcBef>
-                          <a:spcPts val="0"/>
-                        </a:spcBef>
-                        <a:spcAft>
-                          <a:spcPts val="0"/>
-                        </a:spcAft>
-                        <a:buClrTx/>
-                        <a:buSzTx/>
-                        <a:buFontTx/>
-                        <a:buNone/>
-                        <a:tabLst/>
-                        <a:defRPr/>
-                      </a:pPr>
-                      <a:endParaRPr kumimoji="0" lang="en-US" altLang="ko-KR" sz="1100" b="0" i="0" u="none" strike="noStrike" kern="1200" cap="none" spc="0" normalizeH="0" baseline="0" noProof="0" dirty="0">
-                        <a:ln>
-                          <a:noFill/>
-                        </a:ln>
-                        <a:solidFill>
-                          <a:srgbClr val="000000"/>
-                        </a:solidFill>
-                        <a:effectLst/>
-                        <a:uLnTx/>
-                        <a:uFillTx/>
-                        <a:latin typeface="맑은 고딕" panose="020B0503020000020004" pitchFamily="50" charset="-127"/>
-                        <a:ea typeface="맑은 고딕" panose="020B0503020000020004" pitchFamily="50" charset="-127"/>
-                        <a:cs typeface="+mn-cs"/>
-                      </a:endParaRPr>
-                    </a:p>
-                  </a:txBody>
-                  <a:tcPr marL="6155" marR="6155" marT="6155" marB="0" anchor="ctr">
-                    <a:noFill/>
-                  </a:tcPr>
-                </a:tc>
-                <a:tc>
-                  <a:txBody>
-                    <a:bodyPr/>
-                    <a:lstStyle/>
-                    <a:p>
-                      <a:pPr algn="ctr" fontAlgn="ctr"/>
-                      <a:endParaRPr lang="en-US" altLang="ko-KR" sz="1100" b="0" i="0" u="none" strike="noStrike" dirty="0">
-                        <a:solidFill>
-                          <a:srgbClr val="000000"/>
-                        </a:solidFill>
-                        <a:effectLst/>
-                        <a:latin typeface="+mn-ea"/>
-                        <a:ea typeface="+mn-ea"/>
-                      </a:endParaRPr>
-                    </a:p>
-                  </a:txBody>
-                  <a:tcPr marL="6155" marR="6155" marT="6155" marB="0" anchor="ctr">
-                    <a:noFill/>
-                  </a:tcPr>
-                </a:tc>
-                <a:tc>
-                  <a:txBody>
-                    <a:bodyPr/>
-                    <a:lstStyle/>
-                    <a:p>
-                      <a:pPr algn="ctr" fontAlgn="ctr"/>
-                      <a:endParaRPr lang="en-US" sz="1100" b="0" i="0" u="none" strike="noStrike" dirty="0">
-                        <a:solidFill>
-                          <a:srgbClr val="000000"/>
-                        </a:solidFill>
-                        <a:effectLst/>
-                        <a:latin typeface="+mn-ea"/>
-                        <a:ea typeface="+mn-ea"/>
-                      </a:endParaRPr>
-                    </a:p>
-                  </a:txBody>
-                  <a:tcPr marL="6155" marR="6155" marT="6155" marB="0" anchor="ctr">
-                    <a:noFill/>
-                  </a:tcPr>
-                </a:tc>
-                <a:tc>
-                  <a:txBody>
-                    <a:bodyPr/>
-                    <a:lstStyle/>
-                    <a:p>
-                      <a:pPr algn="ctr" fontAlgn="ctr"/>
-                      <a:endParaRPr lang="en-US" sz="1100" b="0" i="0" u="none" strike="noStrike" dirty="0">
-                        <a:solidFill>
-                          <a:srgbClr val="000000"/>
-                        </a:solidFill>
-                        <a:effectLst/>
-                        <a:latin typeface="+mn-ea"/>
-                        <a:ea typeface="+mn-ea"/>
-                      </a:endParaRPr>
-                    </a:p>
-                  </a:txBody>
-                  <a:tcPr marL="6155" marR="6155" marT="6155" marB="0" anchor="ctr">
-                    <a:noFill/>
-                  </a:tcPr>
-                </a:tc>
-                <a:tc>
-                  <a:txBody>
-                    <a:bodyPr/>
-                    <a:lstStyle/>
-                    <a:p>
-                      <a:pPr algn="ctr" fontAlgn="ctr"/>
-                      <a:r>
-                        <a:rPr lang="ko-KR" altLang="en-US" sz="1100" b="0" i="0" u="none" strike="noStrike" dirty="0">
-                          <a:solidFill>
-                            <a:srgbClr val="000000"/>
-                          </a:solidFill>
-                          <a:effectLst/>
-                          <a:latin typeface="+mn-ea"/>
-                          <a:ea typeface="+mn-ea"/>
-                        </a:rPr>
-                        <a:t>상품유통기한</a:t>
-                      </a:r>
-                      <a:endParaRPr lang="en-US" altLang="ko-KR" sz="1100" b="0" i="0" u="none" strike="noStrike" dirty="0">
-                        <a:solidFill>
-                          <a:srgbClr val="000000"/>
-                        </a:solidFill>
-                        <a:effectLst/>
-                        <a:latin typeface="+mn-ea"/>
-                        <a:ea typeface="+mn-ea"/>
-                      </a:endParaRPr>
-                    </a:p>
-                  </a:txBody>
-                  <a:tcPr marL="6155" marR="6155" marT="6155" marB="0" anchor="ctr">
-                    <a:noFill/>
-                  </a:tcPr>
-                </a:tc>
-                <a:extLst>
-                  <a:ext uri="{0D108BD9-81ED-4DB2-BD59-A6C34878D82A}">
-                    <a16:rowId xmlns:a16="http://schemas.microsoft.com/office/drawing/2014/main" val="2304215813"/>
-                  </a:ext>
-                </a:extLst>
-              </a:tr>
-            </a:tbl>
-          </a:graphicData>
-        </a:graphic>
-      </p:graphicFrame>
-      <p:sp>
-        <p:nvSpPr>
-          <p:cNvPr id="6" name="TextBox 5">
-            <a:extLst>
-              <a:ext uri="{FF2B5EF4-FFF2-40B4-BE49-F238E27FC236}">
-                <a16:creationId xmlns:a16="http://schemas.microsoft.com/office/drawing/2014/main" id="{BF02B416-1C72-4E50-9918-66414F39ED0F}"/>
-              </a:ext>
-            </a:extLst>
-          </p:cNvPr>
-          <p:cNvSpPr txBox="1"/>
-          <p:nvPr/>
-        </p:nvSpPr>
-        <p:spPr>
-          <a:xfrm>
-            <a:off x="7448204" y="6342611"/>
-            <a:ext cx="1413164" cy="307777"/>
-          </a:xfrm>
-          <a:prstGeom prst="rect">
-            <a:avLst/>
-          </a:prstGeom>
-          <a:noFill/>
-        </p:spPr>
-        <p:txBody>
-          <a:bodyPr wrap="square" rtlCol="0">
-            <a:spAutoFit/>
-          </a:bodyPr>
-          <a:lstStyle/>
-          <a:p>
-            <a:pPr algn="r"/>
-            <a:r>
-              <a:rPr lang="en-US" altLang="ko-KR" sz="1400" dirty="0"/>
-              <a:t>※ N.N</a:t>
-            </a:r>
-            <a:r>
-              <a:rPr lang="ko-KR" altLang="en-US" sz="1400" dirty="0"/>
-              <a:t> </a:t>
-            </a:r>
-            <a:r>
-              <a:rPr lang="en-US" altLang="ko-KR" sz="1400" dirty="0"/>
-              <a:t>:</a:t>
-            </a:r>
-            <a:r>
-              <a:rPr lang="ko-KR" altLang="en-US" sz="1400" dirty="0"/>
-              <a:t> </a:t>
-            </a:r>
-            <a:r>
-              <a:rPr lang="en-US" altLang="ko-KR" sz="1400" dirty="0"/>
-              <a:t>Not</a:t>
-            </a:r>
-            <a:r>
-              <a:rPr lang="ko-KR" altLang="en-US" sz="1400" dirty="0"/>
-              <a:t> </a:t>
-            </a:r>
-            <a:r>
-              <a:rPr lang="en-US" altLang="ko-KR" sz="1400" dirty="0"/>
-              <a:t>Null</a:t>
-            </a:r>
-            <a:endParaRPr lang="ko-KR" altLang="en-US" sz="1400" dirty="0"/>
-          </a:p>
-        </p:txBody>
-      </p:sp>
-    </p:spTree>
-    <p:extLst>
-      <p:ext uri="{BB962C8B-B14F-4D97-AF65-F5344CB8AC3E}">
-        <p14:creationId xmlns:p14="http://schemas.microsoft.com/office/powerpoint/2010/main" val="387572565"/>
-      </p:ext>
-    </p:extLst>
-  </p:cSld>
-  <p:clrMapOvr>
-    <a:masterClrMapping/>
-  </p:clrMapOvr>
-</p:sld>
-</file>
-
-<file path=ppt/slides/slide5.xml><?xml version="1.0" encoding="utf-8"?>
-<p:sld xmlns:a="http://schemas.openxmlformats.org/drawingml/2006/main" xmlns:r="http://schemas.openxmlformats.org/officeDocument/2006/relationships" xmlns:p="http://schemas.openxmlformats.org/presentationml/2006/main">
-  <p:cSld>
-    <p:spTree>
-      <p:nvGrpSpPr>
-        <p:cNvPr id="1" name=""/>
-        <p:cNvGrpSpPr/>
-        <p:nvPr/>
-      </p:nvGrpSpPr>
-      <p:grpSpPr>
-        <a:xfrm>
-          <a:off x="0" y="0"/>
-          <a:ext cx="0" cy="0"/>
-          <a:chOff x="0" y="0"/>
-          <a:chExt cx="0" cy="0"/>
-        </a:xfrm>
-      </p:grpSpPr>
-      <p:sp>
-        <p:nvSpPr>
-          <p:cNvPr id="2" name="TextBox 1">
-            <a:extLst>
-              <a:ext uri="{FF2B5EF4-FFF2-40B4-BE49-F238E27FC236}">
-                <a16:creationId xmlns:a16="http://schemas.microsoft.com/office/drawing/2014/main" id="{4B8FD4FF-7AD0-414E-A2D4-A03E29A9DC14}"/>
-              </a:ext>
-            </a:extLst>
-          </p:cNvPr>
-          <p:cNvSpPr txBox="1"/>
-          <p:nvPr/>
-        </p:nvSpPr>
-        <p:spPr>
-          <a:xfrm>
-            <a:off x="216131" y="515389"/>
-            <a:ext cx="8678487" cy="646331"/>
-          </a:xfrm>
-          <a:prstGeom prst="rect">
-            <a:avLst/>
-          </a:prstGeom>
-          <a:noFill/>
-        </p:spPr>
-        <p:txBody>
-          <a:bodyPr wrap="square" rtlCol="0">
-            <a:spAutoFit/>
-          </a:bodyPr>
-          <a:lstStyle/>
-          <a:p>
-            <a:pPr marL="285750" indent="-285750">
-              <a:buFont typeface="Arial" panose="020B0604020202020204" pitchFamily="34" charset="0"/>
-              <a:buChar char="•"/>
-            </a:pPr>
-            <a:r>
-              <a:rPr lang="ko-KR" altLang="en-US" dirty="0"/>
-              <a:t>테이블 명 </a:t>
-            </a:r>
-            <a:r>
-              <a:rPr lang="en-US" altLang="ko-KR" dirty="0"/>
-              <a:t>: </a:t>
-            </a:r>
-            <a:r>
-              <a:rPr lang="en-US" altLang="ko-KR" dirty="0" err="1"/>
-              <a:t>cheersItem_table</a:t>
-            </a:r>
-            <a:endParaRPr lang="en-US" altLang="ko-KR" dirty="0"/>
-          </a:p>
-          <a:p>
-            <a:pPr marL="285750" indent="-285750">
-              <a:buFont typeface="Arial" panose="020B0604020202020204" pitchFamily="34" charset="0"/>
-              <a:buChar char="•"/>
-            </a:pPr>
-            <a:r>
-              <a:rPr lang="ko-KR" altLang="en-US" dirty="0"/>
-              <a:t>테이블 목적 </a:t>
-            </a:r>
-            <a:r>
-              <a:rPr lang="en-US" altLang="ko-KR" dirty="0"/>
-              <a:t>: </a:t>
-            </a:r>
-            <a:r>
-              <a:rPr lang="ko-KR" altLang="en-US" dirty="0"/>
-              <a:t>상품 정보 관리</a:t>
-            </a:r>
-          </a:p>
-        </p:txBody>
-      </p:sp>
-      <p:graphicFrame>
-        <p:nvGraphicFramePr>
-          <p:cNvPr id="3" name="표 2">
-            <a:extLst>
-              <a:ext uri="{FF2B5EF4-FFF2-40B4-BE49-F238E27FC236}">
-                <a16:creationId xmlns:a16="http://schemas.microsoft.com/office/drawing/2014/main" id="{EC058BE5-B938-46F7-AFFE-AD03DEF2414E}"/>
-              </a:ext>
-            </a:extLst>
-          </p:cNvPr>
-          <p:cNvGraphicFramePr>
-            <a:graphicFrameLocks noGrp="1"/>
-          </p:cNvGraphicFramePr>
-          <p:nvPr>
-            <p:extLst>
-              <p:ext uri="{D42A27DB-BD31-4B8C-83A1-F6EECF244321}">
-                <p14:modId xmlns:p14="http://schemas.microsoft.com/office/powerpoint/2010/main" val="1748107318"/>
-              </p:ext>
-            </p:extLst>
-          </p:nvPr>
-        </p:nvGraphicFramePr>
-        <p:xfrm>
-          <a:off x="274165" y="1296785"/>
-          <a:ext cx="8578737" cy="4590878"/>
-        </p:xfrm>
-        <a:graphic>
-          <a:graphicData uri="http://schemas.openxmlformats.org/drawingml/2006/table">
-            <a:tbl>
-              <a:tblPr>
-                <a:tableStyleId>{616DA210-FB5B-4158-B5E0-FEB733F419BA}</a:tableStyleId>
-              </a:tblPr>
-              <a:tblGrid>
-                <a:gridCol w="333645">
-                  <a:extLst>
-                    <a:ext uri="{9D8B030D-6E8A-4147-A177-3AD203B41FA5}">
-                      <a16:colId xmlns:a16="http://schemas.microsoft.com/office/drawing/2014/main" val="1003195452"/>
-                    </a:ext>
-                  </a:extLst>
-                </a:gridCol>
-                <a:gridCol w="1163683">
-                  <a:extLst>
-                    <a:ext uri="{9D8B030D-6E8A-4147-A177-3AD203B41FA5}">
-                      <a16:colId xmlns:a16="http://schemas.microsoft.com/office/drawing/2014/main" val="2525927541"/>
-                    </a:ext>
-                  </a:extLst>
-                </a:gridCol>
-                <a:gridCol w="1268704">
-                  <a:extLst>
-                    <a:ext uri="{9D8B030D-6E8A-4147-A177-3AD203B41FA5}">
-                      <a16:colId xmlns:a16="http://schemas.microsoft.com/office/drawing/2014/main" val="1460873945"/>
-                    </a:ext>
-                  </a:extLst>
-                </a:gridCol>
-                <a:gridCol w="528627">
-                  <a:extLst>
-                    <a:ext uri="{9D8B030D-6E8A-4147-A177-3AD203B41FA5}">
-                      <a16:colId xmlns:a16="http://schemas.microsoft.com/office/drawing/2014/main" val="1772567132"/>
-                    </a:ext>
-                  </a:extLst>
-                </a:gridCol>
-                <a:gridCol w="606174">
-                  <a:extLst>
-                    <a:ext uri="{9D8B030D-6E8A-4147-A177-3AD203B41FA5}">
-                      <a16:colId xmlns:a16="http://schemas.microsoft.com/office/drawing/2014/main" val="327227273"/>
-                    </a:ext>
-                  </a:extLst>
-                </a:gridCol>
-                <a:gridCol w="719831">
-                  <a:extLst>
-                    <a:ext uri="{9D8B030D-6E8A-4147-A177-3AD203B41FA5}">
-                      <a16:colId xmlns:a16="http://schemas.microsoft.com/office/drawing/2014/main" val="1759703675"/>
-                    </a:ext>
-                  </a:extLst>
-                </a:gridCol>
-                <a:gridCol w="947146">
-                  <a:extLst>
-                    <a:ext uri="{9D8B030D-6E8A-4147-A177-3AD203B41FA5}">
-                      <a16:colId xmlns:a16="http://schemas.microsoft.com/office/drawing/2014/main" val="584009901"/>
-                    </a:ext>
-                  </a:extLst>
-                </a:gridCol>
-                <a:gridCol w="3010927">
-                  <a:extLst>
-                    <a:ext uri="{9D8B030D-6E8A-4147-A177-3AD203B41FA5}">
-                      <a16:colId xmlns:a16="http://schemas.microsoft.com/office/drawing/2014/main" val="1828816811"/>
-                    </a:ext>
-                  </a:extLst>
-                </a:gridCol>
-              </a:tblGrid>
-              <a:tr h="475631">
-                <a:tc>
-                  <a:txBody>
-                    <a:bodyPr/>
-                    <a:lstStyle/>
-                    <a:p>
-                      <a:pPr algn="ctr" fontAlgn="ctr"/>
-                      <a:r>
-                        <a:rPr lang="ko-KR" altLang="en-US" sz="1100" b="1" u="none" strike="noStrike" dirty="0">
-                          <a:effectLst/>
-                          <a:latin typeface="+mn-ea"/>
-                          <a:ea typeface="+mn-ea"/>
-                        </a:rPr>
-                        <a:t>번호</a:t>
-                      </a:r>
-                      <a:endParaRPr lang="ko-KR" altLang="en-US" sz="1100" b="1" i="0" u="none" strike="noStrike" dirty="0">
-                        <a:solidFill>
-                          <a:srgbClr val="000000"/>
-                        </a:solidFill>
-                        <a:effectLst/>
-                        <a:latin typeface="+mn-ea"/>
-                        <a:ea typeface="+mn-ea"/>
-                      </a:endParaRPr>
-                    </a:p>
-                  </a:txBody>
-                  <a:tcPr marL="6155" marR="6155" marT="6155" marB="0" anchor="ctr">
-                    <a:solidFill>
-                      <a:schemeClr val="bg1">
-                        <a:lumMod val="65000"/>
-                      </a:schemeClr>
-                    </a:solidFill>
-                  </a:tcPr>
-                </a:tc>
-                <a:tc>
-                  <a:txBody>
-                    <a:bodyPr/>
-                    <a:lstStyle/>
-                    <a:p>
-                      <a:pPr algn="ctr" fontAlgn="ctr"/>
-                      <a:r>
-                        <a:rPr lang="ko-KR" altLang="en-US" sz="1100" b="1" u="none" strike="noStrike" dirty="0" err="1">
-                          <a:effectLst/>
-                          <a:latin typeface="+mn-ea"/>
-                          <a:ea typeface="+mn-ea"/>
-                        </a:rPr>
-                        <a:t>컬럼명</a:t>
-                      </a:r>
-                      <a:endParaRPr lang="ko-KR" altLang="en-US" sz="1100" b="1" i="0" u="none" strike="noStrike" dirty="0">
-                        <a:solidFill>
-                          <a:srgbClr val="000000"/>
-                        </a:solidFill>
-                        <a:effectLst/>
-                        <a:latin typeface="+mn-ea"/>
-                        <a:ea typeface="+mn-ea"/>
-                      </a:endParaRPr>
-                    </a:p>
-                  </a:txBody>
-                  <a:tcPr marL="6155" marR="6155" marT="6155" marB="0" anchor="ctr">
-                    <a:solidFill>
-                      <a:schemeClr val="bg1">
-                        <a:lumMod val="65000"/>
-                      </a:schemeClr>
-                    </a:solidFill>
-                  </a:tcPr>
-                </a:tc>
-                <a:tc>
-                  <a:txBody>
-                    <a:bodyPr/>
-                    <a:lstStyle/>
-                    <a:p>
-                      <a:pPr algn="ctr" fontAlgn="ctr"/>
-                      <a:r>
-                        <a:rPr lang="ko-KR" altLang="en-US" sz="1100" b="1" u="none" strike="noStrike" dirty="0">
-                          <a:effectLst/>
-                          <a:latin typeface="+mn-ea"/>
-                          <a:ea typeface="+mn-ea"/>
-                        </a:rPr>
-                        <a:t>타입</a:t>
-                      </a:r>
-                      <a:r>
-                        <a:rPr lang="en-US" altLang="ko-KR" sz="1100" b="1" u="none" strike="noStrike" dirty="0">
-                          <a:effectLst/>
-                          <a:latin typeface="+mn-ea"/>
-                          <a:ea typeface="+mn-ea"/>
-                        </a:rPr>
-                        <a:t>(</a:t>
-                      </a:r>
-                      <a:r>
-                        <a:rPr lang="ko-KR" altLang="en-US" sz="1100" b="1" u="none" strike="noStrike" dirty="0">
-                          <a:effectLst/>
-                          <a:latin typeface="+mn-ea"/>
-                          <a:ea typeface="+mn-ea"/>
-                        </a:rPr>
-                        <a:t>크기</a:t>
-                      </a:r>
-                      <a:r>
-                        <a:rPr lang="en-US" altLang="ko-KR" sz="1100" b="1" u="none" strike="noStrike" dirty="0">
-                          <a:effectLst/>
-                          <a:latin typeface="+mn-ea"/>
-                          <a:ea typeface="+mn-ea"/>
-                        </a:rPr>
-                        <a:t>)</a:t>
-                      </a:r>
-                      <a:endParaRPr lang="ko-KR" altLang="en-US" sz="1100" b="1" i="0" u="none" strike="noStrike" dirty="0">
-                        <a:solidFill>
-                          <a:srgbClr val="000000"/>
-                        </a:solidFill>
-                        <a:effectLst/>
-                        <a:latin typeface="+mn-ea"/>
-                        <a:ea typeface="+mn-ea"/>
-                      </a:endParaRPr>
-                    </a:p>
-                  </a:txBody>
-                  <a:tcPr marL="6155" marR="6155" marT="6155" marB="0" anchor="ctr">
-                    <a:solidFill>
-                      <a:schemeClr val="bg1">
-                        <a:lumMod val="65000"/>
-                      </a:schemeClr>
-                    </a:solidFill>
-                  </a:tcPr>
-                </a:tc>
-                <a:tc>
-                  <a:txBody>
-                    <a:bodyPr/>
-                    <a:lstStyle/>
-                    <a:p>
-                      <a:pPr algn="ctr" fontAlgn="ctr"/>
-                      <a:r>
-                        <a:rPr lang="en-US" sz="1100" b="1" u="none" strike="noStrike" dirty="0">
-                          <a:effectLst/>
-                          <a:latin typeface="+mn-ea"/>
-                          <a:ea typeface="+mn-ea"/>
-                        </a:rPr>
-                        <a:t>NULL </a:t>
-                      </a:r>
-                      <a:r>
-                        <a:rPr lang="ko-KR" altLang="en-US" sz="1100" b="1" u="none" strike="noStrike" dirty="0">
-                          <a:effectLst/>
-                          <a:latin typeface="+mn-ea"/>
-                          <a:ea typeface="+mn-ea"/>
-                        </a:rPr>
-                        <a:t>여부</a:t>
-                      </a:r>
-                      <a:endParaRPr lang="ko-KR" altLang="en-US" sz="1100" b="1" i="0" u="none" strike="noStrike" dirty="0">
-                        <a:solidFill>
-                          <a:srgbClr val="000000"/>
-                        </a:solidFill>
-                        <a:effectLst/>
-                        <a:latin typeface="+mn-ea"/>
-                        <a:ea typeface="+mn-ea"/>
-                      </a:endParaRPr>
-                    </a:p>
-                  </a:txBody>
-                  <a:tcPr marL="6155" marR="6155" marT="6155" marB="0" anchor="ctr">
-                    <a:solidFill>
-                      <a:schemeClr val="bg1">
-                        <a:lumMod val="65000"/>
-                      </a:schemeClr>
-                    </a:solidFill>
-                  </a:tcPr>
-                </a:tc>
-                <a:tc>
-                  <a:txBody>
-                    <a:bodyPr/>
-                    <a:lstStyle/>
-                    <a:p>
-                      <a:pPr algn="ctr" fontAlgn="ctr"/>
-                      <a:r>
-                        <a:rPr lang="ko-KR" altLang="en-US" sz="1100" b="1" u="none" strike="noStrike" dirty="0">
-                          <a:effectLst/>
-                          <a:latin typeface="+mn-ea"/>
-                          <a:ea typeface="+mn-ea"/>
-                        </a:rPr>
-                        <a:t>기본값</a:t>
-                      </a:r>
-                      <a:endParaRPr lang="ko-KR" altLang="en-US" sz="1100" b="1" i="0" u="none" strike="noStrike" dirty="0">
-                        <a:solidFill>
-                          <a:srgbClr val="000000"/>
-                        </a:solidFill>
-                        <a:effectLst/>
-                        <a:latin typeface="+mn-ea"/>
-                        <a:ea typeface="+mn-ea"/>
-                      </a:endParaRPr>
-                    </a:p>
-                  </a:txBody>
-                  <a:tcPr marL="6155" marR="6155" marT="6155" marB="0" anchor="ctr">
-                    <a:solidFill>
-                      <a:schemeClr val="bg1">
-                        <a:lumMod val="65000"/>
-                      </a:schemeClr>
-                    </a:solidFill>
-                  </a:tcPr>
-                </a:tc>
-                <a:tc>
-                  <a:txBody>
-                    <a:bodyPr/>
-                    <a:lstStyle/>
-                    <a:p>
-                      <a:pPr algn="ctr" fontAlgn="ctr"/>
-                      <a:r>
-                        <a:rPr lang="ko-KR" altLang="en-US" sz="1100" b="1" u="none" strike="noStrike" dirty="0" err="1">
-                          <a:effectLst/>
-                          <a:latin typeface="+mn-ea"/>
-                          <a:ea typeface="+mn-ea"/>
-                        </a:rPr>
-                        <a:t>키여부</a:t>
-                      </a:r>
-                      <a:endParaRPr lang="ko-KR" altLang="en-US" sz="1100" b="1" i="0" u="none" strike="noStrike" dirty="0">
-                        <a:solidFill>
-                          <a:srgbClr val="000000"/>
-                        </a:solidFill>
-                        <a:effectLst/>
-                        <a:latin typeface="+mn-ea"/>
-                        <a:ea typeface="+mn-ea"/>
-                      </a:endParaRPr>
-                    </a:p>
-                  </a:txBody>
-                  <a:tcPr marL="6155" marR="6155" marT="6155" marB="0" anchor="ctr">
-                    <a:solidFill>
-                      <a:schemeClr val="bg1">
-                        <a:lumMod val="65000"/>
-                      </a:schemeClr>
-                    </a:solidFill>
-                  </a:tcPr>
-                </a:tc>
-                <a:tc>
-                  <a:txBody>
-                    <a:bodyPr/>
-                    <a:lstStyle/>
-                    <a:p>
-                      <a:pPr algn="ctr" fontAlgn="ctr"/>
-                      <a:r>
-                        <a:rPr lang="ko-KR" altLang="en-US" sz="1100" b="1" i="0" u="none" strike="noStrike" dirty="0">
-                          <a:solidFill>
-                            <a:srgbClr val="000000"/>
-                          </a:solidFill>
-                          <a:effectLst/>
-                          <a:latin typeface="+mn-ea"/>
-                          <a:ea typeface="+mn-ea"/>
-                        </a:rPr>
-                        <a:t>제약조건</a:t>
-                      </a:r>
-                    </a:p>
-                  </a:txBody>
-                  <a:tcPr marL="6155" marR="6155" marT="6155" marB="0" anchor="ctr">
-                    <a:solidFill>
-                      <a:schemeClr val="bg1">
-                        <a:lumMod val="65000"/>
-                      </a:schemeClr>
-                    </a:solidFill>
-                  </a:tcPr>
-                </a:tc>
-                <a:tc>
-                  <a:txBody>
-                    <a:bodyPr/>
-                    <a:lstStyle/>
-                    <a:p>
-                      <a:pPr algn="ctr" fontAlgn="ctr"/>
-                      <a:r>
-                        <a:rPr lang="ko-KR" altLang="en-US" sz="1100" b="1" u="none" strike="noStrike" dirty="0">
-                          <a:effectLst/>
-                          <a:latin typeface="+mn-ea"/>
-                          <a:ea typeface="+mn-ea"/>
-                        </a:rPr>
-                        <a:t>컬럼설명</a:t>
-                      </a:r>
-                      <a:endParaRPr lang="ko-KR" altLang="en-US" sz="1100" b="1" i="0" u="none" strike="noStrike" dirty="0">
-                        <a:solidFill>
-                          <a:srgbClr val="000000"/>
-                        </a:solidFill>
-                        <a:effectLst/>
-                        <a:latin typeface="+mn-ea"/>
-                        <a:ea typeface="+mn-ea"/>
-                      </a:endParaRPr>
-                    </a:p>
-                  </a:txBody>
-                  <a:tcPr marL="6155" marR="6155" marT="6155" marB="0" anchor="ctr">
-                    <a:solidFill>
-                      <a:schemeClr val="bg1">
-                        <a:lumMod val="65000"/>
-                      </a:schemeClr>
-                    </a:solidFill>
-                  </a:tcPr>
-                </a:tc>
-                <a:extLst>
-                  <a:ext uri="{0D108BD9-81ED-4DB2-BD59-A6C34878D82A}">
-                    <a16:rowId xmlns:a16="http://schemas.microsoft.com/office/drawing/2014/main" val="1648032119"/>
-                  </a:ext>
-                </a:extLst>
-              </a:tr>
-              <a:tr h="454952">
-                <a:tc>
-                  <a:txBody>
-                    <a:bodyPr/>
-                    <a:lstStyle/>
-                    <a:p>
-                      <a:pPr algn="ctr" fontAlgn="ctr"/>
-                      <a:r>
-                        <a:rPr lang="en-US" altLang="ko-KR" sz="1100" u="none" strike="noStrike" dirty="0">
-                          <a:effectLst/>
-                          <a:latin typeface="+mn-ea"/>
-                          <a:ea typeface="+mn-ea"/>
-                        </a:rPr>
-                        <a:t>11</a:t>
-                      </a:r>
-                      <a:endParaRPr lang="en-US" altLang="ko-KR" sz="1100" b="0" i="0" u="none" strike="noStrike" dirty="0">
-                        <a:solidFill>
-                          <a:srgbClr val="000000"/>
-                        </a:solidFill>
-                        <a:effectLst/>
-                        <a:latin typeface="+mn-ea"/>
-                        <a:ea typeface="+mn-ea"/>
-                      </a:endParaRPr>
-                    </a:p>
-                  </a:txBody>
-                  <a:tcPr marL="6155" marR="6155" marT="6155" marB="0" anchor="ctr">
-                    <a:noFill/>
-                  </a:tcPr>
-                </a:tc>
-                <a:tc>
-                  <a:txBody>
-                    <a:bodyPr/>
-                    <a:lstStyle/>
-                    <a:p>
-                      <a:pPr algn="ctr" fontAlgn="ctr"/>
-                      <a:r>
-                        <a:rPr lang="en-US" sz="1100" b="0" i="0" u="none" strike="noStrike" dirty="0" err="1">
-                          <a:solidFill>
-                            <a:srgbClr val="000000"/>
-                          </a:solidFill>
-                          <a:effectLst/>
-                          <a:latin typeface="+mn-ea"/>
-                          <a:ea typeface="+mn-ea"/>
-                        </a:rPr>
-                        <a:t>itemHits</a:t>
-                      </a:r>
-                      <a:endParaRPr lang="en-US" sz="1100" b="0" i="0" u="none" strike="noStrike" dirty="0">
-                        <a:solidFill>
-                          <a:srgbClr val="000000"/>
-                        </a:solidFill>
-                        <a:effectLst/>
-                        <a:latin typeface="+mn-ea"/>
-                        <a:ea typeface="+mn-ea"/>
-                      </a:endParaRPr>
-                    </a:p>
-                  </a:txBody>
-                  <a:tcPr marL="6155" marR="6155" marT="6155" marB="0" anchor="ctr">
-                    <a:noFill/>
-                  </a:tcPr>
-                </a:tc>
-                <a:tc>
-                  <a:txBody>
-                    <a:bodyPr/>
-                    <a:lstStyle/>
-                    <a:p>
-                      <a:pPr algn="ctr" fontAlgn="ctr"/>
-                      <a:r>
-                        <a:rPr lang="en-US" sz="1100" b="0" i="0" u="none" strike="noStrike" dirty="0">
-                          <a:solidFill>
-                            <a:srgbClr val="000000"/>
-                          </a:solidFill>
-                          <a:effectLst/>
-                          <a:latin typeface="+mn-ea"/>
-                          <a:ea typeface="+mn-ea"/>
-                        </a:rPr>
-                        <a:t>Int </a:t>
-                      </a:r>
-                    </a:p>
-                  </a:txBody>
-                  <a:tcPr marL="6155" marR="6155" marT="6155" marB="0" anchor="ctr">
-                    <a:noFill/>
-                  </a:tcPr>
-                </a:tc>
-                <a:tc>
-                  <a:txBody>
-                    <a:bodyPr/>
-                    <a:lstStyle/>
-                    <a:p>
-                      <a:pPr algn="ctr" fontAlgn="ctr"/>
-                      <a:endParaRPr lang="en-US" sz="1100" b="0" i="0" u="none" strike="noStrike" dirty="0">
-                        <a:solidFill>
-                          <a:srgbClr val="000000"/>
-                        </a:solidFill>
-                        <a:effectLst/>
-                        <a:latin typeface="+mn-ea"/>
-                        <a:ea typeface="+mn-ea"/>
-                      </a:endParaRPr>
-                    </a:p>
-                  </a:txBody>
-                  <a:tcPr marL="6155" marR="6155" marT="6155" marB="0" anchor="ctr">
-                    <a:noFill/>
-                  </a:tcPr>
-                </a:tc>
-                <a:tc>
-                  <a:txBody>
-                    <a:bodyPr/>
-                    <a:lstStyle/>
-                    <a:p>
-                      <a:pPr algn="ctr" fontAlgn="ctr"/>
-                      <a:endParaRPr lang="en-US" altLang="ko-KR" sz="1100" b="0" i="0" u="none" strike="noStrike" dirty="0">
-                        <a:solidFill>
-                          <a:srgbClr val="000000"/>
-                        </a:solidFill>
-                        <a:effectLst/>
-                        <a:latin typeface="+mn-ea"/>
-                        <a:ea typeface="+mn-ea"/>
-                      </a:endParaRPr>
-                    </a:p>
-                  </a:txBody>
-                  <a:tcPr marL="6155" marR="6155" marT="6155" marB="0" anchor="ctr">
-                    <a:noFill/>
-                  </a:tcPr>
-                </a:tc>
-                <a:tc>
-                  <a:txBody>
-                    <a:bodyPr/>
-                    <a:lstStyle/>
-                    <a:p>
-                      <a:pPr algn="ctr" fontAlgn="ctr"/>
-                      <a:endParaRPr lang="en-US" sz="1100" b="0" i="0" u="none" strike="noStrike" dirty="0">
-                        <a:solidFill>
-                          <a:srgbClr val="000000"/>
-                        </a:solidFill>
-                        <a:effectLst/>
-                        <a:latin typeface="+mn-ea"/>
-                        <a:ea typeface="+mn-ea"/>
-                      </a:endParaRPr>
-                    </a:p>
-                  </a:txBody>
-                  <a:tcPr marL="6155" marR="6155" marT="6155" marB="0" anchor="ctr">
-                    <a:noFill/>
-                  </a:tcPr>
-                </a:tc>
-                <a:tc>
-                  <a:txBody>
-                    <a:bodyPr/>
-                    <a:lstStyle/>
-                    <a:p>
-                      <a:pPr marL="0" marR="0" lvl="0" indent="0" algn="ctr" defTabSz="914400" rtl="0" eaLnBrk="1" fontAlgn="ctr" latinLnBrk="1" hangingPunct="1">
-                        <a:lnSpc>
-                          <a:spcPct val="100000"/>
-                        </a:lnSpc>
-                        <a:spcBef>
-                          <a:spcPts val="0"/>
-                        </a:spcBef>
-                        <a:spcAft>
-                          <a:spcPts val="0"/>
-                        </a:spcAft>
-                        <a:buClrTx/>
-                        <a:buSzTx/>
-                        <a:buFontTx/>
-                        <a:buNone/>
-                        <a:tabLst/>
-                        <a:defRPr/>
-                      </a:pPr>
-                      <a:r>
-                        <a:rPr lang="en-US" altLang="ko-KR" sz="1100" b="0" i="0" u="none" strike="noStrike" dirty="0">
-                          <a:solidFill>
-                            <a:srgbClr val="000000"/>
-                          </a:solidFill>
-                          <a:effectLst/>
-                          <a:latin typeface="+mn-ea"/>
-                          <a:ea typeface="+mn-ea"/>
-                        </a:rPr>
-                        <a:t>Default 0</a:t>
-                      </a:r>
-                    </a:p>
-                    <a:p>
-                      <a:pPr algn="ctr" fontAlgn="ctr"/>
-                      <a:endParaRPr lang="en-US" sz="1100" b="0" i="0" u="none" strike="noStrike" dirty="0">
-                        <a:solidFill>
-                          <a:srgbClr val="000000"/>
-                        </a:solidFill>
-                        <a:effectLst/>
-                        <a:latin typeface="+mn-ea"/>
-                        <a:ea typeface="+mn-ea"/>
-                      </a:endParaRPr>
-                    </a:p>
-                  </a:txBody>
-                  <a:tcPr marL="6155" marR="6155" marT="6155" marB="0" anchor="ctr">
-                    <a:noFill/>
-                  </a:tcPr>
-                </a:tc>
-                <a:tc>
-                  <a:txBody>
-                    <a:bodyPr/>
-                    <a:lstStyle/>
-                    <a:p>
-                      <a:pPr algn="ctr" fontAlgn="ctr"/>
-                      <a:r>
-                        <a:rPr lang="ko-KR" altLang="en-US" sz="1100" b="0" i="0" u="none" strike="noStrike" dirty="0">
-                          <a:solidFill>
-                            <a:srgbClr val="000000"/>
-                          </a:solidFill>
-                          <a:effectLst/>
-                          <a:latin typeface="+mn-ea"/>
-                          <a:ea typeface="+mn-ea"/>
-                        </a:rPr>
-                        <a:t>상품조회수</a:t>
-                      </a:r>
-                    </a:p>
-                  </a:txBody>
-                  <a:tcPr marL="6155" marR="6155" marT="6155" marB="0" anchor="ctr">
-                    <a:noFill/>
-                  </a:tcPr>
-                </a:tc>
-                <a:extLst>
-                  <a:ext uri="{0D108BD9-81ED-4DB2-BD59-A6C34878D82A}">
-                    <a16:rowId xmlns:a16="http://schemas.microsoft.com/office/drawing/2014/main" val="993404443"/>
-                  </a:ext>
-                </a:extLst>
-              </a:tr>
-              <a:tr h="454952">
-                <a:tc>
-                  <a:txBody>
-                    <a:bodyPr/>
-                    <a:lstStyle/>
-                    <a:p>
-                      <a:pPr algn="ctr" fontAlgn="ctr"/>
-                      <a:r>
-                        <a:rPr lang="en-US" altLang="ko-KR" sz="1100" u="none" strike="noStrike" dirty="0">
-                          <a:effectLst/>
-                          <a:latin typeface="+mn-ea"/>
-                          <a:ea typeface="+mn-ea"/>
-                        </a:rPr>
-                        <a:t>12</a:t>
-                      </a:r>
-                      <a:endParaRPr lang="en-US" altLang="ko-KR" sz="1100" b="0" i="0" u="none" strike="noStrike" dirty="0">
-                        <a:solidFill>
-                          <a:srgbClr val="000000"/>
-                        </a:solidFill>
-                        <a:effectLst/>
-                        <a:latin typeface="+mn-ea"/>
-                        <a:ea typeface="+mn-ea"/>
-                      </a:endParaRPr>
-                    </a:p>
-                  </a:txBody>
-                  <a:tcPr marL="6155" marR="6155" marT="6155" marB="0" anchor="ctr">
-                    <a:noFill/>
-                  </a:tcPr>
-                </a:tc>
-                <a:tc>
-                  <a:txBody>
-                    <a:bodyPr/>
-                    <a:lstStyle/>
-                    <a:p>
-                      <a:pPr algn="ctr" fontAlgn="ctr"/>
-                      <a:r>
-                        <a:rPr lang="en-US" sz="1100" b="0" i="0" u="none" strike="noStrike" dirty="0" err="1">
-                          <a:solidFill>
-                            <a:srgbClr val="000000"/>
-                          </a:solidFill>
-                          <a:effectLst/>
-                          <a:latin typeface="+mn-ea"/>
-                          <a:ea typeface="+mn-ea"/>
-                        </a:rPr>
-                        <a:t>itemSell</a:t>
-                      </a:r>
-                      <a:endParaRPr lang="en-US" sz="1100" b="0" i="0" u="none" strike="noStrike" dirty="0">
-                        <a:solidFill>
-                          <a:srgbClr val="000000"/>
-                        </a:solidFill>
-                        <a:effectLst/>
-                        <a:latin typeface="+mn-ea"/>
-                        <a:ea typeface="+mn-ea"/>
-                      </a:endParaRPr>
-                    </a:p>
-                  </a:txBody>
-                  <a:tcPr marL="6155" marR="6155" marT="6155" marB="0" anchor="ctr">
-                    <a:noFill/>
-                  </a:tcPr>
-                </a:tc>
-                <a:tc>
-                  <a:txBody>
-                    <a:bodyPr/>
-                    <a:lstStyle/>
-                    <a:p>
-                      <a:pPr algn="ctr" fontAlgn="ctr"/>
-                      <a:r>
-                        <a:rPr lang="en-US" sz="1100" b="0" i="0" u="none" strike="noStrike" dirty="0" err="1">
-                          <a:solidFill>
-                            <a:srgbClr val="000000"/>
-                          </a:solidFill>
-                          <a:effectLst/>
-                          <a:latin typeface="+mn-ea"/>
-                          <a:ea typeface="+mn-ea"/>
-                        </a:rPr>
-                        <a:t>bigint</a:t>
-                      </a:r>
-                      <a:endParaRPr lang="en-US" sz="1100" b="0" i="0" u="none" strike="noStrike" dirty="0">
-                        <a:solidFill>
-                          <a:srgbClr val="000000"/>
-                        </a:solidFill>
-                        <a:effectLst/>
-                        <a:latin typeface="+mn-ea"/>
-                        <a:ea typeface="+mn-ea"/>
-                      </a:endParaRPr>
-                    </a:p>
-                  </a:txBody>
-                  <a:tcPr marL="6155" marR="6155" marT="6155" marB="0" anchor="ctr">
-                    <a:noFill/>
-                  </a:tcPr>
-                </a:tc>
-                <a:tc>
-                  <a:txBody>
-                    <a:bodyPr/>
-                    <a:lstStyle/>
-                    <a:p>
-                      <a:pPr marL="0" marR="0" lvl="0" indent="0" algn="ctr" defTabSz="914400" rtl="0" eaLnBrk="1" fontAlgn="ctr" latinLnBrk="1" hangingPunct="1">
-                        <a:lnSpc>
-                          <a:spcPct val="100000"/>
-                        </a:lnSpc>
-                        <a:spcBef>
-                          <a:spcPts val="0"/>
-                        </a:spcBef>
-                        <a:spcAft>
-                          <a:spcPts val="0"/>
-                        </a:spcAft>
-                        <a:buClrTx/>
-                        <a:buSzTx/>
-                        <a:buFontTx/>
-                        <a:buNone/>
-                        <a:tabLst/>
-                        <a:defRPr/>
-                      </a:pPr>
-                      <a:endParaRPr kumimoji="0" lang="en-US" altLang="ko-KR" sz="1100" b="0" i="0" u="none" strike="noStrike" kern="1200" cap="none" spc="0" normalizeH="0" baseline="0" noProof="0" dirty="0">
-                        <a:ln>
-                          <a:noFill/>
-                        </a:ln>
-                        <a:solidFill>
-                          <a:srgbClr val="000000"/>
-                        </a:solidFill>
-                        <a:effectLst/>
-                        <a:uLnTx/>
-                        <a:uFillTx/>
-                        <a:latin typeface="맑은 고딕" panose="020B0503020000020004" pitchFamily="50" charset="-127"/>
-                        <a:ea typeface="맑은 고딕" panose="020B0503020000020004" pitchFamily="50" charset="-127"/>
-                        <a:cs typeface="+mn-cs"/>
-                      </a:endParaRPr>
-                    </a:p>
-                  </a:txBody>
-                  <a:tcPr marL="6155" marR="6155" marT="6155" marB="0" anchor="ctr">
-                    <a:noFill/>
-                  </a:tcPr>
-                </a:tc>
-                <a:tc>
-                  <a:txBody>
-                    <a:bodyPr/>
-                    <a:lstStyle/>
-                    <a:p>
-                      <a:pPr algn="ctr" fontAlgn="ctr"/>
-                      <a:endParaRPr lang="en-US" altLang="ko-KR" sz="1100" b="0" i="0" u="none" strike="noStrike" dirty="0">
-                        <a:solidFill>
-                          <a:srgbClr val="000000"/>
-                        </a:solidFill>
-                        <a:effectLst/>
-                        <a:latin typeface="+mn-ea"/>
-                        <a:ea typeface="+mn-ea"/>
-                      </a:endParaRPr>
-                    </a:p>
-                  </a:txBody>
-                  <a:tcPr marL="6155" marR="6155" marT="6155" marB="0" anchor="ctr">
-                    <a:noFill/>
-                  </a:tcPr>
-                </a:tc>
-                <a:tc>
-                  <a:txBody>
-                    <a:bodyPr/>
-                    <a:lstStyle/>
-                    <a:p>
-                      <a:pPr algn="ctr" fontAlgn="ctr"/>
-                      <a:endParaRPr lang="en-US" altLang="ko-KR" sz="1100" b="0" i="0" u="none" strike="noStrike" dirty="0">
-                        <a:solidFill>
-                          <a:srgbClr val="000000"/>
-                        </a:solidFill>
-                        <a:effectLst/>
-                        <a:latin typeface="+mn-ea"/>
-                        <a:ea typeface="+mn-ea"/>
-                      </a:endParaRPr>
-                    </a:p>
-                  </a:txBody>
-                  <a:tcPr marL="6155" marR="6155" marT="6155" marB="0" anchor="ctr">
-                    <a:noFill/>
-                  </a:tcPr>
-                </a:tc>
-                <a:tc>
-                  <a:txBody>
-                    <a:bodyPr/>
-                    <a:lstStyle/>
-                    <a:p>
-                      <a:pPr marL="0" marR="0" lvl="0" indent="0" algn="ctr" defTabSz="914400" rtl="0" eaLnBrk="1" fontAlgn="ctr" latinLnBrk="1" hangingPunct="1">
-                        <a:lnSpc>
-                          <a:spcPct val="100000"/>
-                        </a:lnSpc>
-                        <a:spcBef>
-                          <a:spcPts val="0"/>
-                        </a:spcBef>
-                        <a:spcAft>
-                          <a:spcPts val="0"/>
-                        </a:spcAft>
-                        <a:buClrTx/>
-                        <a:buSzTx/>
-                        <a:buFontTx/>
-                        <a:buNone/>
-                        <a:tabLst/>
-                        <a:defRPr/>
-                      </a:pPr>
-                      <a:r>
-                        <a:rPr lang="en-US" altLang="ko-KR" sz="1100" b="0" i="0" u="none" strike="noStrike" dirty="0">
-                          <a:solidFill>
-                            <a:srgbClr val="000000"/>
-                          </a:solidFill>
-                          <a:effectLst/>
-                          <a:latin typeface="+mn-ea"/>
-                          <a:ea typeface="+mn-ea"/>
-                        </a:rPr>
-                        <a:t>Default 0</a:t>
-                      </a:r>
-                    </a:p>
-                    <a:p>
-                      <a:pPr algn="ctr" fontAlgn="ctr"/>
-                      <a:endParaRPr lang="en-US" altLang="ko-KR" sz="1100" b="0" i="0" u="none" strike="noStrike" dirty="0">
-                        <a:solidFill>
-                          <a:srgbClr val="000000"/>
-                        </a:solidFill>
-                        <a:effectLst/>
-                        <a:latin typeface="+mn-ea"/>
-                        <a:ea typeface="+mn-ea"/>
-                      </a:endParaRPr>
-                    </a:p>
-                  </a:txBody>
-                  <a:tcPr marL="6155" marR="6155" marT="6155" marB="0" anchor="ctr">
-                    <a:noFill/>
-                  </a:tcPr>
-                </a:tc>
-                <a:tc>
-                  <a:txBody>
-                    <a:bodyPr/>
-                    <a:lstStyle/>
-                    <a:p>
-                      <a:pPr algn="ctr" fontAlgn="ctr"/>
-                      <a:r>
-                        <a:rPr lang="ko-KR" altLang="en-US" sz="1100" b="0" i="0" u="none" strike="noStrike" dirty="0">
-                          <a:solidFill>
-                            <a:srgbClr val="000000"/>
-                          </a:solidFill>
-                          <a:effectLst/>
-                          <a:latin typeface="+mn-ea"/>
-                          <a:ea typeface="+mn-ea"/>
-                        </a:rPr>
-                        <a:t>상품판매량</a:t>
-                      </a:r>
-                    </a:p>
-                  </a:txBody>
-                  <a:tcPr marL="6155" marR="6155" marT="6155" marB="0" anchor="ctr">
-                    <a:noFill/>
-                  </a:tcPr>
-                </a:tc>
-                <a:extLst>
-                  <a:ext uri="{0D108BD9-81ED-4DB2-BD59-A6C34878D82A}">
-                    <a16:rowId xmlns:a16="http://schemas.microsoft.com/office/drawing/2014/main" val="2123122956"/>
-                  </a:ext>
-                </a:extLst>
-              </a:tr>
-              <a:tr h="454952">
-                <a:tc>
-                  <a:txBody>
-                    <a:bodyPr/>
-                    <a:lstStyle/>
-                    <a:p>
-                      <a:pPr algn="ctr" fontAlgn="ctr"/>
-                      <a:endParaRPr lang="en-US" altLang="ko-KR" sz="1100" b="0" i="0" u="none" strike="noStrike" dirty="0">
-                        <a:solidFill>
-                          <a:srgbClr val="000000"/>
-                        </a:solidFill>
-                        <a:effectLst/>
-                        <a:latin typeface="+mn-ea"/>
-                        <a:ea typeface="+mn-ea"/>
-                      </a:endParaRPr>
-                    </a:p>
-                  </a:txBody>
-                  <a:tcPr marL="6155" marR="6155" marT="6155" marB="0" anchor="ctr">
-                    <a:noFill/>
-                  </a:tcPr>
-                </a:tc>
-                <a:tc>
-                  <a:txBody>
-                    <a:bodyPr/>
-                    <a:lstStyle/>
-                    <a:p>
-                      <a:pPr algn="ctr" fontAlgn="ctr"/>
-                      <a:endParaRPr lang="en-US" sz="1100" b="0" i="0" u="none" strike="noStrike" dirty="0">
-                        <a:solidFill>
-                          <a:srgbClr val="000000"/>
-                        </a:solidFill>
-                        <a:effectLst/>
-                        <a:latin typeface="+mn-ea"/>
-                        <a:ea typeface="+mn-ea"/>
-                      </a:endParaRPr>
-                    </a:p>
-                  </a:txBody>
-                  <a:tcPr marL="6155" marR="6155" marT="6155" marB="0" anchor="ctr">
-                    <a:noFill/>
-                  </a:tcPr>
-                </a:tc>
-                <a:tc>
-                  <a:txBody>
-                    <a:bodyPr/>
-                    <a:lstStyle/>
-                    <a:p>
-                      <a:pPr algn="ctr" fontAlgn="ctr"/>
-                      <a:endParaRPr lang="en-US" sz="1100" b="0" i="0" u="none" strike="noStrike" dirty="0">
-                        <a:solidFill>
-                          <a:srgbClr val="000000"/>
-                        </a:solidFill>
-                        <a:effectLst/>
-                        <a:latin typeface="+mn-ea"/>
-                        <a:ea typeface="+mn-ea"/>
-                      </a:endParaRPr>
-                    </a:p>
-                  </a:txBody>
-                  <a:tcPr marL="6155" marR="6155" marT="6155" marB="0" anchor="ctr">
-                    <a:noFill/>
-                  </a:tcPr>
-                </a:tc>
-                <a:tc>
-                  <a:txBody>
-                    <a:bodyPr/>
-                    <a:lstStyle/>
-                    <a:p>
-                      <a:pPr marL="0" marR="0" lvl="0" indent="0" algn="ctr" defTabSz="914400" rtl="0" eaLnBrk="1" fontAlgn="ctr" latinLnBrk="1" hangingPunct="1">
-                        <a:lnSpc>
-                          <a:spcPct val="100000"/>
-                        </a:lnSpc>
-                        <a:spcBef>
-                          <a:spcPts val="0"/>
-                        </a:spcBef>
-                        <a:spcAft>
-                          <a:spcPts val="0"/>
-                        </a:spcAft>
-                        <a:buClrTx/>
-                        <a:buSzTx/>
-                        <a:buFontTx/>
-                        <a:buNone/>
-                        <a:tabLst/>
-                        <a:defRPr/>
-                      </a:pPr>
-                      <a:endParaRPr kumimoji="0" lang="en-US" altLang="ko-KR" sz="1100" b="0" i="0" u="none" strike="noStrike" kern="1200" cap="none" spc="0" normalizeH="0" baseline="0" noProof="0" dirty="0">
-                        <a:ln>
-                          <a:noFill/>
-                        </a:ln>
-                        <a:solidFill>
-                          <a:srgbClr val="000000"/>
-                        </a:solidFill>
-                        <a:effectLst/>
-                        <a:uLnTx/>
-                        <a:uFillTx/>
-                        <a:latin typeface="맑은 고딕" panose="020B0503020000020004" pitchFamily="50" charset="-127"/>
-                        <a:ea typeface="맑은 고딕" panose="020B0503020000020004" pitchFamily="50" charset="-127"/>
-                        <a:cs typeface="+mn-cs"/>
-                      </a:endParaRPr>
-                    </a:p>
-                  </a:txBody>
-                  <a:tcPr marL="6155" marR="6155" marT="6155" marB="0" anchor="ctr">
-                    <a:noFill/>
-                  </a:tcPr>
-                </a:tc>
-                <a:tc>
-                  <a:txBody>
-                    <a:bodyPr/>
-                    <a:lstStyle/>
-                    <a:p>
-                      <a:pPr algn="ctr" fontAlgn="ctr"/>
-                      <a:endParaRPr lang="en-US" altLang="ko-KR" sz="1100" b="0" i="0" u="none" strike="noStrike" dirty="0">
-                        <a:solidFill>
-                          <a:srgbClr val="000000"/>
-                        </a:solidFill>
-                        <a:effectLst/>
-                        <a:latin typeface="+mn-ea"/>
-                        <a:ea typeface="+mn-ea"/>
-                      </a:endParaRPr>
-                    </a:p>
-                  </a:txBody>
-                  <a:tcPr marL="6155" marR="6155" marT="6155" marB="0" anchor="ctr">
-                    <a:noFill/>
-                  </a:tcPr>
-                </a:tc>
-                <a:tc>
-                  <a:txBody>
-                    <a:bodyPr/>
-                    <a:lstStyle/>
-                    <a:p>
-                      <a:pPr algn="ctr" fontAlgn="ctr"/>
-                      <a:endParaRPr lang="en-US" altLang="ko-KR" sz="1100" b="0" i="0" u="none" strike="noStrike" dirty="0">
-                        <a:solidFill>
-                          <a:srgbClr val="000000"/>
-                        </a:solidFill>
-                        <a:effectLst/>
-                        <a:latin typeface="+mn-ea"/>
-                        <a:ea typeface="+mn-ea"/>
-                      </a:endParaRPr>
-                    </a:p>
-                  </a:txBody>
-                  <a:tcPr marL="6155" marR="6155" marT="6155" marB="0" anchor="ctr">
-                    <a:noFill/>
-                  </a:tcPr>
-                </a:tc>
-                <a:tc>
-                  <a:txBody>
-                    <a:bodyPr/>
-                    <a:lstStyle/>
-                    <a:p>
-                      <a:pPr algn="ctr" fontAlgn="ctr"/>
-                      <a:endParaRPr lang="en-US" altLang="ko-KR" sz="1100" b="0" i="0" u="none" strike="noStrike" dirty="0">
-                        <a:solidFill>
-                          <a:srgbClr val="000000"/>
-                        </a:solidFill>
-                        <a:effectLst/>
-                        <a:latin typeface="+mn-ea"/>
-                        <a:ea typeface="+mn-ea"/>
-                      </a:endParaRPr>
-                    </a:p>
-                  </a:txBody>
-                  <a:tcPr marL="6155" marR="6155" marT="6155" marB="0" anchor="ctr">
-                    <a:noFill/>
-                  </a:tcPr>
-                </a:tc>
-                <a:tc>
-                  <a:txBody>
-                    <a:bodyPr/>
-                    <a:lstStyle/>
-                    <a:p>
-                      <a:pPr algn="ctr" fontAlgn="ctr"/>
-                      <a:endParaRPr lang="ko-KR" altLang="en-US" sz="1100" b="0" i="0" u="none" strike="noStrike" dirty="0">
-                        <a:solidFill>
-                          <a:srgbClr val="000000"/>
-                        </a:solidFill>
-                        <a:effectLst/>
-                        <a:latin typeface="+mn-ea"/>
-                        <a:ea typeface="+mn-ea"/>
-                      </a:endParaRPr>
-                    </a:p>
-                  </a:txBody>
-                  <a:tcPr marL="6155" marR="6155" marT="6155" marB="0" anchor="ctr">
-                    <a:noFill/>
-                  </a:tcPr>
-                </a:tc>
-                <a:extLst>
-                  <a:ext uri="{0D108BD9-81ED-4DB2-BD59-A6C34878D82A}">
-                    <a16:rowId xmlns:a16="http://schemas.microsoft.com/office/drawing/2014/main" val="813518214"/>
-                  </a:ext>
-                </a:extLst>
-              </a:tr>
-              <a:tr h="454952">
-                <a:tc>
-                  <a:txBody>
-                    <a:bodyPr/>
-                    <a:lstStyle/>
-                    <a:p>
-                      <a:pPr algn="ctr" fontAlgn="ctr"/>
-                      <a:endParaRPr lang="en-US" altLang="ko-KR" sz="1100" b="0" i="0" u="none" strike="noStrike" dirty="0">
-                        <a:solidFill>
-                          <a:srgbClr val="000000"/>
-                        </a:solidFill>
-                        <a:effectLst/>
-                        <a:latin typeface="+mn-ea"/>
-                        <a:ea typeface="+mn-ea"/>
-                      </a:endParaRPr>
-                    </a:p>
-                  </a:txBody>
-                  <a:tcPr marL="6155" marR="6155" marT="6155" marB="0" anchor="ctr">
-                    <a:noFill/>
-                  </a:tcPr>
-                </a:tc>
-                <a:tc>
-                  <a:txBody>
-                    <a:bodyPr/>
-                    <a:lstStyle/>
-                    <a:p>
-                      <a:pPr algn="ctr" fontAlgn="ctr"/>
-                      <a:endParaRPr lang="en-US" sz="1100" b="0" i="0" u="none" strike="noStrike" dirty="0">
-                        <a:solidFill>
-                          <a:srgbClr val="000000"/>
-                        </a:solidFill>
-                        <a:effectLst/>
-                        <a:latin typeface="+mn-ea"/>
-                        <a:ea typeface="+mn-ea"/>
-                      </a:endParaRPr>
-                    </a:p>
-                  </a:txBody>
-                  <a:tcPr marL="6155" marR="6155" marT="6155" marB="0" anchor="ctr">
-                    <a:noFill/>
-                  </a:tcPr>
-                </a:tc>
-                <a:tc>
-                  <a:txBody>
-                    <a:bodyPr/>
-                    <a:lstStyle/>
-                    <a:p>
-                      <a:pPr algn="ctr" fontAlgn="ctr"/>
-                      <a:endParaRPr lang="en-US" sz="1100" b="0" i="0" u="none" strike="noStrike" dirty="0">
-                        <a:solidFill>
-                          <a:srgbClr val="000000"/>
-                        </a:solidFill>
-                        <a:effectLst/>
-                        <a:latin typeface="+mn-ea"/>
-                        <a:ea typeface="+mn-ea"/>
-                      </a:endParaRPr>
-                    </a:p>
-                  </a:txBody>
-                  <a:tcPr marL="6155" marR="6155" marT="6155" marB="0" anchor="ctr">
-                    <a:noFill/>
-                  </a:tcPr>
-                </a:tc>
-                <a:tc>
-                  <a:txBody>
-                    <a:bodyPr/>
-                    <a:lstStyle/>
-                    <a:p>
-                      <a:pPr marL="0" marR="0" lvl="0" indent="0" algn="ctr" defTabSz="914400" rtl="0" eaLnBrk="1" fontAlgn="ctr" latinLnBrk="1" hangingPunct="1">
-                        <a:lnSpc>
-                          <a:spcPct val="100000"/>
-                        </a:lnSpc>
-                        <a:spcBef>
-                          <a:spcPts val="0"/>
-                        </a:spcBef>
-                        <a:spcAft>
-                          <a:spcPts val="0"/>
-                        </a:spcAft>
-                        <a:buClrTx/>
-                        <a:buSzTx/>
-                        <a:buFontTx/>
-                        <a:buNone/>
-                        <a:tabLst/>
-                        <a:defRPr/>
-                      </a:pPr>
-                      <a:endParaRPr kumimoji="0" lang="en-US" altLang="ko-KR" sz="1100" b="0" i="0" u="none" strike="noStrike" kern="1200" cap="none" spc="0" normalizeH="0" baseline="0" noProof="0" dirty="0">
-                        <a:ln>
-                          <a:noFill/>
-                        </a:ln>
-                        <a:solidFill>
-                          <a:srgbClr val="000000"/>
-                        </a:solidFill>
-                        <a:effectLst/>
-                        <a:uLnTx/>
-                        <a:uFillTx/>
-                        <a:latin typeface="맑은 고딕" panose="020B0503020000020004" pitchFamily="50" charset="-127"/>
-                        <a:ea typeface="맑은 고딕" panose="020B0503020000020004" pitchFamily="50" charset="-127"/>
-                        <a:cs typeface="+mn-cs"/>
-                      </a:endParaRPr>
-                    </a:p>
-                  </a:txBody>
-                  <a:tcPr marL="6155" marR="6155" marT="6155" marB="0" anchor="ctr">
-                    <a:noFill/>
-                  </a:tcPr>
-                </a:tc>
-                <a:tc>
-                  <a:txBody>
-                    <a:bodyPr/>
-                    <a:lstStyle/>
-                    <a:p>
-                      <a:pPr algn="ctr" fontAlgn="ctr"/>
-                      <a:endParaRPr lang="en-US" altLang="ko-KR" sz="1100" b="0" i="0" u="none" strike="noStrike" dirty="0">
-                        <a:solidFill>
-                          <a:srgbClr val="000000"/>
-                        </a:solidFill>
-                        <a:effectLst/>
-                        <a:latin typeface="+mn-ea"/>
-                        <a:ea typeface="+mn-ea"/>
-                      </a:endParaRPr>
-                    </a:p>
-                  </a:txBody>
-                  <a:tcPr marL="6155" marR="6155" marT="6155" marB="0" anchor="ctr">
-                    <a:noFill/>
-                  </a:tcPr>
-                </a:tc>
-                <a:tc>
-                  <a:txBody>
-                    <a:bodyPr/>
-                    <a:lstStyle/>
-                    <a:p>
-                      <a:pPr algn="ctr" fontAlgn="ctr"/>
-                      <a:endParaRPr lang="en-US" altLang="ko-KR" sz="1100" b="0" i="0" u="none" strike="noStrike" dirty="0">
-                        <a:solidFill>
-                          <a:srgbClr val="000000"/>
-                        </a:solidFill>
-                        <a:effectLst/>
-                        <a:latin typeface="+mn-ea"/>
-                        <a:ea typeface="+mn-ea"/>
-                      </a:endParaRPr>
-                    </a:p>
-                  </a:txBody>
-                  <a:tcPr marL="6155" marR="6155" marT="6155" marB="0" anchor="ctr">
-                    <a:noFill/>
-                  </a:tcPr>
-                </a:tc>
-                <a:tc>
-                  <a:txBody>
-                    <a:bodyPr/>
-                    <a:lstStyle/>
-                    <a:p>
-                      <a:pPr algn="ctr" fontAlgn="ctr"/>
-                      <a:endParaRPr lang="en-US" altLang="ko-KR" sz="1100" b="0" i="0" u="none" strike="noStrike" dirty="0">
-                        <a:solidFill>
-                          <a:srgbClr val="000000"/>
-                        </a:solidFill>
-                        <a:effectLst/>
-                        <a:latin typeface="+mn-ea"/>
-                        <a:ea typeface="+mn-ea"/>
-                      </a:endParaRPr>
-                    </a:p>
-                  </a:txBody>
-                  <a:tcPr marL="6155" marR="6155" marT="6155" marB="0" anchor="ctr">
-                    <a:noFill/>
-                  </a:tcPr>
-                </a:tc>
-                <a:tc>
-                  <a:txBody>
-                    <a:bodyPr/>
-                    <a:lstStyle/>
-                    <a:p>
-                      <a:pPr algn="ctr" fontAlgn="ctr"/>
-                      <a:endParaRPr lang="ko-KR" altLang="en-US" sz="1100" b="0" i="0" u="none" strike="noStrike" dirty="0">
-                        <a:solidFill>
-                          <a:srgbClr val="000000"/>
-                        </a:solidFill>
-                        <a:effectLst/>
-                        <a:latin typeface="+mn-ea"/>
-                        <a:ea typeface="+mn-ea"/>
-                      </a:endParaRPr>
+                        <a:t>배송비</a:t>
+                      </a:r>
                     </a:p>
                   </a:txBody>
                   <a:tcPr marL="6155" marR="6155" marT="6155" marB="0" anchor="ctr">
@@ -14762,7 +12135,7 @@
 </p:sld>
 </file>
 
-<file path=ppt/slides/slide6.xml><?xml version="1.0" encoding="utf-8"?>
+<file path=ppt/slides/slide5.xml><?xml version="1.0" encoding="utf-8"?>
 <p:sld xmlns:a="http://schemas.openxmlformats.org/drawingml/2006/main" xmlns:r="http://schemas.openxmlformats.org/officeDocument/2006/relationships" xmlns:p="http://schemas.openxmlformats.org/presentationml/2006/main">
   <p:cSld>
     <p:spTree>
@@ -14860,7 +12233,7 @@
           <p:nvPr>
             <p:extLst>
               <p:ext uri="{D42A27DB-BD31-4B8C-83A1-F6EECF244321}">
-                <p14:modId xmlns:p14="http://schemas.microsoft.com/office/powerpoint/2010/main" val="3982762932"/>
+                <p14:modId xmlns:p14="http://schemas.microsoft.com/office/powerpoint/2010/main" val="2500127513"/>
               </p:ext>
             </p:extLst>
           </p:nvPr>
@@ -16092,8 +13465,28 @@
                     <a:lstStyle/>
                     <a:p>
                       <a:pPr algn="ctr" fontAlgn="ctr"/>
-                      <a:r>
-                        <a:rPr lang="en-US" altLang="ko-KR" sz="1100" b="0" i="0" u="none" strike="noStrike" dirty="0">
+                      <a:endParaRPr lang="en-US" altLang="ko-KR" sz="1100" b="0" i="0" u="none" strike="noStrike" dirty="0">
+                        <a:solidFill>
+                          <a:srgbClr val="000000"/>
+                        </a:solidFill>
+                        <a:effectLst/>
+                        <a:latin typeface="+mn-ea"/>
+                        <a:ea typeface="+mn-ea"/>
+                      </a:endParaRPr>
+                    </a:p>
+                  </a:txBody>
+                  <a:tcPr marL="6155" marR="6155" marT="6155" marB="0" anchor="ctr">
+                    <a:noFill/>
+                  </a:tcPr>
+                </a:tc>
+                <a:tc>
+                  <a:txBody>
+                    <a:bodyPr/>
+                    <a:lstStyle/>
+                    <a:p>
+                      <a:pPr algn="ctr" fontAlgn="ctr"/>
+                      <a:r>
+                        <a:rPr lang="ko-KR" altLang="en-US" sz="1100" b="0" i="0" u="none" strike="noStrike" dirty="0" err="1">
                           <a:solidFill>
                             <a:srgbClr val="000000"/>
                           </a:solidFill>
@@ -16101,20 +13494,8 @@
                           <a:latin typeface="+mn-ea"/>
                           <a:ea typeface="+mn-ea"/>
                         </a:rPr>
-                        <a:t>Default 0</a:t>
-                      </a:r>
-                    </a:p>
-                  </a:txBody>
-                  <a:tcPr marL="6155" marR="6155" marT="6155" marB="0" anchor="ctr">
-                    <a:noFill/>
-                  </a:tcPr>
-                </a:tc>
-                <a:tc>
-                  <a:txBody>
-                    <a:bodyPr/>
-                    <a:lstStyle/>
-                    <a:p>
-                      <a:pPr algn="ctr" fontAlgn="ctr"/>
+                        <a:t>상품수랼</a:t>
+                      </a:r>
                       <a:endParaRPr lang="ko-KR" altLang="en-US" sz="1100" b="0" i="0" u="none" strike="noStrike" dirty="0">
                         <a:solidFill>
                           <a:srgbClr val="000000"/>
@@ -16170,6 +13551,17 @@
                     <a:lstStyle/>
                     <a:p>
                       <a:pPr algn="ctr" fontAlgn="ctr"/>
+                      <a:r>
+                        <a:rPr lang="en-US" sz="1100" b="0" i="0" u="none" strike="noStrike" dirty="0" err="1">
+                          <a:solidFill>
+                            <a:srgbClr val="000000"/>
+                          </a:solidFill>
+                          <a:effectLst/>
+                          <a:latin typeface="+mn-ea"/>
+                          <a:ea typeface="+mn-ea"/>
+                        </a:rPr>
+                        <a:t>itemName</a:t>
+                      </a:r>
                       <a:endParaRPr lang="en-US" sz="1100" b="0" i="0" u="none" strike="noStrike" dirty="0">
                         <a:solidFill>
                           <a:srgbClr val="000000"/>
@@ -16190,6 +13582,203 @@
                     <a:lstStyle/>
                     <a:p>
                       <a:pPr algn="ctr" fontAlgn="ctr"/>
+                      <a:r>
+                        <a:rPr lang="en-US" sz="1100" b="0" i="0" u="none" strike="noStrike" dirty="0">
+                          <a:solidFill>
+                            <a:srgbClr val="000000"/>
+                          </a:solidFill>
+                          <a:effectLst/>
+                          <a:latin typeface="+mn-ea"/>
+                          <a:ea typeface="+mn-ea"/>
+                        </a:rPr>
+                        <a:t>Varchar(100)</a:t>
+                      </a:r>
+                    </a:p>
+                  </a:txBody>
+                  <a:tcPr marL="6155" marR="6155" marT="6155" marB="0" anchor="ctr">
+                    <a:noFill/>
+                  </a:tcPr>
+                </a:tc>
+                <a:tc>
+                  <a:txBody>
+                    <a:bodyPr/>
+                    <a:lstStyle/>
+                    <a:p>
+                      <a:pPr marL="0" marR="0" lvl="0" indent="0" algn="ctr" defTabSz="914400" rtl="0" eaLnBrk="1" fontAlgn="ctr" latinLnBrk="1" hangingPunct="1">
+                        <a:lnSpc>
+                          <a:spcPct val="100000"/>
+                        </a:lnSpc>
+                        <a:spcBef>
+                          <a:spcPts val="0"/>
+                        </a:spcBef>
+                        <a:spcAft>
+                          <a:spcPts val="0"/>
+                        </a:spcAft>
+                        <a:buClrTx/>
+                        <a:buSzTx/>
+                        <a:buFontTx/>
+                        <a:buNone/>
+                        <a:tabLst/>
+                        <a:defRPr/>
+                      </a:pPr>
+                      <a:r>
+                        <a:rPr kumimoji="0" lang="en-US" altLang="ko-KR" sz="1100" b="0" i="0" u="none" strike="noStrike" kern="1200" cap="none" spc="0" normalizeH="0" baseline="0" noProof="0" dirty="0">
+                          <a:ln>
+                            <a:noFill/>
+                          </a:ln>
+                          <a:solidFill>
+                            <a:srgbClr val="000000"/>
+                          </a:solidFill>
+                          <a:effectLst/>
+                          <a:uLnTx/>
+                          <a:uFillTx/>
+                          <a:latin typeface="맑은 고딕" panose="020B0503020000020004" pitchFamily="50" charset="-127"/>
+                          <a:ea typeface="맑은 고딕" panose="020B0503020000020004" pitchFamily="50" charset="-127"/>
+                          <a:cs typeface="+mn-cs"/>
+                        </a:rPr>
+                        <a:t>N.N</a:t>
+                      </a:r>
+                    </a:p>
+                  </a:txBody>
+                  <a:tcPr marL="6155" marR="6155" marT="6155" marB="0" anchor="ctr">
+                    <a:noFill/>
+                  </a:tcPr>
+                </a:tc>
+                <a:tc>
+                  <a:txBody>
+                    <a:bodyPr/>
+                    <a:lstStyle/>
+                    <a:p>
+                      <a:pPr algn="ctr" fontAlgn="ctr"/>
+                      <a:endParaRPr lang="en-US" altLang="ko-KR" sz="1100" b="0" i="0" u="none" strike="noStrike" dirty="0">
+                        <a:solidFill>
+                          <a:srgbClr val="000000"/>
+                        </a:solidFill>
+                        <a:effectLst/>
+                        <a:latin typeface="+mn-ea"/>
+                        <a:ea typeface="+mn-ea"/>
+                      </a:endParaRPr>
+                    </a:p>
+                  </a:txBody>
+                  <a:tcPr marL="6155" marR="6155" marT="6155" marB="0" anchor="ctr">
+                    <a:noFill/>
+                  </a:tcPr>
+                </a:tc>
+                <a:tc>
+                  <a:txBody>
+                    <a:bodyPr/>
+                    <a:lstStyle/>
+                    <a:p>
+                      <a:pPr algn="ctr" fontAlgn="ctr"/>
+                      <a:endParaRPr lang="en-US" altLang="ko-KR" sz="1100" b="0" i="0" u="none" strike="noStrike" dirty="0">
+                        <a:solidFill>
+                          <a:srgbClr val="000000"/>
+                        </a:solidFill>
+                        <a:effectLst/>
+                        <a:latin typeface="+mn-ea"/>
+                        <a:ea typeface="+mn-ea"/>
+                      </a:endParaRPr>
+                    </a:p>
+                  </a:txBody>
+                  <a:tcPr marL="6155" marR="6155" marT="6155" marB="0" anchor="ctr">
+                    <a:noFill/>
+                  </a:tcPr>
+                </a:tc>
+                <a:tc>
+                  <a:txBody>
+                    <a:bodyPr/>
+                    <a:lstStyle/>
+                    <a:p>
+                      <a:pPr algn="ctr" fontAlgn="ctr"/>
+                      <a:endParaRPr lang="en-US" altLang="ko-KR" sz="1100" b="0" i="0" u="none" strike="noStrike" dirty="0">
+                        <a:solidFill>
+                          <a:srgbClr val="000000"/>
+                        </a:solidFill>
+                        <a:effectLst/>
+                        <a:latin typeface="+mn-ea"/>
+                        <a:ea typeface="+mn-ea"/>
+                      </a:endParaRPr>
+                    </a:p>
+                  </a:txBody>
+                  <a:tcPr marL="6155" marR="6155" marT="6155" marB="0" anchor="ctr">
+                    <a:noFill/>
+                  </a:tcPr>
+                </a:tc>
+                <a:tc>
+                  <a:txBody>
+                    <a:bodyPr/>
+                    <a:lstStyle/>
+                    <a:p>
+                      <a:pPr algn="ctr" fontAlgn="ctr"/>
+                      <a:r>
+                        <a:rPr lang="ko-KR" altLang="en-US" sz="1100" b="0" i="0" u="none" strike="noStrike" dirty="0">
+                          <a:solidFill>
+                            <a:srgbClr val="000000"/>
+                          </a:solidFill>
+                          <a:effectLst/>
+                          <a:latin typeface="+mn-ea"/>
+                          <a:ea typeface="+mn-ea"/>
+                        </a:rPr>
+                        <a:t>상품명</a:t>
+                      </a:r>
+                    </a:p>
+                  </a:txBody>
+                  <a:tcPr marL="6155" marR="6155" marT="6155" marB="0" anchor="ctr">
+                    <a:noFill/>
+                  </a:tcPr>
+                </a:tc>
+                <a:extLst>
+                  <a:ext uri="{0D108BD9-81ED-4DB2-BD59-A6C34878D82A}">
+                    <a16:rowId xmlns:a16="http://schemas.microsoft.com/office/drawing/2014/main" val="3866851685"/>
+                  </a:ext>
+                </a:extLst>
+              </a:tr>
+              <a:tr h="454952">
+                <a:tc>
+                  <a:txBody>
+                    <a:bodyPr/>
+                    <a:lstStyle/>
+                    <a:p>
+                      <a:pPr algn="ctr" fontAlgn="ctr"/>
+                      <a:r>
+                        <a:rPr lang="en-US" altLang="ko-KR" sz="1100" u="none" strike="noStrike" dirty="0">
+                          <a:effectLst/>
+                          <a:latin typeface="+mn-ea"/>
+                          <a:ea typeface="+mn-ea"/>
+                        </a:rPr>
+                        <a:t>6</a:t>
+                      </a:r>
+                      <a:endParaRPr lang="en-US" altLang="ko-KR" sz="1100" b="0" i="0" u="none" strike="noStrike" dirty="0">
+                        <a:solidFill>
+                          <a:srgbClr val="000000"/>
+                        </a:solidFill>
+                        <a:effectLst/>
+                        <a:latin typeface="+mn-ea"/>
+                        <a:ea typeface="+mn-ea"/>
+                      </a:endParaRPr>
+                    </a:p>
+                  </a:txBody>
+                  <a:tcPr marL="6155" marR="6155" marT="6155" marB="0" anchor="ctr">
+                    <a:noFill/>
+                  </a:tcPr>
+                </a:tc>
+                <a:tc>
+                  <a:txBody>
+                    <a:bodyPr/>
+                    <a:lstStyle/>
+                    <a:p>
+                      <a:pPr algn="ctr" fontAlgn="ctr"/>
+                      <a:r>
+                        <a:rPr lang="en-US" sz="1100" b="0" i="0" u="none" strike="noStrike" dirty="0" err="1">
+                          <a:solidFill>
+                            <a:srgbClr val="000000"/>
+                          </a:solidFill>
+                          <a:effectLst/>
+                          <a:latin typeface="+mn-ea"/>
+                          <a:ea typeface="+mn-ea"/>
+                        </a:rPr>
+                        <a:t>itemDiscount</a:t>
+                      </a:r>
                       <a:endParaRPr lang="en-US" sz="1100" b="0" i="0" u="none" strike="noStrike" dirty="0">
                         <a:solidFill>
                           <a:srgbClr val="000000"/>
@@ -16198,6 +13787,463 @@
                         <a:latin typeface="+mn-ea"/>
                         <a:ea typeface="+mn-ea"/>
                       </a:endParaRPr>
+                    </a:p>
+                  </a:txBody>
+                  <a:tcPr marL="6155" marR="6155" marT="6155" marB="0" anchor="ctr">
+                    <a:noFill/>
+                  </a:tcPr>
+                </a:tc>
+                <a:tc>
+                  <a:txBody>
+                    <a:bodyPr/>
+                    <a:lstStyle/>
+                    <a:p>
+                      <a:pPr algn="ctr" fontAlgn="ctr"/>
+                      <a:r>
+                        <a:rPr lang="en-US" sz="1100" b="0" i="0" u="none" strike="noStrike" dirty="0">
+                          <a:solidFill>
+                            <a:srgbClr val="000000"/>
+                          </a:solidFill>
+                          <a:effectLst/>
+                          <a:latin typeface="+mn-ea"/>
+                          <a:ea typeface="+mn-ea"/>
+                        </a:rPr>
+                        <a:t>Int </a:t>
+                      </a:r>
+                    </a:p>
+                  </a:txBody>
+                  <a:tcPr marL="6155" marR="6155" marT="6155" marB="0" anchor="ctr">
+                    <a:noFill/>
+                  </a:tcPr>
+                </a:tc>
+                <a:tc>
+                  <a:txBody>
+                    <a:bodyPr/>
+                    <a:lstStyle/>
+                    <a:p>
+                      <a:pPr marL="0" marR="0" lvl="0" indent="0" algn="ctr" defTabSz="914400" rtl="0" eaLnBrk="1" fontAlgn="ctr" latinLnBrk="1" hangingPunct="1">
+                        <a:lnSpc>
+                          <a:spcPct val="100000"/>
+                        </a:lnSpc>
+                        <a:spcBef>
+                          <a:spcPts val="0"/>
+                        </a:spcBef>
+                        <a:spcAft>
+                          <a:spcPts val="0"/>
+                        </a:spcAft>
+                        <a:buClrTx/>
+                        <a:buSzTx/>
+                        <a:buFontTx/>
+                        <a:buNone/>
+                        <a:tabLst/>
+                        <a:defRPr/>
+                      </a:pPr>
+                      <a:r>
+                        <a:rPr kumimoji="0" lang="en-US" altLang="ko-KR" sz="1100" b="0" i="0" u="none" strike="noStrike" kern="1200" cap="none" spc="0" normalizeH="0" baseline="0" noProof="0" dirty="0">
+                          <a:ln>
+                            <a:noFill/>
+                          </a:ln>
+                          <a:solidFill>
+                            <a:srgbClr val="000000"/>
+                          </a:solidFill>
+                          <a:effectLst/>
+                          <a:uLnTx/>
+                          <a:uFillTx/>
+                          <a:latin typeface="맑은 고딕" panose="020B0503020000020004" pitchFamily="50" charset="-127"/>
+                          <a:ea typeface="맑은 고딕" panose="020B0503020000020004" pitchFamily="50" charset="-127"/>
+                          <a:cs typeface="+mn-cs"/>
+                        </a:rPr>
+                        <a:t>N.N</a:t>
+                      </a:r>
+                    </a:p>
+                  </a:txBody>
+                  <a:tcPr marL="6155" marR="6155" marT="6155" marB="0" anchor="ctr">
+                    <a:noFill/>
+                  </a:tcPr>
+                </a:tc>
+                <a:tc>
+                  <a:txBody>
+                    <a:bodyPr/>
+                    <a:lstStyle/>
+                    <a:p>
+                      <a:pPr algn="ctr" fontAlgn="ctr"/>
+                      <a:endParaRPr lang="en-US" altLang="ko-KR" sz="1100" b="0" i="0" u="none" strike="noStrike" dirty="0">
+                        <a:solidFill>
+                          <a:srgbClr val="000000"/>
+                        </a:solidFill>
+                        <a:effectLst/>
+                        <a:latin typeface="+mn-ea"/>
+                        <a:ea typeface="+mn-ea"/>
+                      </a:endParaRPr>
+                    </a:p>
+                  </a:txBody>
+                  <a:tcPr marL="6155" marR="6155" marT="6155" marB="0" anchor="ctr">
+                    <a:noFill/>
+                  </a:tcPr>
+                </a:tc>
+                <a:tc>
+                  <a:txBody>
+                    <a:bodyPr/>
+                    <a:lstStyle/>
+                    <a:p>
+                      <a:pPr algn="ctr" fontAlgn="ctr"/>
+                      <a:endParaRPr lang="en-US" altLang="ko-KR" sz="1100" b="0" i="0" u="none" strike="noStrike" dirty="0">
+                        <a:solidFill>
+                          <a:srgbClr val="000000"/>
+                        </a:solidFill>
+                        <a:effectLst/>
+                        <a:latin typeface="+mn-ea"/>
+                        <a:ea typeface="+mn-ea"/>
+                      </a:endParaRPr>
+                    </a:p>
+                  </a:txBody>
+                  <a:tcPr marL="6155" marR="6155" marT="6155" marB="0" anchor="ctr">
+                    <a:noFill/>
+                  </a:tcPr>
+                </a:tc>
+                <a:tc>
+                  <a:txBody>
+                    <a:bodyPr/>
+                    <a:lstStyle/>
+                    <a:p>
+                      <a:pPr algn="ctr" fontAlgn="ctr"/>
+                      <a:endParaRPr lang="en-US" altLang="ko-KR" sz="1100" b="0" i="0" u="none" strike="noStrike" dirty="0">
+                        <a:solidFill>
+                          <a:srgbClr val="000000"/>
+                        </a:solidFill>
+                        <a:effectLst/>
+                        <a:latin typeface="+mn-ea"/>
+                        <a:ea typeface="+mn-ea"/>
+                      </a:endParaRPr>
+                    </a:p>
+                  </a:txBody>
+                  <a:tcPr marL="6155" marR="6155" marT="6155" marB="0" anchor="ctr">
+                    <a:noFill/>
+                  </a:tcPr>
+                </a:tc>
+                <a:tc>
+                  <a:txBody>
+                    <a:bodyPr/>
+                    <a:lstStyle/>
+                    <a:p>
+                      <a:pPr algn="ctr" fontAlgn="ctr"/>
+                      <a:r>
+                        <a:rPr lang="ko-KR" altLang="en-US" sz="1100" b="0" i="0" u="none" strike="noStrike" dirty="0" err="1">
+                          <a:solidFill>
+                            <a:srgbClr val="000000"/>
+                          </a:solidFill>
+                          <a:effectLst/>
+                          <a:latin typeface="+mn-ea"/>
+                          <a:ea typeface="+mn-ea"/>
+                        </a:rPr>
+                        <a:t>상품할인가</a:t>
+                      </a:r>
+                      <a:endParaRPr lang="ko-KR" altLang="en-US" sz="1100" b="0" i="0" u="none" strike="noStrike" dirty="0">
+                        <a:solidFill>
+                          <a:srgbClr val="000000"/>
+                        </a:solidFill>
+                        <a:effectLst/>
+                        <a:latin typeface="+mn-ea"/>
+                        <a:ea typeface="+mn-ea"/>
+                      </a:endParaRPr>
+                    </a:p>
+                  </a:txBody>
+                  <a:tcPr marL="6155" marR="6155" marT="6155" marB="0" anchor="ctr">
+                    <a:noFill/>
+                  </a:tcPr>
+                </a:tc>
+                <a:extLst>
+                  <a:ext uri="{0D108BD9-81ED-4DB2-BD59-A6C34878D82A}">
+                    <a16:rowId xmlns:a16="http://schemas.microsoft.com/office/drawing/2014/main" val="2887982105"/>
+                  </a:ext>
+                </a:extLst>
+              </a:tr>
+              <a:tr h="454952">
+                <a:tc>
+                  <a:txBody>
+                    <a:bodyPr/>
+                    <a:lstStyle/>
+                    <a:p>
+                      <a:pPr algn="ctr" fontAlgn="ctr"/>
+                      <a:r>
+                        <a:rPr lang="en-US" altLang="ko-KR" sz="1100" u="none" strike="noStrike" dirty="0">
+                          <a:effectLst/>
+                          <a:latin typeface="+mn-ea"/>
+                          <a:ea typeface="+mn-ea"/>
+                        </a:rPr>
+                        <a:t>8</a:t>
+                      </a:r>
+                      <a:endParaRPr lang="en-US" altLang="ko-KR" sz="1100" b="0" i="0" u="none" strike="noStrike" dirty="0">
+                        <a:solidFill>
+                          <a:srgbClr val="000000"/>
+                        </a:solidFill>
+                        <a:effectLst/>
+                        <a:latin typeface="+mn-ea"/>
+                        <a:ea typeface="+mn-ea"/>
+                      </a:endParaRPr>
+                    </a:p>
+                  </a:txBody>
+                  <a:tcPr marL="6155" marR="6155" marT="6155" marB="0" anchor="ctr">
+                    <a:noFill/>
+                  </a:tcPr>
+                </a:tc>
+                <a:tc>
+                  <a:txBody>
+                    <a:bodyPr/>
+                    <a:lstStyle/>
+                    <a:p>
+                      <a:pPr algn="ctr" fontAlgn="ctr"/>
+                      <a:r>
+                        <a:rPr lang="en-US" sz="1100" b="0" i="0" u="none" strike="noStrike" dirty="0">
+                          <a:solidFill>
+                            <a:srgbClr val="000000"/>
+                          </a:solidFill>
+                          <a:effectLst/>
+                          <a:latin typeface="+mn-ea"/>
+                          <a:ea typeface="+mn-ea"/>
+                        </a:rPr>
+                        <a:t>itemImageName1</a:t>
+                      </a:r>
+                    </a:p>
+                  </a:txBody>
+                  <a:tcPr marL="6155" marR="6155" marT="6155" marB="0" anchor="ctr">
+                    <a:noFill/>
+                  </a:tcPr>
+                </a:tc>
+                <a:tc>
+                  <a:txBody>
+                    <a:bodyPr/>
+                    <a:lstStyle/>
+                    <a:p>
+                      <a:pPr algn="ctr" fontAlgn="ctr"/>
+                      <a:r>
+                        <a:rPr lang="en-US" sz="1100" b="0" i="0" u="none" strike="noStrike" dirty="0">
+                          <a:solidFill>
+                            <a:srgbClr val="000000"/>
+                          </a:solidFill>
+                          <a:effectLst/>
+                          <a:latin typeface="+mn-ea"/>
+                          <a:ea typeface="+mn-ea"/>
+                        </a:rPr>
+                        <a:t>Varchar(100)</a:t>
+                      </a:r>
+                    </a:p>
+                  </a:txBody>
+                  <a:tcPr marL="6155" marR="6155" marT="6155" marB="0" anchor="ctr">
+                    <a:noFill/>
+                  </a:tcPr>
+                </a:tc>
+                <a:tc>
+                  <a:txBody>
+                    <a:bodyPr/>
+                    <a:lstStyle/>
+                    <a:p>
+                      <a:pPr marL="0" marR="0" lvl="0" indent="0" algn="ctr" defTabSz="914400" rtl="0" eaLnBrk="1" fontAlgn="ctr" latinLnBrk="1" hangingPunct="1">
+                        <a:lnSpc>
+                          <a:spcPct val="100000"/>
+                        </a:lnSpc>
+                        <a:spcBef>
+                          <a:spcPts val="0"/>
+                        </a:spcBef>
+                        <a:spcAft>
+                          <a:spcPts val="0"/>
+                        </a:spcAft>
+                        <a:buClrTx/>
+                        <a:buSzTx/>
+                        <a:buFontTx/>
+                        <a:buNone/>
+                        <a:tabLst/>
+                        <a:defRPr/>
+                      </a:pPr>
+                      <a:r>
+                        <a:rPr kumimoji="0" lang="en-US" altLang="ko-KR" sz="1100" b="0" i="0" u="none" strike="noStrike" kern="1200" cap="none" spc="0" normalizeH="0" baseline="0" noProof="0" dirty="0">
+                          <a:ln>
+                            <a:noFill/>
+                          </a:ln>
+                          <a:solidFill>
+                            <a:srgbClr val="000000"/>
+                          </a:solidFill>
+                          <a:effectLst/>
+                          <a:uLnTx/>
+                          <a:uFillTx/>
+                          <a:latin typeface="맑은 고딕" panose="020B0503020000020004" pitchFamily="50" charset="-127"/>
+                          <a:ea typeface="맑은 고딕" panose="020B0503020000020004" pitchFamily="50" charset="-127"/>
+                          <a:cs typeface="+mn-cs"/>
+                        </a:rPr>
+                        <a:t>N.N</a:t>
+                      </a:r>
+                    </a:p>
+                  </a:txBody>
+                  <a:tcPr marL="6155" marR="6155" marT="6155" marB="0" anchor="ctr">
+                    <a:noFill/>
+                  </a:tcPr>
+                </a:tc>
+                <a:tc>
+                  <a:txBody>
+                    <a:bodyPr/>
+                    <a:lstStyle/>
+                    <a:p>
+                      <a:pPr algn="ctr" fontAlgn="ctr"/>
+                      <a:endParaRPr lang="en-US" altLang="ko-KR" sz="1100" b="0" i="0" u="none" strike="noStrike" dirty="0">
+                        <a:solidFill>
+                          <a:srgbClr val="000000"/>
+                        </a:solidFill>
+                        <a:effectLst/>
+                        <a:latin typeface="+mn-ea"/>
+                        <a:ea typeface="+mn-ea"/>
+                      </a:endParaRPr>
+                    </a:p>
+                  </a:txBody>
+                  <a:tcPr marL="6155" marR="6155" marT="6155" marB="0" anchor="ctr">
+                    <a:noFill/>
+                  </a:tcPr>
+                </a:tc>
+                <a:tc>
+                  <a:txBody>
+                    <a:bodyPr/>
+                    <a:lstStyle/>
+                    <a:p>
+                      <a:pPr algn="ctr" fontAlgn="ctr"/>
+                      <a:endParaRPr lang="en-US" altLang="ko-KR" sz="1100" b="0" i="0" u="none" strike="noStrike" dirty="0">
+                        <a:solidFill>
+                          <a:srgbClr val="000000"/>
+                        </a:solidFill>
+                        <a:effectLst/>
+                        <a:latin typeface="+mn-ea"/>
+                        <a:ea typeface="+mn-ea"/>
+                      </a:endParaRPr>
+                    </a:p>
+                  </a:txBody>
+                  <a:tcPr marL="6155" marR="6155" marT="6155" marB="0" anchor="ctr">
+                    <a:noFill/>
+                  </a:tcPr>
+                </a:tc>
+                <a:tc>
+                  <a:txBody>
+                    <a:bodyPr/>
+                    <a:lstStyle/>
+                    <a:p>
+                      <a:pPr algn="ctr" fontAlgn="ctr"/>
+                      <a:endParaRPr lang="en-US" altLang="ko-KR" sz="1100" b="0" i="0" u="none" strike="noStrike" dirty="0">
+                        <a:solidFill>
+                          <a:srgbClr val="000000"/>
+                        </a:solidFill>
+                        <a:effectLst/>
+                        <a:latin typeface="+mn-ea"/>
+                        <a:ea typeface="+mn-ea"/>
+                      </a:endParaRPr>
+                    </a:p>
+                  </a:txBody>
+                  <a:tcPr marL="6155" marR="6155" marT="6155" marB="0" anchor="ctr">
+                    <a:noFill/>
+                  </a:tcPr>
+                </a:tc>
+                <a:tc>
+                  <a:txBody>
+                    <a:bodyPr/>
+                    <a:lstStyle/>
+                    <a:p>
+                      <a:pPr algn="ctr" fontAlgn="ctr"/>
+                      <a:r>
+                        <a:rPr lang="ko-KR" altLang="en-US" sz="1100" b="0" i="0" u="none" strike="noStrike" dirty="0">
+                          <a:solidFill>
+                            <a:srgbClr val="000000"/>
+                          </a:solidFill>
+                          <a:effectLst/>
+                          <a:latin typeface="+mn-ea"/>
+                          <a:ea typeface="+mn-ea"/>
+                        </a:rPr>
+                        <a:t>상품 사진 이름</a:t>
+                      </a:r>
+                    </a:p>
+                  </a:txBody>
+                  <a:tcPr marL="6155" marR="6155" marT="6155" marB="0" anchor="ctr">
+                    <a:noFill/>
+                  </a:tcPr>
+                </a:tc>
+                <a:extLst>
+                  <a:ext uri="{0D108BD9-81ED-4DB2-BD59-A6C34878D82A}">
+                    <a16:rowId xmlns:a16="http://schemas.microsoft.com/office/drawing/2014/main" val="2697445741"/>
+                  </a:ext>
+                </a:extLst>
+              </a:tr>
+              <a:tr h="454952">
+                <a:tc>
+                  <a:txBody>
+                    <a:bodyPr/>
+                    <a:lstStyle/>
+                    <a:p>
+                      <a:pPr algn="ctr" fontAlgn="ctr"/>
+                      <a:r>
+                        <a:rPr lang="en-US" altLang="ko-KR" sz="1100" u="none" strike="noStrike" dirty="0">
+                          <a:effectLst/>
+                          <a:latin typeface="+mn-ea"/>
+                          <a:ea typeface="+mn-ea"/>
+                        </a:rPr>
+                        <a:t>9</a:t>
+                      </a:r>
+                      <a:endParaRPr lang="en-US" altLang="ko-KR" sz="1100" b="0" i="0" u="none" strike="noStrike" dirty="0">
+                        <a:solidFill>
+                          <a:srgbClr val="000000"/>
+                        </a:solidFill>
+                        <a:effectLst/>
+                        <a:latin typeface="+mn-ea"/>
+                        <a:ea typeface="+mn-ea"/>
+                      </a:endParaRPr>
+                    </a:p>
+                  </a:txBody>
+                  <a:tcPr marL="6155" marR="6155" marT="6155" marB="0" anchor="ctr">
+                    <a:noFill/>
+                  </a:tcPr>
+                </a:tc>
+                <a:tc>
+                  <a:txBody>
+                    <a:bodyPr/>
+                    <a:lstStyle/>
+                    <a:p>
+                      <a:pPr algn="ctr" fontAlgn="ctr"/>
+                      <a:r>
+                        <a:rPr lang="en-US" sz="1100" b="0" i="0" u="none" strike="noStrike" dirty="0" err="1">
+                          <a:solidFill>
+                            <a:srgbClr val="000000"/>
+                          </a:solidFill>
+                          <a:effectLst/>
+                          <a:latin typeface="+mn-ea"/>
+                          <a:ea typeface="+mn-ea"/>
+                        </a:rPr>
+                        <a:t>itemDelivary</a:t>
+                      </a:r>
+                      <a:endParaRPr lang="en-US" sz="1100" b="0" i="0" u="none" strike="noStrike" dirty="0">
+                        <a:solidFill>
+                          <a:srgbClr val="000000"/>
+                        </a:solidFill>
+                        <a:effectLst/>
+                        <a:latin typeface="+mn-ea"/>
+                        <a:ea typeface="+mn-ea"/>
+                      </a:endParaRPr>
+                    </a:p>
+                  </a:txBody>
+                  <a:tcPr marL="6155" marR="6155" marT="6155" marB="0" anchor="ctr">
+                    <a:noFill/>
+                  </a:tcPr>
+                </a:tc>
+                <a:tc>
+                  <a:txBody>
+                    <a:bodyPr/>
+                    <a:lstStyle/>
+                    <a:p>
+                      <a:pPr algn="ctr" fontAlgn="ctr"/>
+                      <a:r>
+                        <a:rPr lang="en-US" sz="1100" b="0" i="0" u="none" strike="noStrike" dirty="0">
+                          <a:solidFill>
+                            <a:srgbClr val="000000"/>
+                          </a:solidFill>
+                          <a:effectLst/>
+                          <a:latin typeface="+mn-ea"/>
+                          <a:ea typeface="+mn-ea"/>
+                        </a:rPr>
+                        <a:t>Int</a:t>
+                      </a:r>
                     </a:p>
                   </a:txBody>
                   <a:tcPr marL="6155" marR="6155" marT="6155" marB="0" anchor="ctr">
@@ -16312,605 +14358,28 @@
                     <a:lstStyle/>
                     <a:p>
                       <a:pPr algn="ctr" fontAlgn="ctr"/>
-                      <a:endParaRPr lang="ko-KR" altLang="en-US" sz="1100" b="0" i="0" u="none" strike="noStrike" dirty="0">
-                        <a:solidFill>
-                          <a:srgbClr val="000000"/>
-                        </a:solidFill>
-                        <a:effectLst/>
-                        <a:latin typeface="+mn-ea"/>
-                        <a:ea typeface="+mn-ea"/>
-                      </a:endParaRPr>
-                    </a:p>
-                  </a:txBody>
-                  <a:tcPr marL="6155" marR="6155" marT="6155" marB="0" anchor="ctr">
-                    <a:noFill/>
-                  </a:tcPr>
-                </a:tc>
-                <a:extLst>
-                  <a:ext uri="{0D108BD9-81ED-4DB2-BD59-A6C34878D82A}">
-                    <a16:rowId xmlns:a16="http://schemas.microsoft.com/office/drawing/2014/main" val="3866851685"/>
-                  </a:ext>
-                </a:extLst>
-              </a:tr>
-              <a:tr h="454952">
-                <a:tc>
-                  <a:txBody>
-                    <a:bodyPr/>
-                    <a:lstStyle/>
-                    <a:p>
-                      <a:pPr algn="ctr" fontAlgn="ctr"/>
-                      <a:r>
-                        <a:rPr lang="en-US" altLang="ko-KR" sz="1100" u="none" strike="noStrike" dirty="0">
-                          <a:effectLst/>
-                          <a:latin typeface="+mn-ea"/>
-                          <a:ea typeface="+mn-ea"/>
-                        </a:rPr>
-                        <a:t>6</a:t>
-                      </a:r>
-                      <a:endParaRPr lang="en-US" altLang="ko-KR" sz="1100" b="0" i="0" u="none" strike="noStrike" dirty="0">
-                        <a:solidFill>
-                          <a:srgbClr val="000000"/>
-                        </a:solidFill>
-                        <a:effectLst/>
-                        <a:latin typeface="+mn-ea"/>
-                        <a:ea typeface="+mn-ea"/>
-                      </a:endParaRPr>
-                    </a:p>
-                  </a:txBody>
-                  <a:tcPr marL="6155" marR="6155" marT="6155" marB="0" anchor="ctr">
-                    <a:noFill/>
-                  </a:tcPr>
-                </a:tc>
-                <a:tc>
-                  <a:txBody>
-                    <a:bodyPr/>
-                    <a:lstStyle/>
-                    <a:p>
-                      <a:pPr algn="ctr" fontAlgn="ctr"/>
-                      <a:endParaRPr lang="en-US" sz="1100" b="0" i="0" u="none" strike="noStrike" dirty="0">
-                        <a:solidFill>
-                          <a:srgbClr val="000000"/>
-                        </a:solidFill>
-                        <a:effectLst/>
-                        <a:latin typeface="+mn-ea"/>
-                        <a:ea typeface="+mn-ea"/>
-                      </a:endParaRPr>
-                    </a:p>
-                  </a:txBody>
-                  <a:tcPr marL="6155" marR="6155" marT="6155" marB="0" anchor="ctr">
-                    <a:noFill/>
-                  </a:tcPr>
-                </a:tc>
-                <a:tc>
-                  <a:txBody>
-                    <a:bodyPr/>
-                    <a:lstStyle/>
-                    <a:p>
-                      <a:pPr algn="ctr" fontAlgn="ctr"/>
-                      <a:endParaRPr lang="en-US" sz="1100" b="0" i="0" u="none" strike="noStrike" dirty="0">
-                        <a:solidFill>
-                          <a:srgbClr val="000000"/>
-                        </a:solidFill>
-                        <a:effectLst/>
-                        <a:latin typeface="+mn-ea"/>
-                        <a:ea typeface="+mn-ea"/>
-                      </a:endParaRPr>
-                    </a:p>
-                  </a:txBody>
-                  <a:tcPr marL="6155" marR="6155" marT="6155" marB="0" anchor="ctr">
-                    <a:noFill/>
-                  </a:tcPr>
-                </a:tc>
-                <a:tc>
-                  <a:txBody>
-                    <a:bodyPr/>
-                    <a:lstStyle/>
-                    <a:p>
-                      <a:pPr marL="0" marR="0" lvl="0" indent="0" algn="ctr" defTabSz="914400" rtl="0" eaLnBrk="1" fontAlgn="ctr" latinLnBrk="1" hangingPunct="1">
-                        <a:lnSpc>
-                          <a:spcPct val="100000"/>
-                        </a:lnSpc>
-                        <a:spcBef>
-                          <a:spcPts val="0"/>
-                        </a:spcBef>
-                        <a:spcAft>
-                          <a:spcPts val="0"/>
-                        </a:spcAft>
-                        <a:buClrTx/>
-                        <a:buSzTx/>
-                        <a:buFontTx/>
-                        <a:buNone/>
-                        <a:tabLst/>
-                        <a:defRPr/>
-                      </a:pPr>
-                      <a:endParaRPr kumimoji="0" lang="en-US" altLang="ko-KR" sz="1100" b="0" i="0" u="none" strike="noStrike" kern="1200" cap="none" spc="0" normalizeH="0" baseline="0" noProof="0" dirty="0">
-                        <a:ln>
-                          <a:noFill/>
-                        </a:ln>
-                        <a:solidFill>
-                          <a:srgbClr val="000000"/>
-                        </a:solidFill>
-                        <a:effectLst/>
-                        <a:uLnTx/>
-                        <a:uFillTx/>
-                        <a:latin typeface="맑은 고딕" panose="020B0503020000020004" pitchFamily="50" charset="-127"/>
-                        <a:ea typeface="맑은 고딕" panose="020B0503020000020004" pitchFamily="50" charset="-127"/>
-                        <a:cs typeface="+mn-cs"/>
-                      </a:endParaRPr>
-                    </a:p>
-                  </a:txBody>
-                  <a:tcPr marL="6155" marR="6155" marT="6155" marB="0" anchor="ctr">
-                    <a:noFill/>
-                  </a:tcPr>
-                </a:tc>
-                <a:tc>
-                  <a:txBody>
-                    <a:bodyPr/>
-                    <a:lstStyle/>
-                    <a:p>
-                      <a:pPr algn="ctr" fontAlgn="ctr"/>
-                      <a:endParaRPr lang="en-US" altLang="ko-KR" sz="1100" b="0" i="0" u="none" strike="noStrike" dirty="0">
-                        <a:solidFill>
-                          <a:srgbClr val="000000"/>
-                        </a:solidFill>
-                        <a:effectLst/>
-                        <a:latin typeface="+mn-ea"/>
-                        <a:ea typeface="+mn-ea"/>
-                      </a:endParaRPr>
-                    </a:p>
-                  </a:txBody>
-                  <a:tcPr marL="6155" marR="6155" marT="6155" marB="0" anchor="ctr">
-                    <a:noFill/>
-                  </a:tcPr>
-                </a:tc>
-                <a:tc>
-                  <a:txBody>
-                    <a:bodyPr/>
-                    <a:lstStyle/>
-                    <a:p>
-                      <a:pPr algn="ctr" fontAlgn="ctr"/>
-                      <a:endParaRPr lang="en-US" altLang="ko-KR" sz="1100" b="0" i="0" u="none" strike="noStrike" dirty="0">
-                        <a:solidFill>
-                          <a:srgbClr val="000000"/>
-                        </a:solidFill>
-                        <a:effectLst/>
-                        <a:latin typeface="+mn-ea"/>
-                        <a:ea typeface="+mn-ea"/>
-                      </a:endParaRPr>
-                    </a:p>
-                  </a:txBody>
-                  <a:tcPr marL="6155" marR="6155" marT="6155" marB="0" anchor="ctr">
-                    <a:noFill/>
-                  </a:tcPr>
-                </a:tc>
-                <a:tc>
-                  <a:txBody>
-                    <a:bodyPr/>
-                    <a:lstStyle/>
-                    <a:p>
-                      <a:pPr algn="ctr" fontAlgn="ctr"/>
-                      <a:endParaRPr lang="en-US" altLang="ko-KR" sz="1100" b="0" i="0" u="none" strike="noStrike" dirty="0">
-                        <a:solidFill>
-                          <a:srgbClr val="000000"/>
-                        </a:solidFill>
-                        <a:effectLst/>
-                        <a:latin typeface="+mn-ea"/>
-                        <a:ea typeface="+mn-ea"/>
-                      </a:endParaRPr>
-                    </a:p>
-                  </a:txBody>
-                  <a:tcPr marL="6155" marR="6155" marT="6155" marB="0" anchor="ctr">
-                    <a:noFill/>
-                  </a:tcPr>
-                </a:tc>
-                <a:tc>
-                  <a:txBody>
-                    <a:bodyPr/>
-                    <a:lstStyle/>
-                    <a:p>
-                      <a:pPr algn="ctr" fontAlgn="ctr"/>
-                      <a:endParaRPr lang="ko-KR" altLang="en-US" sz="1100" b="0" i="0" u="none" strike="noStrike" dirty="0">
-                        <a:solidFill>
-                          <a:srgbClr val="000000"/>
-                        </a:solidFill>
-                        <a:effectLst/>
-                        <a:latin typeface="+mn-ea"/>
-                        <a:ea typeface="+mn-ea"/>
-                      </a:endParaRPr>
-                    </a:p>
-                  </a:txBody>
-                  <a:tcPr marL="6155" marR="6155" marT="6155" marB="0" anchor="ctr">
-                    <a:noFill/>
-                  </a:tcPr>
-                </a:tc>
-                <a:extLst>
-                  <a:ext uri="{0D108BD9-81ED-4DB2-BD59-A6C34878D82A}">
-                    <a16:rowId xmlns:a16="http://schemas.microsoft.com/office/drawing/2014/main" val="2887982105"/>
-                  </a:ext>
-                </a:extLst>
-              </a:tr>
-              <a:tr h="454952">
-                <a:tc>
-                  <a:txBody>
-                    <a:bodyPr/>
-                    <a:lstStyle/>
-                    <a:p>
-                      <a:pPr algn="ctr" fontAlgn="ctr"/>
-                      <a:r>
-                        <a:rPr lang="en-US" altLang="ko-KR" sz="1100" u="none" strike="noStrike" dirty="0">
-                          <a:effectLst/>
-                          <a:latin typeface="+mn-ea"/>
-                          <a:ea typeface="+mn-ea"/>
-                        </a:rPr>
-                        <a:t>8</a:t>
-                      </a:r>
-                      <a:endParaRPr lang="en-US" altLang="ko-KR" sz="1100" b="0" i="0" u="none" strike="noStrike" dirty="0">
-                        <a:solidFill>
-                          <a:srgbClr val="000000"/>
-                        </a:solidFill>
-                        <a:effectLst/>
-                        <a:latin typeface="+mn-ea"/>
-                        <a:ea typeface="+mn-ea"/>
-                      </a:endParaRPr>
-                    </a:p>
-                  </a:txBody>
-                  <a:tcPr marL="6155" marR="6155" marT="6155" marB="0" anchor="ctr">
-                    <a:noFill/>
-                  </a:tcPr>
-                </a:tc>
-                <a:tc>
-                  <a:txBody>
-                    <a:bodyPr/>
-                    <a:lstStyle/>
-                    <a:p>
-                      <a:pPr algn="ctr" fontAlgn="ctr"/>
-                      <a:endParaRPr lang="en-US" sz="1100" b="0" i="0" u="none" strike="noStrike" dirty="0">
-                        <a:solidFill>
-                          <a:srgbClr val="000000"/>
-                        </a:solidFill>
-                        <a:effectLst/>
-                        <a:latin typeface="+mn-ea"/>
-                        <a:ea typeface="+mn-ea"/>
-                      </a:endParaRPr>
-                    </a:p>
-                  </a:txBody>
-                  <a:tcPr marL="6155" marR="6155" marT="6155" marB="0" anchor="ctr">
-                    <a:noFill/>
-                  </a:tcPr>
-                </a:tc>
-                <a:tc>
-                  <a:txBody>
-                    <a:bodyPr/>
-                    <a:lstStyle/>
-                    <a:p>
-                      <a:pPr algn="ctr" fontAlgn="ctr"/>
-                      <a:endParaRPr lang="en-US" sz="1100" b="0" i="0" u="none" strike="noStrike" dirty="0">
-                        <a:solidFill>
-                          <a:srgbClr val="000000"/>
-                        </a:solidFill>
-                        <a:effectLst/>
-                        <a:latin typeface="+mn-ea"/>
-                        <a:ea typeface="+mn-ea"/>
-                      </a:endParaRPr>
-                    </a:p>
-                  </a:txBody>
-                  <a:tcPr marL="6155" marR="6155" marT="6155" marB="0" anchor="ctr">
-                    <a:noFill/>
-                  </a:tcPr>
-                </a:tc>
-                <a:tc>
-                  <a:txBody>
-                    <a:bodyPr/>
-                    <a:lstStyle/>
-                    <a:p>
-                      <a:pPr marL="0" marR="0" lvl="0" indent="0" algn="ctr" defTabSz="914400" rtl="0" eaLnBrk="1" fontAlgn="ctr" latinLnBrk="1" hangingPunct="1">
-                        <a:lnSpc>
-                          <a:spcPct val="100000"/>
-                        </a:lnSpc>
-                        <a:spcBef>
-                          <a:spcPts val="0"/>
-                        </a:spcBef>
-                        <a:spcAft>
-                          <a:spcPts val="0"/>
-                        </a:spcAft>
-                        <a:buClrTx/>
-                        <a:buSzTx/>
-                        <a:buFontTx/>
-                        <a:buNone/>
-                        <a:tabLst/>
-                        <a:defRPr/>
-                      </a:pPr>
-                      <a:endParaRPr kumimoji="0" lang="en-US" altLang="ko-KR" sz="1100" b="0" i="0" u="none" strike="noStrike" kern="1200" cap="none" spc="0" normalizeH="0" baseline="0" noProof="0" dirty="0">
-                        <a:ln>
-                          <a:noFill/>
-                        </a:ln>
-                        <a:solidFill>
-                          <a:srgbClr val="000000"/>
-                        </a:solidFill>
-                        <a:effectLst/>
-                        <a:uLnTx/>
-                        <a:uFillTx/>
-                        <a:latin typeface="맑은 고딕" panose="020B0503020000020004" pitchFamily="50" charset="-127"/>
-                        <a:ea typeface="맑은 고딕" panose="020B0503020000020004" pitchFamily="50" charset="-127"/>
-                        <a:cs typeface="+mn-cs"/>
-                      </a:endParaRPr>
-                    </a:p>
-                  </a:txBody>
-                  <a:tcPr marL="6155" marR="6155" marT="6155" marB="0" anchor="ctr">
-                    <a:noFill/>
-                  </a:tcPr>
-                </a:tc>
-                <a:tc>
-                  <a:txBody>
-                    <a:bodyPr/>
-                    <a:lstStyle/>
-                    <a:p>
-                      <a:pPr algn="ctr" fontAlgn="ctr"/>
-                      <a:endParaRPr lang="en-US" altLang="ko-KR" sz="1100" b="0" i="0" u="none" strike="noStrike">
-                        <a:solidFill>
-                          <a:srgbClr val="000000"/>
-                        </a:solidFill>
-                        <a:effectLst/>
-                        <a:latin typeface="+mn-ea"/>
-                        <a:ea typeface="+mn-ea"/>
-                      </a:endParaRPr>
-                    </a:p>
-                  </a:txBody>
-                  <a:tcPr marL="6155" marR="6155" marT="6155" marB="0" anchor="ctr">
-                    <a:noFill/>
-                  </a:tcPr>
-                </a:tc>
-                <a:tc>
-                  <a:txBody>
-                    <a:bodyPr/>
-                    <a:lstStyle/>
-                    <a:p>
-                      <a:pPr algn="ctr" fontAlgn="ctr"/>
-                      <a:endParaRPr lang="en-US" altLang="ko-KR" sz="1100" b="0" i="0" u="none" strike="noStrike">
-                        <a:solidFill>
-                          <a:srgbClr val="000000"/>
-                        </a:solidFill>
-                        <a:effectLst/>
-                        <a:latin typeface="+mn-ea"/>
-                        <a:ea typeface="+mn-ea"/>
-                      </a:endParaRPr>
-                    </a:p>
-                  </a:txBody>
-                  <a:tcPr marL="6155" marR="6155" marT="6155" marB="0" anchor="ctr">
-                    <a:noFill/>
-                  </a:tcPr>
-                </a:tc>
-                <a:tc>
-                  <a:txBody>
-                    <a:bodyPr/>
-                    <a:lstStyle/>
-                    <a:p>
-                      <a:pPr algn="ctr" fontAlgn="ctr"/>
-                      <a:endParaRPr lang="en-US" altLang="ko-KR" sz="1100" b="0" i="0" u="none" strike="noStrike">
-                        <a:solidFill>
-                          <a:srgbClr val="000000"/>
-                        </a:solidFill>
-                        <a:effectLst/>
-                        <a:latin typeface="+mn-ea"/>
-                        <a:ea typeface="+mn-ea"/>
-                      </a:endParaRPr>
-                    </a:p>
-                  </a:txBody>
-                  <a:tcPr marL="6155" marR="6155" marT="6155" marB="0" anchor="ctr">
-                    <a:noFill/>
-                  </a:tcPr>
-                </a:tc>
-                <a:tc>
-                  <a:txBody>
-                    <a:bodyPr/>
-                    <a:lstStyle/>
-                    <a:p>
-                      <a:pPr algn="ctr" fontAlgn="ctr"/>
-                      <a:endParaRPr lang="ko-KR" altLang="en-US" sz="1100" b="0" i="0" u="none" strike="noStrike" dirty="0">
-                        <a:solidFill>
-                          <a:srgbClr val="000000"/>
-                        </a:solidFill>
-                        <a:effectLst/>
-                        <a:latin typeface="+mn-ea"/>
-                        <a:ea typeface="+mn-ea"/>
-                      </a:endParaRPr>
-                    </a:p>
-                  </a:txBody>
-                  <a:tcPr marL="6155" marR="6155" marT="6155" marB="0" anchor="ctr">
-                    <a:noFill/>
-                  </a:tcPr>
-                </a:tc>
-                <a:extLst>
-                  <a:ext uri="{0D108BD9-81ED-4DB2-BD59-A6C34878D82A}">
-                    <a16:rowId xmlns:a16="http://schemas.microsoft.com/office/drawing/2014/main" val="2697445741"/>
-                  </a:ext>
-                </a:extLst>
-              </a:tr>
-              <a:tr h="454952">
-                <a:tc>
-                  <a:txBody>
-                    <a:bodyPr/>
-                    <a:lstStyle/>
-                    <a:p>
-                      <a:pPr algn="ctr" fontAlgn="ctr"/>
-                      <a:r>
-                        <a:rPr lang="en-US" altLang="ko-KR" sz="1100" u="none" strike="noStrike">
-                          <a:effectLst/>
-                          <a:latin typeface="+mn-ea"/>
-                          <a:ea typeface="+mn-ea"/>
-                        </a:rPr>
-                        <a:t>9</a:t>
-                      </a:r>
-                      <a:endParaRPr lang="en-US" altLang="ko-KR" sz="1100" b="0" i="0" u="none" strike="noStrike">
-                        <a:solidFill>
-                          <a:srgbClr val="000000"/>
-                        </a:solidFill>
-                        <a:effectLst/>
-                        <a:latin typeface="+mn-ea"/>
-                        <a:ea typeface="+mn-ea"/>
-                      </a:endParaRPr>
-                    </a:p>
-                  </a:txBody>
-                  <a:tcPr marL="6155" marR="6155" marT="6155" marB="0" anchor="ctr">
-                    <a:noFill/>
-                  </a:tcPr>
-                </a:tc>
-                <a:tc>
-                  <a:txBody>
-                    <a:bodyPr/>
-                    <a:lstStyle/>
-                    <a:p>
-                      <a:pPr algn="ctr" fontAlgn="ctr"/>
-                      <a:endParaRPr lang="en-US" sz="1100" b="0" i="0" u="none" strike="noStrike">
-                        <a:solidFill>
-                          <a:srgbClr val="000000"/>
-                        </a:solidFill>
-                        <a:effectLst/>
-                        <a:latin typeface="+mn-ea"/>
-                        <a:ea typeface="+mn-ea"/>
-                      </a:endParaRPr>
-                    </a:p>
-                  </a:txBody>
-                  <a:tcPr marL="6155" marR="6155" marT="6155" marB="0" anchor="ctr">
-                    <a:noFill/>
-                  </a:tcPr>
-                </a:tc>
-                <a:tc>
-                  <a:txBody>
-                    <a:bodyPr/>
-                    <a:lstStyle/>
-                    <a:p>
-                      <a:pPr algn="ctr" fontAlgn="ctr"/>
-                      <a:endParaRPr lang="en-US" sz="1100" b="0" i="0" u="none" strike="noStrike">
-                        <a:solidFill>
-                          <a:srgbClr val="000000"/>
-                        </a:solidFill>
-                        <a:effectLst/>
-                        <a:latin typeface="+mn-ea"/>
-                        <a:ea typeface="+mn-ea"/>
-                      </a:endParaRPr>
-                    </a:p>
-                  </a:txBody>
-                  <a:tcPr marL="6155" marR="6155" marT="6155" marB="0" anchor="ctr">
-                    <a:noFill/>
-                  </a:tcPr>
-                </a:tc>
-                <a:tc>
-                  <a:txBody>
-                    <a:bodyPr/>
-                    <a:lstStyle/>
-                    <a:p>
-                      <a:pPr marL="0" marR="0" lvl="0" indent="0" algn="ctr" defTabSz="914400" rtl="0" eaLnBrk="1" fontAlgn="ctr" latinLnBrk="1" hangingPunct="1">
-                        <a:lnSpc>
-                          <a:spcPct val="100000"/>
-                        </a:lnSpc>
-                        <a:spcBef>
-                          <a:spcPts val="0"/>
-                        </a:spcBef>
-                        <a:spcAft>
-                          <a:spcPts val="0"/>
-                        </a:spcAft>
-                        <a:buClrTx/>
-                        <a:buSzTx/>
-                        <a:buFontTx/>
-                        <a:buNone/>
-                        <a:tabLst/>
-                        <a:defRPr/>
-                      </a:pPr>
-                      <a:endParaRPr kumimoji="0" lang="en-US" altLang="ko-KR" sz="1100" b="0" i="0" u="none" strike="noStrike" kern="1200" cap="none" spc="0" normalizeH="0" baseline="0" noProof="0" dirty="0">
-                        <a:ln>
-                          <a:noFill/>
-                        </a:ln>
-                        <a:solidFill>
-                          <a:srgbClr val="000000"/>
-                        </a:solidFill>
-                        <a:effectLst/>
-                        <a:uLnTx/>
-                        <a:uFillTx/>
-                        <a:latin typeface="맑은 고딕" panose="020B0503020000020004" pitchFamily="50" charset="-127"/>
-                        <a:ea typeface="맑은 고딕" panose="020B0503020000020004" pitchFamily="50" charset="-127"/>
-                        <a:cs typeface="+mn-cs"/>
-                      </a:endParaRPr>
-                    </a:p>
-                  </a:txBody>
-                  <a:tcPr marL="6155" marR="6155" marT="6155" marB="0" anchor="ctr">
-                    <a:noFill/>
-                  </a:tcPr>
-                </a:tc>
-                <a:tc>
-                  <a:txBody>
-                    <a:bodyPr/>
-                    <a:lstStyle/>
-                    <a:p>
-                      <a:pPr algn="ctr" fontAlgn="ctr"/>
-                      <a:endParaRPr lang="en-US" altLang="ko-KR" sz="1100" b="0" i="0" u="none" strike="noStrike">
-                        <a:solidFill>
-                          <a:srgbClr val="000000"/>
-                        </a:solidFill>
-                        <a:effectLst/>
-                        <a:latin typeface="+mn-ea"/>
-                        <a:ea typeface="+mn-ea"/>
-                      </a:endParaRPr>
-                    </a:p>
-                  </a:txBody>
-                  <a:tcPr marL="6155" marR="6155" marT="6155" marB="0" anchor="ctr">
-                    <a:noFill/>
-                  </a:tcPr>
-                </a:tc>
-                <a:tc>
-                  <a:txBody>
-                    <a:bodyPr/>
-                    <a:lstStyle/>
-                    <a:p>
-                      <a:pPr algn="ctr" fontAlgn="ctr"/>
-                      <a:endParaRPr lang="en-US" altLang="ko-KR" sz="1100" b="0" i="0" u="none" strike="noStrike">
-                        <a:solidFill>
-                          <a:srgbClr val="000000"/>
-                        </a:solidFill>
-                        <a:effectLst/>
-                        <a:latin typeface="+mn-ea"/>
-                        <a:ea typeface="+mn-ea"/>
-                      </a:endParaRPr>
-                    </a:p>
-                  </a:txBody>
-                  <a:tcPr marL="6155" marR="6155" marT="6155" marB="0" anchor="ctr">
-                    <a:noFill/>
-                  </a:tcPr>
-                </a:tc>
-                <a:tc>
-                  <a:txBody>
-                    <a:bodyPr/>
-                    <a:lstStyle/>
-                    <a:p>
-                      <a:pPr algn="ctr" fontAlgn="ctr"/>
-                      <a:endParaRPr lang="en-US" altLang="ko-KR" sz="1100" b="0" i="0" u="none" strike="noStrike">
-                        <a:solidFill>
-                          <a:srgbClr val="000000"/>
-                        </a:solidFill>
-                        <a:effectLst/>
-                        <a:latin typeface="+mn-ea"/>
-                        <a:ea typeface="+mn-ea"/>
-                      </a:endParaRPr>
-                    </a:p>
-                  </a:txBody>
-                  <a:tcPr marL="6155" marR="6155" marT="6155" marB="0" anchor="ctr">
-                    <a:noFill/>
-                  </a:tcPr>
-                </a:tc>
-                <a:tc>
-                  <a:txBody>
-                    <a:bodyPr/>
-                    <a:lstStyle/>
-                    <a:p>
-                      <a:pPr algn="ctr" fontAlgn="ctr"/>
-                      <a:endParaRPr lang="ko-KR" altLang="en-US" sz="1100" b="0" i="0" u="none" strike="noStrike">
-                        <a:solidFill>
-                          <a:srgbClr val="000000"/>
-                        </a:solidFill>
-                        <a:effectLst/>
-                        <a:latin typeface="+mn-ea"/>
-                        <a:ea typeface="+mn-ea"/>
-                      </a:endParaRPr>
+                      <a:r>
+                        <a:rPr lang="ko-KR" altLang="en-US" sz="1100" b="0" i="0" u="none" strike="noStrike" dirty="0" err="1">
+                          <a:solidFill>
+                            <a:srgbClr val="000000"/>
+                          </a:solidFill>
+                          <a:effectLst/>
+                          <a:latin typeface="+mn-ea"/>
+                          <a:ea typeface="+mn-ea"/>
+                        </a:rPr>
+                        <a:t>상풍</a:t>
+                      </a:r>
+                      <a:r>
+                        <a:rPr lang="ko-KR" altLang="en-US" sz="1100" b="0" i="0" u="none" strike="noStrike" dirty="0">
+                          <a:solidFill>
+                            <a:srgbClr val="000000"/>
+                          </a:solidFill>
+                          <a:effectLst/>
+                          <a:latin typeface="+mn-ea"/>
+                          <a:ea typeface="+mn-ea"/>
+                        </a:rPr>
+                        <a:t> 배송비</a:t>
+                      </a:r>
                     </a:p>
                   </a:txBody>
                   <a:tcPr marL="6155" marR="6155" marT="6155" marB="0" anchor="ctr">
@@ -16931,14 +14400,14 @@
                     <a:p>
                       <a:pPr algn="ctr" fontAlgn="ctr"/>
                       <a:r>
-                        <a:rPr lang="en-US" altLang="ko-KR" sz="1100" u="none" strike="noStrike">
+                        <a:rPr lang="en-US" altLang="ko-KR" sz="1100" u="none" strike="noStrike" dirty="0">
                           <a:effectLst/>
                           <a:latin typeface="+mn-ea"/>
                           <a:ea typeface="+mn-ea"/>
                         </a:rPr>
                         <a:t>10</a:t>
                       </a:r>
-                      <a:endParaRPr lang="en-US" altLang="ko-KR" sz="1100" b="0" i="0" u="none" strike="noStrike">
+                      <a:endParaRPr lang="en-US" altLang="ko-KR" sz="1100" b="0" i="0" u="none" strike="noStrike" dirty="0">
                         <a:solidFill>
                           <a:srgbClr val="000000"/>
                         </a:solidFill>
@@ -17198,7 +14667,7 @@
 </p:sld>
 </file>
 
-<file path=ppt/slides/slide7.xml><?xml version="1.0" encoding="utf-8"?>
+<file path=ppt/slides/slide6.xml><?xml version="1.0" encoding="utf-8"?>
 <p:sld xmlns:a="http://schemas.openxmlformats.org/drawingml/2006/main" xmlns:r="http://schemas.openxmlformats.org/officeDocument/2006/relationships" xmlns:p="http://schemas.openxmlformats.org/presentationml/2006/main">
   <p:cSld>
     <p:spTree>
@@ -17296,7 +14765,7 @@
           <p:nvPr>
             <p:extLst>
               <p:ext uri="{D42A27DB-BD31-4B8C-83A1-F6EECF244321}">
-                <p14:modId xmlns:p14="http://schemas.microsoft.com/office/powerpoint/2010/main" val="365977094"/>
+                <p14:modId xmlns:p14="http://schemas.microsoft.com/office/powerpoint/2010/main" val="1394865072"/>
               </p:ext>
             </p:extLst>
           </p:nvPr>
@@ -17964,7 +15433,7 @@
                           <a:latin typeface="+mn-ea"/>
                           <a:ea typeface="+mn-ea"/>
                         </a:rPr>
-                        <a:t>varchar(50)</a:t>
+                        <a:t>varchar(20)</a:t>
                       </a:r>
                     </a:p>
                   </a:txBody>
@@ -18481,7 +15950,7 @@
                           <a:latin typeface="+mn-ea"/>
                           <a:ea typeface="+mn-ea"/>
                         </a:rPr>
-                        <a:t>varchar(50)</a:t>
+                        <a:t>varchar(20)</a:t>
                       </a:r>
                     </a:p>
                     <a:p>
@@ -18706,7 +16175,7 @@
                           <a:latin typeface="+mn-ea"/>
                           <a:ea typeface="+mn-ea"/>
                         </a:rPr>
-                        <a:t>varchar(30)</a:t>
+                        <a:t>varchar(20)</a:t>
                       </a:r>
                       <a:endParaRPr lang="en-US" sz="1100" b="0" i="0" u="none" strike="noStrike" dirty="0">
                         <a:solidFill>
@@ -18936,7 +16405,7 @@
                           <a:latin typeface="+mn-ea"/>
                           <a:ea typeface="+mn-ea"/>
                         </a:rPr>
-                        <a:t>varchar(500)</a:t>
+                        <a:t>varchar(20)</a:t>
                       </a:r>
                     </a:p>
                   </a:txBody>
@@ -19169,7 +16638,7 @@
                           <a:latin typeface="+mn-ea"/>
                           <a:ea typeface="+mn-ea"/>
                         </a:rPr>
-                        <a:t>varchar(500)</a:t>
+                        <a:t>varchar(20)</a:t>
                       </a:r>
                       <a:endParaRPr lang="en-US" sz="1100" b="0" i="0" u="none" strike="noStrike" dirty="0">
                         <a:solidFill>
@@ -19426,7 +16895,7 @@
                           <a:latin typeface="+mn-ea"/>
                           <a:ea typeface="+mn-ea"/>
                         </a:rPr>
-                        <a:t>varchar(500)</a:t>
+                        <a:t>varchar(20)</a:t>
                       </a:r>
                       <a:endParaRPr lang="en-US" sz="1100" b="0" i="0" u="none" strike="noStrike" dirty="0">
                         <a:solidFill>
@@ -19908,7 +17377,7 @@
 </p:sld>
 </file>
 
-<file path=ppt/slides/slide8.xml><?xml version="1.0" encoding="utf-8"?>
+<file path=ppt/slides/slide7.xml><?xml version="1.0" encoding="utf-8"?>
 <p:sld xmlns:a="http://schemas.openxmlformats.org/drawingml/2006/main" xmlns:r="http://schemas.openxmlformats.org/officeDocument/2006/relationships" xmlns:p="http://schemas.openxmlformats.org/presentationml/2006/main">
   <p:cSld>
     <p:spTree>
@@ -20006,7 +17475,7 @@
           <p:nvPr>
             <p:extLst>
               <p:ext uri="{D42A27DB-BD31-4B8C-83A1-F6EECF244321}">
-                <p14:modId xmlns:p14="http://schemas.microsoft.com/office/powerpoint/2010/main" val="11353558"/>
+                <p14:modId xmlns:p14="http://schemas.microsoft.com/office/powerpoint/2010/main" val="3623173204"/>
               </p:ext>
             </p:extLst>
           </p:nvPr>
@@ -21002,27 +18471,8 @@
                           <a:latin typeface="+mn-ea"/>
                           <a:ea typeface="+mn-ea"/>
                         </a:rPr>
-                        <a:t>배송일</a:t>
-                      </a:r>
-                      <a:r>
-                        <a:rPr lang="en-US" altLang="ko-KR" sz="1100" b="0" i="0" u="none" strike="noStrike" dirty="0">
-                          <a:solidFill>
-                            <a:srgbClr val="000000"/>
-                          </a:solidFill>
-                          <a:effectLst/>
-                          <a:latin typeface="+mn-ea"/>
-                          <a:ea typeface="+mn-ea"/>
-                        </a:rPr>
-                        <a:t>?</a:t>
-                      </a:r>
-                      <a:endParaRPr lang="ko-KR" altLang="en-US" sz="1100" b="0" i="0" u="none" strike="noStrike" dirty="0">
-                        <a:solidFill>
-                          <a:srgbClr val="000000"/>
-                        </a:solidFill>
-                        <a:effectLst/>
-                        <a:latin typeface="+mn-ea"/>
-                        <a:ea typeface="+mn-ea"/>
-                      </a:endParaRPr>
+                        <a:t>배송비</a:t>
+                      </a:r>
                     </a:p>
                   </a:txBody>
                   <a:tcPr marL="6155" marR="6155" marT="6155" marB="0" anchor="ctr">
@@ -22452,7 +19902,7 @@
 </p:sld>
 </file>
 
-<file path=ppt/slides/slide9.xml><?xml version="1.0" encoding="utf-8"?>
+<file path=ppt/slides/slide8.xml><?xml version="1.0" encoding="utf-8"?>
 <p:sld xmlns:a="http://schemas.openxmlformats.org/drawingml/2006/main" xmlns:r="http://schemas.openxmlformats.org/officeDocument/2006/relationships" xmlns:p="http://schemas.openxmlformats.org/presentationml/2006/main">
   <p:cSld>
     <p:spTree>
@@ -22550,7 +20000,7 @@
           <p:nvPr>
             <p:extLst>
               <p:ext uri="{D42A27DB-BD31-4B8C-83A1-F6EECF244321}">
-                <p14:modId xmlns:p14="http://schemas.microsoft.com/office/powerpoint/2010/main" val="2488485923"/>
+                <p14:modId xmlns:p14="http://schemas.microsoft.com/office/powerpoint/2010/main" val="3812979286"/>
               </p:ext>
             </p:extLst>
           </p:nvPr>
@@ -23926,7 +21376,7 @@
                           <a:latin typeface="+mn-ea"/>
                           <a:ea typeface="+mn-ea"/>
                         </a:rPr>
-                        <a:t>Varchar(100)</a:t>
+                        <a:t>Varchar(300)</a:t>
                       </a:r>
                       <a:endParaRPr lang="en-US" altLang="ko-KR" sz="1100" b="0" i="0" u="none" strike="noStrike" dirty="0">
                         <a:solidFill>
@@ -24342,7 +21792,7 @@
                     <a:p>
                       <a:pPr algn="ctr" fontAlgn="ctr"/>
                       <a:r>
-                        <a:rPr lang="en-US" sz="1100" b="0" i="0" u="none" strike="noStrike" dirty="0">
+                        <a:rPr lang="en-US" sz="1100" b="0" i="0" u="none" strike="noStrike" dirty="0" err="1">
                           <a:solidFill>
                             <a:srgbClr val="000000"/>
                           </a:solidFill>
@@ -24350,38 +21800,30 @@
                           <a:latin typeface="+mn-ea"/>
                           <a:ea typeface="+mn-ea"/>
                         </a:rPr>
-                        <a:t>commentPhoto1</a:t>
-                      </a:r>
-                    </a:p>
-                  </a:txBody>
-                  <a:tcPr marL="6155" marR="6155" marT="6155" marB="0" anchor="ctr">
-                    <a:noFill/>
-                  </a:tcPr>
-                </a:tc>
-                <a:tc>
-                  <a:txBody>
-                    <a:bodyPr/>
-                    <a:lstStyle/>
-                    <a:p>
-                      <a:pPr marL="0" marR="0" lvl="0" indent="0" algn="ctr" defTabSz="914400" rtl="0" eaLnBrk="1" fontAlgn="ctr" latinLnBrk="1" hangingPunct="1">
-                        <a:lnSpc>
-                          <a:spcPct val="100000"/>
-                        </a:lnSpc>
-                        <a:spcBef>
-                          <a:spcPts val="0"/>
-                        </a:spcBef>
-                        <a:spcAft>
-                          <a:spcPts val="0"/>
-                        </a:spcAft>
-                        <a:buClrTx/>
-                        <a:buSzTx/>
-                        <a:buFontTx/>
-                        <a:buNone/>
-                        <a:tabLst/>
-                        <a:defRPr/>
-                      </a:pPr>
-                      <a:r>
-                        <a:rPr lang="en-US" altLang="ko-KR" sz="1100" b="0" i="0" u="none" strike="noStrike" dirty="0" err="1">
+                        <a:t>commentDate</a:t>
+                      </a:r>
+                      <a:endParaRPr lang="en-US" sz="1100" b="0" i="0" u="none" strike="noStrike" dirty="0">
+                        <a:solidFill>
+                          <a:srgbClr val="000000"/>
+                        </a:solidFill>
+                        <a:effectLst/>
+                        <a:latin typeface="+mn-ea"/>
+                        <a:ea typeface="+mn-ea"/>
+                      </a:endParaRPr>
+                    </a:p>
+                  </a:txBody>
+                  <a:tcPr marL="6155" marR="6155" marT="6155" marB="0" anchor="ctr">
+                    <a:noFill/>
+                  </a:tcPr>
+                </a:tc>
+                <a:tc>
+                  <a:txBody>
+                    <a:bodyPr/>
+                    <a:lstStyle/>
+                    <a:p>
+                      <a:pPr algn="ctr" fontAlgn="ctr"/>
+                      <a:r>
+                        <a:rPr lang="en-US" sz="1100" b="0" i="0" u="none" strike="noStrike" dirty="0" err="1">
                           <a:solidFill>
                             <a:srgbClr val="000000"/>
                           </a:solidFill>
@@ -24389,35 +21831,8 @@
                           <a:latin typeface="+mn-ea"/>
                           <a:ea typeface="+mn-ea"/>
                         </a:rPr>
-                        <a:t>multipartFile</a:t>
-                      </a:r>
-                      <a:endParaRPr lang="en-US" altLang="ko-KR" sz="1100" b="0" i="0" u="none" strike="noStrike" dirty="0">
-                        <a:solidFill>
-                          <a:srgbClr val="000000"/>
-                        </a:solidFill>
-                        <a:effectLst/>
-                        <a:latin typeface="+mn-ea"/>
-                        <a:ea typeface="+mn-ea"/>
-                      </a:endParaRPr>
-                    </a:p>
-                    <a:p>
-                      <a:pPr marL="0" marR="0" lvl="0" indent="0" algn="ctr" defTabSz="914400" rtl="0" eaLnBrk="1" fontAlgn="ctr" latinLnBrk="1" hangingPunct="1">
-                        <a:lnSpc>
-                          <a:spcPct val="100000"/>
-                        </a:lnSpc>
-                        <a:spcBef>
-                          <a:spcPts val="0"/>
-                        </a:spcBef>
-                        <a:spcAft>
-                          <a:spcPts val="0"/>
-                        </a:spcAft>
-                        <a:buClrTx/>
-                        <a:buSzTx/>
-                        <a:buFontTx/>
-                        <a:buNone/>
-                        <a:tabLst/>
-                        <a:defRPr/>
-                      </a:pPr>
+                        <a:t>dateTime</a:t>
+                      </a:r>
                       <a:endParaRPr lang="en-US" sz="1100" b="0" i="0" u="none" strike="noStrike" dirty="0">
                         <a:solidFill>
                           <a:srgbClr val="000000"/>
@@ -24500,7 +21915,7 @@
                     <a:lstStyle/>
                     <a:p>
                       <a:pPr algn="ctr" fontAlgn="ctr"/>
-                      <a:endParaRPr lang="en-US" altLang="ko-KR" sz="1100" b="0" i="0" u="none" strike="noStrike" dirty="0">
+                      <a:endParaRPr lang="en-US" altLang="ko-KR" sz="1100" b="0" i="0" u="none" strike="noStrike">
                         <a:solidFill>
                           <a:srgbClr val="000000"/>
                         </a:solidFill>
@@ -24549,18 +21964,7 @@
                           <a:latin typeface="+mn-ea"/>
                           <a:ea typeface="+mn-ea"/>
                         </a:rPr>
-                        <a:t>댓글사진</a:t>
-                      </a:r>
-                      <a:r>
-                        <a:rPr lang="en-US" altLang="ko-KR" sz="1100" b="0" i="0" u="none" strike="noStrike" dirty="0">
-                          <a:solidFill>
-                            <a:srgbClr val="000000"/>
-                          </a:solidFill>
-                          <a:effectLst/>
-                          <a:latin typeface="+mn-ea"/>
-                          <a:ea typeface="+mn-ea"/>
-                        </a:rPr>
-                        <a:t>1</a:t>
+                        <a:t>댓글작성시간</a:t>
                       </a:r>
                     </a:p>
                   </a:txBody>
@@ -24609,17 +22013,6 @@
                     <a:lstStyle/>
                     <a:p>
                       <a:pPr algn="ctr" fontAlgn="ctr"/>
-                      <a:r>
-                        <a:rPr lang="en-US" altLang="ko-KR" sz="1100" b="0" i="0" u="none" strike="noStrike" dirty="0">
-                          <a:solidFill>
-                            <a:srgbClr val="000000"/>
-                          </a:solidFill>
-                          <a:effectLst/>
-                          <a:latin typeface="+mn-ea"/>
-                          <a:ea typeface="+mn-ea"/>
-                        </a:rPr>
-                        <a:t>commentPhoto2</a:t>
-                      </a:r>
                       <a:endParaRPr lang="en-US" sz="1100" b="0" i="0" u="none" strike="noStrike" dirty="0">
                         <a:solidFill>
                           <a:srgbClr val="000000"/>
@@ -24638,44 +22031,6 @@
                   <a:txBody>
                     <a:bodyPr/>
                     <a:lstStyle/>
-                    <a:p>
-                      <a:pPr marL="0" marR="0" lvl="0" indent="0" algn="ctr" defTabSz="914400" rtl="0" eaLnBrk="1" fontAlgn="ctr" latinLnBrk="1" hangingPunct="1">
-                        <a:lnSpc>
-                          <a:spcPct val="100000"/>
-                        </a:lnSpc>
-                        <a:spcBef>
-                          <a:spcPts val="0"/>
-                        </a:spcBef>
-                        <a:spcAft>
-                          <a:spcPts val="0"/>
-                        </a:spcAft>
-                        <a:buClrTx/>
-                        <a:buSzTx/>
-                        <a:buFontTx/>
-                        <a:buNone/>
-                        <a:tabLst/>
-                        <a:defRPr/>
-                      </a:pPr>
-                      <a:r>
-                        <a:rPr lang="en-US" altLang="ko-KR" sz="1100" b="0" i="0" u="none" strike="noStrike" dirty="0" err="1">
-                          <a:solidFill>
-                            <a:srgbClr val="000000"/>
-                          </a:solidFill>
-                          <a:effectLst/>
-                          <a:latin typeface="+mn-ea"/>
-                          <a:ea typeface="+mn-ea"/>
-                        </a:rPr>
-                        <a:t>multipartFile</a:t>
-                      </a:r>
-                      <a:endParaRPr lang="en-US" altLang="ko-KR" sz="1100" b="0" i="0" u="none" strike="noStrike" dirty="0">
-                        <a:solidFill>
-                          <a:srgbClr val="000000"/>
-                        </a:solidFill>
-                        <a:effectLst/>
-                        <a:latin typeface="+mn-ea"/>
-                        <a:ea typeface="+mn-ea"/>
-                      </a:endParaRPr>
-                    </a:p>
                     <a:p>
                       <a:pPr algn="ctr" fontAlgn="ctr"/>
                       <a:endParaRPr lang="en-US" sz="1100" b="0" i="0" u="none" strike="noStrike" dirty="0">
@@ -24740,88 +22095,66 @@
                     <a:lstStyle/>
                     <a:p>
                       <a:pPr algn="ctr" fontAlgn="ctr"/>
-                      <a:endParaRPr lang="en-US" altLang="ko-KR" sz="1100" b="0" i="0" u="none" strike="noStrike">
-                        <a:solidFill>
-                          <a:srgbClr val="000000"/>
-                        </a:solidFill>
-                        <a:effectLst/>
-                        <a:latin typeface="+mn-ea"/>
-                        <a:ea typeface="+mn-ea"/>
-                      </a:endParaRPr>
-                    </a:p>
-                  </a:txBody>
-                  <a:tcPr marL="6155" marR="6155" marT="6155" marB="0" anchor="ctr">
-                    <a:noFill/>
-                  </a:tcPr>
-                </a:tc>
-                <a:tc>
-                  <a:txBody>
-                    <a:bodyPr/>
-                    <a:lstStyle/>
-                    <a:p>
-                      <a:pPr algn="ctr" fontAlgn="ctr"/>
-                      <a:endParaRPr lang="en-US" altLang="ko-KR" sz="1100" b="0" i="0" u="none" strike="noStrike">
-                        <a:solidFill>
-                          <a:srgbClr val="000000"/>
-                        </a:solidFill>
-                        <a:effectLst/>
-                        <a:latin typeface="+mn-ea"/>
-                        <a:ea typeface="+mn-ea"/>
-                      </a:endParaRPr>
-                    </a:p>
-                  </a:txBody>
-                  <a:tcPr marL="6155" marR="6155" marT="6155" marB="0" anchor="ctr">
-                    <a:noFill/>
-                  </a:tcPr>
-                </a:tc>
-                <a:tc>
-                  <a:txBody>
-                    <a:bodyPr/>
-                    <a:lstStyle/>
-                    <a:p>
-                      <a:pPr algn="ctr" fontAlgn="ctr"/>
-                      <a:endParaRPr lang="en-US" altLang="ko-KR" sz="1100" b="0" i="0" u="none" strike="noStrike">
-                        <a:solidFill>
-                          <a:srgbClr val="000000"/>
-                        </a:solidFill>
-                        <a:effectLst/>
-                        <a:latin typeface="+mn-ea"/>
-                        <a:ea typeface="+mn-ea"/>
-                      </a:endParaRPr>
-                    </a:p>
-                  </a:txBody>
-                  <a:tcPr marL="6155" marR="6155" marT="6155" marB="0" anchor="ctr">
-                    <a:noFill/>
-                  </a:tcPr>
-                </a:tc>
-                <a:tc>
-                  <a:txBody>
-                    <a:bodyPr/>
-                    <a:lstStyle/>
-                    <a:p>
-                      <a:pPr algn="ctr" fontAlgn="ctr"/>
-                      <a:r>
-                        <a:rPr lang="ko-KR" altLang="en-US" sz="1100" b="0" i="0" u="none" strike="noStrike" dirty="0">
-                          <a:solidFill>
-                            <a:srgbClr val="000000"/>
-                          </a:solidFill>
-                          <a:effectLst/>
-                          <a:latin typeface="+mn-ea"/>
-                          <a:ea typeface="+mn-ea"/>
-                        </a:rPr>
-                        <a:t>댓글사진</a:t>
-                      </a:r>
-                      <a:r>
-                        <a:rPr lang="en-US" altLang="ko-KR" sz="1100" b="0" i="0" u="none" strike="noStrike" dirty="0">
-                          <a:solidFill>
-                            <a:srgbClr val="000000"/>
-                          </a:solidFill>
-                          <a:effectLst/>
-                          <a:latin typeface="+mn-ea"/>
-                          <a:ea typeface="+mn-ea"/>
-                        </a:rPr>
-                        <a:t>2</a:t>
-                      </a:r>
+                      <a:endParaRPr lang="en-US" altLang="ko-KR" sz="1100" b="0" i="0" u="none" strike="noStrike" dirty="0">
+                        <a:solidFill>
+                          <a:srgbClr val="000000"/>
+                        </a:solidFill>
+                        <a:effectLst/>
+                        <a:latin typeface="+mn-ea"/>
+                        <a:ea typeface="+mn-ea"/>
+                      </a:endParaRPr>
+                    </a:p>
+                  </a:txBody>
+                  <a:tcPr marL="6155" marR="6155" marT="6155" marB="0" anchor="ctr">
+                    <a:noFill/>
+                  </a:tcPr>
+                </a:tc>
+                <a:tc>
+                  <a:txBody>
+                    <a:bodyPr/>
+                    <a:lstStyle/>
+                    <a:p>
+                      <a:pPr algn="ctr" fontAlgn="ctr"/>
+                      <a:endParaRPr lang="en-US" altLang="ko-KR" sz="1100" b="0" i="0" u="none" strike="noStrike" dirty="0">
+                        <a:solidFill>
+                          <a:srgbClr val="000000"/>
+                        </a:solidFill>
+                        <a:effectLst/>
+                        <a:latin typeface="+mn-ea"/>
+                        <a:ea typeface="+mn-ea"/>
+                      </a:endParaRPr>
+                    </a:p>
+                  </a:txBody>
+                  <a:tcPr marL="6155" marR="6155" marT="6155" marB="0" anchor="ctr">
+                    <a:noFill/>
+                  </a:tcPr>
+                </a:tc>
+                <a:tc>
+                  <a:txBody>
+                    <a:bodyPr/>
+                    <a:lstStyle/>
+                    <a:p>
+                      <a:pPr algn="ctr" fontAlgn="ctr"/>
+                      <a:endParaRPr lang="en-US" altLang="ko-KR" sz="1100" b="0" i="0" u="none" strike="noStrike" dirty="0">
+                        <a:solidFill>
+                          <a:srgbClr val="000000"/>
+                        </a:solidFill>
+                        <a:effectLst/>
+                        <a:latin typeface="+mn-ea"/>
+                        <a:ea typeface="+mn-ea"/>
+                      </a:endParaRPr>
+                    </a:p>
+                  </a:txBody>
+                  <a:tcPr marL="6155" marR="6155" marT="6155" marB="0" anchor="ctr">
+                    <a:noFill/>
+                  </a:tcPr>
+                </a:tc>
+                <a:tc>
+                  <a:txBody>
+                    <a:bodyPr/>
+                    <a:lstStyle/>
+                    <a:p>
+                      <a:pPr algn="ctr" fontAlgn="ctr"/>
                       <a:endParaRPr lang="ko-KR" altLang="en-US" sz="1100" b="0" i="0" u="none" strike="noStrike" dirty="0">
                         <a:solidFill>
                           <a:srgbClr val="000000"/>
@@ -24877,17 +22210,6 @@
                     <a:lstStyle/>
                     <a:p>
                       <a:pPr algn="ctr" fontAlgn="ctr"/>
-                      <a:r>
-                        <a:rPr lang="en-US" sz="1100" b="0" i="0" u="none" strike="noStrike" dirty="0" err="1">
-                          <a:solidFill>
-                            <a:srgbClr val="000000"/>
-                          </a:solidFill>
-                          <a:effectLst/>
-                          <a:latin typeface="+mn-ea"/>
-                          <a:ea typeface="+mn-ea"/>
-                        </a:rPr>
-                        <a:t>commentDate</a:t>
-                      </a:r>
                       <a:endParaRPr lang="en-US" sz="1100" b="0" i="0" u="none" strike="noStrike" dirty="0">
                         <a:solidFill>
                           <a:srgbClr val="000000"/>
@@ -24908,17 +22230,6 @@
                     <a:lstStyle/>
                     <a:p>
                       <a:pPr algn="ctr" fontAlgn="ctr"/>
-                      <a:r>
-                        <a:rPr lang="en-US" sz="1100" b="0" i="0" u="none" strike="noStrike" dirty="0" err="1">
-                          <a:solidFill>
-                            <a:srgbClr val="000000"/>
-                          </a:solidFill>
-                          <a:effectLst/>
-                          <a:latin typeface="+mn-ea"/>
-                          <a:ea typeface="+mn-ea"/>
-                        </a:rPr>
-                        <a:t>dateTime</a:t>
-                      </a:r>
                       <a:endParaRPr lang="en-US" sz="1100" b="0" i="0" u="none" strike="noStrike" dirty="0">
                         <a:solidFill>
                           <a:srgbClr val="000000"/>
@@ -24981,77 +22292,74 @@
                     <a:lstStyle/>
                     <a:p>
                       <a:pPr algn="ctr" fontAlgn="ctr"/>
-                      <a:endParaRPr lang="en-US" altLang="ko-KR" sz="1100" b="0" i="0" u="none" strike="noStrike">
-                        <a:solidFill>
-                          <a:srgbClr val="000000"/>
-                        </a:solidFill>
-                        <a:effectLst/>
-                        <a:latin typeface="+mn-ea"/>
-                        <a:ea typeface="+mn-ea"/>
-                      </a:endParaRPr>
-                    </a:p>
-                  </a:txBody>
-                  <a:tcPr marL="6155" marR="6155" marT="6155" marB="0" anchor="ctr">
-                    <a:noFill/>
-                  </a:tcPr>
-                </a:tc>
-                <a:tc>
-                  <a:txBody>
-                    <a:bodyPr/>
-                    <a:lstStyle/>
-                    <a:p>
-                      <a:pPr algn="ctr" fontAlgn="ctr"/>
-                      <a:endParaRPr lang="en-US" altLang="ko-KR" sz="1100" b="0" i="0" u="none" strike="noStrike">
-                        <a:solidFill>
-                          <a:srgbClr val="000000"/>
-                        </a:solidFill>
-                        <a:effectLst/>
-                        <a:latin typeface="+mn-ea"/>
-                        <a:ea typeface="+mn-ea"/>
-                      </a:endParaRPr>
-                    </a:p>
-                  </a:txBody>
-                  <a:tcPr marL="6155" marR="6155" marT="6155" marB="0" anchor="ctr">
-                    <a:noFill/>
-                  </a:tcPr>
-                </a:tc>
-                <a:tc>
-                  <a:txBody>
-                    <a:bodyPr/>
-                    <a:lstStyle/>
-                    <a:p>
-                      <a:pPr algn="ctr" fontAlgn="ctr"/>
-                      <a:endParaRPr lang="en-US" altLang="ko-KR" sz="1100" b="0" i="0" u="none" strike="noStrike">
-                        <a:solidFill>
-                          <a:srgbClr val="000000"/>
-                        </a:solidFill>
-                        <a:effectLst/>
-                        <a:latin typeface="+mn-ea"/>
-                        <a:ea typeface="+mn-ea"/>
-                      </a:endParaRPr>
-                    </a:p>
-                  </a:txBody>
-                  <a:tcPr marL="6155" marR="6155" marT="6155" marB="0" anchor="ctr">
-                    <a:noFill/>
-                  </a:tcPr>
-                </a:tc>
-                <a:tc>
-                  <a:txBody>
-                    <a:bodyPr/>
-                    <a:lstStyle/>
-                    <a:p>
-                      <a:pPr algn="ctr" fontAlgn="ctr"/>
-                      <a:r>
-                        <a:rPr lang="ko-KR" altLang="en-US" sz="1100" b="0" i="0" u="none" strike="noStrike" dirty="0">
-                          <a:solidFill>
-                            <a:srgbClr val="000000"/>
-                          </a:solidFill>
-                          <a:effectLst/>
-                          <a:latin typeface="+mn-ea"/>
-                          <a:ea typeface="+mn-ea"/>
-                        </a:rPr>
-                        <a:t>댓글작성시간</a:t>
-                      </a:r>
+                      <a:endParaRPr lang="en-US" altLang="ko-KR" sz="1100" b="0" i="0" u="none" strike="noStrike" dirty="0">
+                        <a:solidFill>
+                          <a:srgbClr val="000000"/>
+                        </a:solidFill>
+                        <a:effectLst/>
+                        <a:latin typeface="+mn-ea"/>
+                        <a:ea typeface="+mn-ea"/>
+                      </a:endParaRPr>
+                    </a:p>
+                  </a:txBody>
+                  <a:tcPr marL="6155" marR="6155" marT="6155" marB="0" anchor="ctr">
+                    <a:noFill/>
+                  </a:tcPr>
+                </a:tc>
+                <a:tc>
+                  <a:txBody>
+                    <a:bodyPr/>
+                    <a:lstStyle/>
+                    <a:p>
+                      <a:pPr algn="ctr" fontAlgn="ctr"/>
+                      <a:endParaRPr lang="en-US" altLang="ko-KR" sz="1100" b="0" i="0" u="none" strike="noStrike" dirty="0">
+                        <a:solidFill>
+                          <a:srgbClr val="000000"/>
+                        </a:solidFill>
+                        <a:effectLst/>
+                        <a:latin typeface="+mn-ea"/>
+                        <a:ea typeface="+mn-ea"/>
+                      </a:endParaRPr>
+                    </a:p>
+                  </a:txBody>
+                  <a:tcPr marL="6155" marR="6155" marT="6155" marB="0" anchor="ctr">
+                    <a:noFill/>
+                  </a:tcPr>
+                </a:tc>
+                <a:tc>
+                  <a:txBody>
+                    <a:bodyPr/>
+                    <a:lstStyle/>
+                    <a:p>
+                      <a:pPr algn="ctr" fontAlgn="ctr"/>
+                      <a:endParaRPr lang="en-US" altLang="ko-KR" sz="1100" b="0" i="0" u="none" strike="noStrike" dirty="0">
+                        <a:solidFill>
+                          <a:srgbClr val="000000"/>
+                        </a:solidFill>
+                        <a:effectLst/>
+                        <a:latin typeface="+mn-ea"/>
+                        <a:ea typeface="+mn-ea"/>
+                      </a:endParaRPr>
+                    </a:p>
+                  </a:txBody>
+                  <a:tcPr marL="6155" marR="6155" marT="6155" marB="0" anchor="ctr">
+                    <a:noFill/>
+                  </a:tcPr>
+                </a:tc>
+                <a:tc>
+                  <a:txBody>
+                    <a:bodyPr/>
+                    <a:lstStyle/>
+                    <a:p>
+                      <a:pPr algn="ctr" fontAlgn="ctr"/>
+                      <a:endParaRPr lang="ko-KR" altLang="en-US" sz="1100" b="0" i="0" u="none" strike="noStrike" dirty="0">
+                        <a:solidFill>
+                          <a:srgbClr val="000000"/>
+                        </a:solidFill>
+                        <a:effectLst/>
+                        <a:latin typeface="+mn-ea"/>
+                        <a:ea typeface="+mn-ea"/>
+                      </a:endParaRPr>
                     </a:p>
                   </a:txBody>
                   <a:tcPr marL="6155" marR="6155" marT="6155" marB="0" anchor="ctr">
@@ -25099,17 +22407,6 @@
                     <a:lstStyle/>
                     <a:p>
                       <a:pPr algn="ctr" fontAlgn="ctr"/>
-                      <a:r>
-                        <a:rPr lang="en-US" sz="1100" b="0" i="0" u="none" strike="noStrike" dirty="0" err="1">
-                          <a:solidFill>
-                            <a:srgbClr val="000000"/>
-                          </a:solidFill>
-                          <a:effectLst/>
-                          <a:latin typeface="+mn-ea"/>
-                          <a:ea typeface="+mn-ea"/>
-                        </a:rPr>
-                        <a:t>commentHits</a:t>
-                      </a:r>
                       <a:endParaRPr lang="en-US" sz="1100" b="0" i="0" u="none" strike="noStrike" dirty="0">
                         <a:solidFill>
                           <a:srgbClr val="000000"/>
@@ -25130,17 +22427,14 @@
                     <a:lstStyle/>
                     <a:p>
                       <a:pPr algn="ctr" fontAlgn="ctr"/>
-                      <a:r>
-                        <a:rPr lang="en-US" sz="1100" b="0" i="0" u="none" strike="noStrike" dirty="0">
-                          <a:solidFill>
-                            <a:srgbClr val="000000"/>
-                          </a:solidFill>
-                          <a:effectLst/>
-                          <a:latin typeface="+mn-ea"/>
-                          <a:ea typeface="+mn-ea"/>
-                        </a:rPr>
-                        <a:t>Int</a:t>
-                      </a:r>
+                      <a:endParaRPr lang="en-US" sz="1100" b="0" i="0" u="none" strike="noStrike" dirty="0">
+                        <a:solidFill>
+                          <a:srgbClr val="000000"/>
+                        </a:solidFill>
+                        <a:effectLst/>
+                        <a:latin typeface="+mn-ea"/>
+                        <a:ea typeface="+mn-ea"/>
+                      </a:endParaRPr>
                     </a:p>
                   </a:txBody>
                   <a:tcPr marL="6155" marR="6155" marT="6155" marB="0" anchor="ctr">
@@ -25255,17 +22549,6 @@
                     <a:lstStyle/>
                     <a:p>
                       <a:pPr algn="ctr" fontAlgn="ctr"/>
-                      <a:r>
-                        <a:rPr lang="ko-KR" altLang="en-US" sz="1100" b="0" i="0" u="none" strike="noStrike" dirty="0">
-                          <a:solidFill>
-                            <a:srgbClr val="000000"/>
-                          </a:solidFill>
-                          <a:effectLst/>
-                          <a:latin typeface="+mn-ea"/>
-                          <a:ea typeface="+mn-ea"/>
-                        </a:rPr>
-                        <a:t>댓글조회수</a:t>
-                      </a:r>
                       <a:endParaRPr lang="en-US" altLang="ko-KR" sz="1100" b="0" i="0" u="none" strike="noStrike" dirty="0">
                         <a:solidFill>
                           <a:srgbClr val="000000"/>
